--- a/Doku/Präsentation_FriendFinder.pptx
+++ b/Doku/Präsentation_FriendFinder.pptx
@@ -4,18 +4,31 @@
   <p:sldMasterIdLst>
     <p:sldMasterId id="2147483648" r:id="rId1"/>
   </p:sldMasterIdLst>
+  <p:notesMasterIdLst>
+    <p:notesMasterId r:id="rId23"/>
+  </p:notesMasterIdLst>
   <p:sldIdLst>
     <p:sldId id="256" r:id="rId2"/>
     <p:sldId id="257" r:id="rId3"/>
     <p:sldId id="266" r:id="rId4"/>
     <p:sldId id="267" r:id="rId5"/>
-    <p:sldId id="265" r:id="rId6"/>
-    <p:sldId id="259" r:id="rId7"/>
-    <p:sldId id="260" r:id="rId8"/>
-    <p:sldId id="261" r:id="rId9"/>
-    <p:sldId id="262" r:id="rId10"/>
-    <p:sldId id="263" r:id="rId11"/>
-    <p:sldId id="264" r:id="rId12"/>
+    <p:sldId id="278" r:id="rId6"/>
+    <p:sldId id="275" r:id="rId7"/>
+    <p:sldId id="279" r:id="rId8"/>
+    <p:sldId id="276" r:id="rId9"/>
+    <p:sldId id="280" r:id="rId10"/>
+    <p:sldId id="277" r:id="rId11"/>
+    <p:sldId id="265" r:id="rId12"/>
+    <p:sldId id="268" r:id="rId13"/>
+    <p:sldId id="270" r:id="rId14"/>
+    <p:sldId id="271" r:id="rId15"/>
+    <p:sldId id="272" r:id="rId16"/>
+    <p:sldId id="264" r:id="rId17"/>
+    <p:sldId id="281" r:id="rId18"/>
+    <p:sldId id="282" r:id="rId19"/>
+    <p:sldId id="283" r:id="rId20"/>
+    <p:sldId id="284" r:id="rId21"/>
+    <p:sldId id="285" r:id="rId22"/>
   </p:sldIdLst>
   <p:sldSz cx="12192000" cy="6858000"/>
   <p:notesSz cx="6858000" cy="9144000"/>
@@ -114,7 +127,450 @@
       </a:defRPr>
     </a:lvl9pPr>
   </p:defaultTextStyle>
+  <p:extLst>
+    <p:ext uri="{EFAFB233-063F-42B5-8137-9DF3F51BA10A}">
+      <p15:sldGuideLst xmlns:p15="http://schemas.microsoft.com/office/powerpoint/2012/main"/>
+    </p:ext>
+  </p:extLst>
 </p:presentation>
+</file>
+
+<file path=ppt/notesMasters/notesMaster1.xml><?xml version="1.0" encoding="utf-8"?>
+<p:notesMaster xmlns:a="http://schemas.openxmlformats.org/drawingml/2006/main" xmlns:r="http://schemas.openxmlformats.org/officeDocument/2006/relationships" xmlns:p="http://schemas.openxmlformats.org/presentationml/2006/main">
+  <p:cSld>
+    <p:bg>
+      <p:bgRef idx="1001">
+        <a:schemeClr val="bg1"/>
+      </p:bgRef>
+    </p:bg>
+    <p:spTree>
+      <p:nvGrpSpPr>
+        <p:cNvPr id="1" name=""/>
+        <p:cNvGrpSpPr/>
+        <p:nvPr/>
+      </p:nvGrpSpPr>
+      <p:grpSpPr>
+        <a:xfrm>
+          <a:off x="0" y="0"/>
+          <a:ext cx="0" cy="0"/>
+          <a:chOff x="0" y="0"/>
+          <a:chExt cx="0" cy="0"/>
+        </a:xfrm>
+      </p:grpSpPr>
+      <p:sp>
+        <p:nvSpPr>
+          <p:cNvPr id="2" name="Kopfzeilenplatzhalter 1"/>
+          <p:cNvSpPr>
+            <a:spLocks noGrp="1"/>
+          </p:cNvSpPr>
+          <p:nvPr>
+            <p:ph type="hdr" sz="quarter"/>
+          </p:nvPr>
+        </p:nvSpPr>
+        <p:spPr>
+          <a:xfrm>
+            <a:off x="0" y="0"/>
+            <a:ext cx="2971800" cy="458788"/>
+          </a:xfrm>
+          <a:prstGeom prst="rect">
+            <a:avLst/>
+          </a:prstGeom>
+        </p:spPr>
+        <p:txBody>
+          <a:bodyPr vert="horz" lIns="91440" tIns="45720" rIns="91440" bIns="45720" rtlCol="0"/>
+          <a:lstStyle>
+            <a:lvl1pPr algn="l">
+              <a:defRPr sz="1200"/>
+            </a:lvl1pPr>
+          </a:lstStyle>
+          <a:p>
+            <a:endParaRPr lang="de-DE"/>
+          </a:p>
+        </p:txBody>
+      </p:sp>
+      <p:sp>
+        <p:nvSpPr>
+          <p:cNvPr id="3" name="Datumsplatzhalter 2"/>
+          <p:cNvSpPr>
+            <a:spLocks noGrp="1"/>
+          </p:cNvSpPr>
+          <p:nvPr>
+            <p:ph type="dt" idx="1"/>
+          </p:nvPr>
+        </p:nvSpPr>
+        <p:spPr>
+          <a:xfrm>
+            <a:off x="3884613" y="0"/>
+            <a:ext cx="2971800" cy="458788"/>
+          </a:xfrm>
+          <a:prstGeom prst="rect">
+            <a:avLst/>
+          </a:prstGeom>
+        </p:spPr>
+        <p:txBody>
+          <a:bodyPr vert="horz" lIns="91440" tIns="45720" rIns="91440" bIns="45720" rtlCol="0"/>
+          <a:lstStyle>
+            <a:lvl1pPr algn="r">
+              <a:defRPr sz="1200"/>
+            </a:lvl1pPr>
+          </a:lstStyle>
+          <a:p>
+            <a:fld id="{238213BF-A081-4FDC-821F-2956847019C0}" type="datetimeFigureOut">
+              <a:rPr lang="de-DE" smtClean="0"/>
+              <a:t>14.01.2016</a:t>
+            </a:fld>
+            <a:endParaRPr lang="de-DE"/>
+          </a:p>
+        </p:txBody>
+      </p:sp>
+      <p:sp>
+        <p:nvSpPr>
+          <p:cNvPr id="4" name="Folienbildplatzhalter 3"/>
+          <p:cNvSpPr>
+            <a:spLocks noGrp="1" noRot="1" noChangeAspect="1"/>
+          </p:cNvSpPr>
+          <p:nvPr>
+            <p:ph type="sldImg" idx="2"/>
+          </p:nvPr>
+        </p:nvSpPr>
+        <p:spPr>
+          <a:xfrm>
+            <a:off x="685800" y="1143000"/>
+            <a:ext cx="5486400" cy="3086100"/>
+          </a:xfrm>
+          <a:prstGeom prst="rect">
+            <a:avLst/>
+          </a:prstGeom>
+          <a:noFill/>
+          <a:ln w="12700">
+            <a:solidFill>
+              <a:prstClr val="black"/>
+            </a:solidFill>
+          </a:ln>
+        </p:spPr>
+        <p:txBody>
+          <a:bodyPr vert="horz" lIns="91440" tIns="45720" rIns="91440" bIns="45720" rtlCol="0" anchor="ctr"/>
+          <a:lstStyle/>
+          <a:p>
+            <a:endParaRPr lang="de-DE"/>
+          </a:p>
+        </p:txBody>
+      </p:sp>
+      <p:sp>
+        <p:nvSpPr>
+          <p:cNvPr id="5" name="Notizenplatzhalter 4"/>
+          <p:cNvSpPr>
+            <a:spLocks noGrp="1"/>
+          </p:cNvSpPr>
+          <p:nvPr>
+            <p:ph type="body" sz="quarter" idx="3"/>
+          </p:nvPr>
+        </p:nvSpPr>
+        <p:spPr>
+          <a:xfrm>
+            <a:off x="685800" y="4400550"/>
+            <a:ext cx="5486400" cy="3600450"/>
+          </a:xfrm>
+          <a:prstGeom prst="rect">
+            <a:avLst/>
+          </a:prstGeom>
+        </p:spPr>
+        <p:txBody>
+          <a:bodyPr vert="horz" lIns="91440" tIns="45720" rIns="91440" bIns="45720" rtlCol="0"/>
+          <a:lstStyle/>
+          <a:p>
+            <a:pPr lvl="0"/>
+            <a:r>
+              <a:rPr lang="de-DE" smtClean="0"/>
+              <a:t>Textmasterformat bearbeiten</a:t>
+            </a:r>
+          </a:p>
+          <a:p>
+            <a:pPr lvl="1"/>
+            <a:r>
+              <a:rPr lang="de-DE" smtClean="0"/>
+              <a:t>Zweite Ebene</a:t>
+            </a:r>
+          </a:p>
+          <a:p>
+            <a:pPr lvl="2"/>
+            <a:r>
+              <a:rPr lang="de-DE" smtClean="0"/>
+              <a:t>Dritte Ebene</a:t>
+            </a:r>
+          </a:p>
+          <a:p>
+            <a:pPr lvl="3"/>
+            <a:r>
+              <a:rPr lang="de-DE" smtClean="0"/>
+              <a:t>Vierte Ebene</a:t>
+            </a:r>
+          </a:p>
+          <a:p>
+            <a:pPr lvl="4"/>
+            <a:r>
+              <a:rPr lang="de-DE" smtClean="0"/>
+              <a:t>Fünfte Ebene</a:t>
+            </a:r>
+            <a:endParaRPr lang="de-DE"/>
+          </a:p>
+        </p:txBody>
+      </p:sp>
+      <p:sp>
+        <p:nvSpPr>
+          <p:cNvPr id="6" name="Fußzeilenplatzhalter 5"/>
+          <p:cNvSpPr>
+            <a:spLocks noGrp="1"/>
+          </p:cNvSpPr>
+          <p:nvPr>
+            <p:ph type="ftr" sz="quarter" idx="4"/>
+          </p:nvPr>
+        </p:nvSpPr>
+        <p:spPr>
+          <a:xfrm>
+            <a:off x="0" y="8685213"/>
+            <a:ext cx="2971800" cy="458787"/>
+          </a:xfrm>
+          <a:prstGeom prst="rect">
+            <a:avLst/>
+          </a:prstGeom>
+        </p:spPr>
+        <p:txBody>
+          <a:bodyPr vert="horz" lIns="91440" tIns="45720" rIns="91440" bIns="45720" rtlCol="0" anchor="b"/>
+          <a:lstStyle>
+            <a:lvl1pPr algn="l">
+              <a:defRPr sz="1200"/>
+            </a:lvl1pPr>
+          </a:lstStyle>
+          <a:p>
+            <a:endParaRPr lang="de-DE"/>
+          </a:p>
+        </p:txBody>
+      </p:sp>
+      <p:sp>
+        <p:nvSpPr>
+          <p:cNvPr id="7" name="Foliennummernplatzhalter 6"/>
+          <p:cNvSpPr>
+            <a:spLocks noGrp="1"/>
+          </p:cNvSpPr>
+          <p:nvPr>
+            <p:ph type="sldNum" sz="quarter" idx="5"/>
+          </p:nvPr>
+        </p:nvSpPr>
+        <p:spPr>
+          <a:xfrm>
+            <a:off x="3884613" y="8685213"/>
+            <a:ext cx="2971800" cy="458787"/>
+          </a:xfrm>
+          <a:prstGeom prst="rect">
+            <a:avLst/>
+          </a:prstGeom>
+        </p:spPr>
+        <p:txBody>
+          <a:bodyPr vert="horz" lIns="91440" tIns="45720" rIns="91440" bIns="45720" rtlCol="0" anchor="b"/>
+          <a:lstStyle>
+            <a:lvl1pPr algn="r">
+              <a:defRPr sz="1200"/>
+            </a:lvl1pPr>
+          </a:lstStyle>
+          <a:p>
+            <a:fld id="{1254B55D-A7E6-4522-B6C4-D0C2E18BAB56}" type="slidenum">
+              <a:rPr lang="de-DE" smtClean="0"/>
+              <a:t>‹Nr.›</a:t>
+            </a:fld>
+            <a:endParaRPr lang="de-DE"/>
+          </a:p>
+        </p:txBody>
+      </p:sp>
+    </p:spTree>
+    <p:extLst>
+      <p:ext uri="{BB962C8B-B14F-4D97-AF65-F5344CB8AC3E}">
+        <p14:creationId xmlns:p14="http://schemas.microsoft.com/office/powerpoint/2010/main" val="559169241"/>
+      </p:ext>
+    </p:extLst>
+  </p:cSld>
+  <p:clrMap bg1="lt1" tx1="dk1" bg2="lt2" tx2="dk2" accent1="accent1" accent2="accent2" accent3="accent3" accent4="accent4" accent5="accent5" accent6="accent6" hlink="hlink" folHlink="folHlink"/>
+  <p:notesStyle>
+    <a:lvl1pPr marL="0" algn="l" defTabSz="914400" rtl="0" eaLnBrk="1" latinLnBrk="0" hangingPunct="1">
+      <a:defRPr sz="1200" kern="1200">
+        <a:solidFill>
+          <a:schemeClr val="tx1"/>
+        </a:solidFill>
+        <a:latin typeface="+mn-lt"/>
+        <a:ea typeface="+mn-ea"/>
+        <a:cs typeface="+mn-cs"/>
+      </a:defRPr>
+    </a:lvl1pPr>
+    <a:lvl2pPr marL="457200" algn="l" defTabSz="914400" rtl="0" eaLnBrk="1" latinLnBrk="0" hangingPunct="1">
+      <a:defRPr sz="1200" kern="1200">
+        <a:solidFill>
+          <a:schemeClr val="tx1"/>
+        </a:solidFill>
+        <a:latin typeface="+mn-lt"/>
+        <a:ea typeface="+mn-ea"/>
+        <a:cs typeface="+mn-cs"/>
+      </a:defRPr>
+    </a:lvl2pPr>
+    <a:lvl3pPr marL="914400" algn="l" defTabSz="914400" rtl="0" eaLnBrk="1" latinLnBrk="0" hangingPunct="1">
+      <a:defRPr sz="1200" kern="1200">
+        <a:solidFill>
+          <a:schemeClr val="tx1"/>
+        </a:solidFill>
+        <a:latin typeface="+mn-lt"/>
+        <a:ea typeface="+mn-ea"/>
+        <a:cs typeface="+mn-cs"/>
+      </a:defRPr>
+    </a:lvl3pPr>
+    <a:lvl4pPr marL="1371600" algn="l" defTabSz="914400" rtl="0" eaLnBrk="1" latinLnBrk="0" hangingPunct="1">
+      <a:defRPr sz="1200" kern="1200">
+        <a:solidFill>
+          <a:schemeClr val="tx1"/>
+        </a:solidFill>
+        <a:latin typeface="+mn-lt"/>
+        <a:ea typeface="+mn-ea"/>
+        <a:cs typeface="+mn-cs"/>
+      </a:defRPr>
+    </a:lvl4pPr>
+    <a:lvl5pPr marL="1828800" algn="l" defTabSz="914400" rtl="0" eaLnBrk="1" latinLnBrk="0" hangingPunct="1">
+      <a:defRPr sz="1200" kern="1200">
+        <a:solidFill>
+          <a:schemeClr val="tx1"/>
+        </a:solidFill>
+        <a:latin typeface="+mn-lt"/>
+        <a:ea typeface="+mn-ea"/>
+        <a:cs typeface="+mn-cs"/>
+      </a:defRPr>
+    </a:lvl5pPr>
+    <a:lvl6pPr marL="2286000" algn="l" defTabSz="914400" rtl="0" eaLnBrk="1" latinLnBrk="0" hangingPunct="1">
+      <a:defRPr sz="1200" kern="1200">
+        <a:solidFill>
+          <a:schemeClr val="tx1"/>
+        </a:solidFill>
+        <a:latin typeface="+mn-lt"/>
+        <a:ea typeface="+mn-ea"/>
+        <a:cs typeface="+mn-cs"/>
+      </a:defRPr>
+    </a:lvl6pPr>
+    <a:lvl7pPr marL="2743200" algn="l" defTabSz="914400" rtl="0" eaLnBrk="1" latinLnBrk="0" hangingPunct="1">
+      <a:defRPr sz="1200" kern="1200">
+        <a:solidFill>
+          <a:schemeClr val="tx1"/>
+        </a:solidFill>
+        <a:latin typeface="+mn-lt"/>
+        <a:ea typeface="+mn-ea"/>
+        <a:cs typeface="+mn-cs"/>
+      </a:defRPr>
+    </a:lvl7pPr>
+    <a:lvl8pPr marL="3200400" algn="l" defTabSz="914400" rtl="0" eaLnBrk="1" latinLnBrk="0" hangingPunct="1">
+      <a:defRPr sz="1200" kern="1200">
+        <a:solidFill>
+          <a:schemeClr val="tx1"/>
+        </a:solidFill>
+        <a:latin typeface="+mn-lt"/>
+        <a:ea typeface="+mn-ea"/>
+        <a:cs typeface="+mn-cs"/>
+      </a:defRPr>
+    </a:lvl8pPr>
+    <a:lvl9pPr marL="3657600" algn="l" defTabSz="914400" rtl="0" eaLnBrk="1" latinLnBrk="0" hangingPunct="1">
+      <a:defRPr sz="1200" kern="1200">
+        <a:solidFill>
+          <a:schemeClr val="tx1"/>
+        </a:solidFill>
+        <a:latin typeface="+mn-lt"/>
+        <a:ea typeface="+mn-ea"/>
+        <a:cs typeface="+mn-cs"/>
+      </a:defRPr>
+    </a:lvl9pPr>
+  </p:notesStyle>
+</p:notesMaster>
+</file>
+
+<file path=ppt/notesSlides/notesSlide1.xml><?xml version="1.0" encoding="utf-8"?>
+<p:notes xmlns:a="http://schemas.openxmlformats.org/drawingml/2006/main" xmlns:r="http://schemas.openxmlformats.org/officeDocument/2006/relationships" xmlns:p="http://schemas.openxmlformats.org/presentationml/2006/main">
+  <p:cSld>
+    <p:spTree>
+      <p:nvGrpSpPr>
+        <p:cNvPr id="1" name=""/>
+        <p:cNvGrpSpPr/>
+        <p:nvPr/>
+      </p:nvGrpSpPr>
+      <p:grpSpPr>
+        <a:xfrm>
+          <a:off x="0" y="0"/>
+          <a:ext cx="0" cy="0"/>
+          <a:chOff x="0" y="0"/>
+          <a:chExt cx="0" cy="0"/>
+        </a:xfrm>
+      </p:grpSpPr>
+      <p:sp>
+        <p:nvSpPr>
+          <p:cNvPr id="2" name="Folienbildplatzhalter 1"/>
+          <p:cNvSpPr>
+            <a:spLocks noGrp="1" noRot="1" noChangeAspect="1"/>
+          </p:cNvSpPr>
+          <p:nvPr>
+            <p:ph type="sldImg"/>
+          </p:nvPr>
+        </p:nvSpPr>
+        <p:spPr/>
+      </p:sp>
+      <p:sp>
+        <p:nvSpPr>
+          <p:cNvPr id="3" name="Notizenplatzhalter 2"/>
+          <p:cNvSpPr>
+            <a:spLocks noGrp="1"/>
+          </p:cNvSpPr>
+          <p:nvPr>
+            <p:ph type="body" idx="1"/>
+          </p:nvPr>
+        </p:nvSpPr>
+        <p:spPr/>
+        <p:txBody>
+          <a:bodyPr/>
+          <a:lstStyle/>
+          <a:p>
+            <a:r>
+              <a:rPr lang="de-DE" dirty="0" smtClean="0"/>
+              <a:t>Labern…</a:t>
+            </a:r>
+            <a:endParaRPr lang="de-DE" dirty="0"/>
+          </a:p>
+        </p:txBody>
+      </p:sp>
+      <p:sp>
+        <p:nvSpPr>
+          <p:cNvPr id="4" name="Foliennummernplatzhalter 3"/>
+          <p:cNvSpPr>
+            <a:spLocks noGrp="1"/>
+          </p:cNvSpPr>
+          <p:nvPr>
+            <p:ph type="sldNum" sz="quarter" idx="10"/>
+          </p:nvPr>
+        </p:nvSpPr>
+        <p:spPr/>
+        <p:txBody>
+          <a:bodyPr/>
+          <a:lstStyle/>
+          <a:p>
+            <a:fld id="{1254B55D-A7E6-4522-B6C4-D0C2E18BAB56}" type="slidenum">
+              <a:rPr lang="de-DE" smtClean="0"/>
+              <a:t>3</a:t>
+            </a:fld>
+            <a:endParaRPr lang="de-DE"/>
+          </a:p>
+        </p:txBody>
+      </p:sp>
+    </p:spTree>
+    <p:extLst>
+      <p:ext uri="{BB962C8B-B14F-4D97-AF65-F5344CB8AC3E}">
+        <p14:creationId xmlns:p14="http://schemas.microsoft.com/office/powerpoint/2010/main" val="4201792447"/>
+      </p:ext>
+    </p:extLst>
+  </p:cSld>
+  <p:clrMapOvr>
+    <a:masterClrMapping/>
+  </p:clrMapOvr>
+</p:notes>
 </file>
 
 <file path=ppt/slideLayouts/slideLayout1.xml><?xml version="1.0" encoding="utf-8"?>
@@ -248,7 +704,7 @@
           <a:p>
             <a:fld id="{16FFA8BD-C8E1-49A0-9DC5-391835568A47}" type="datetimeFigureOut">
               <a:rPr lang="de-DE" smtClean="0"/>
-              <a:t>12.01.2016</a:t>
+              <a:t>14.01.2016</a:t>
             </a:fld>
             <a:endParaRPr lang="de-DE"/>
           </a:p>
@@ -418,7 +874,7 @@
           <a:p>
             <a:fld id="{16FFA8BD-C8E1-49A0-9DC5-391835568A47}" type="datetimeFigureOut">
               <a:rPr lang="de-DE" smtClean="0"/>
-              <a:t>12.01.2016</a:t>
+              <a:t>14.01.2016</a:t>
             </a:fld>
             <a:endParaRPr lang="de-DE"/>
           </a:p>
@@ -598,7 +1054,7 @@
           <a:p>
             <a:fld id="{16FFA8BD-C8E1-49A0-9DC5-391835568A47}" type="datetimeFigureOut">
               <a:rPr lang="de-DE" smtClean="0"/>
-              <a:t>12.01.2016</a:t>
+              <a:t>14.01.2016</a:t>
             </a:fld>
             <a:endParaRPr lang="de-DE"/>
           </a:p>
@@ -768,7 +1224,7 @@
           <a:p>
             <a:fld id="{16FFA8BD-C8E1-49A0-9DC5-391835568A47}" type="datetimeFigureOut">
               <a:rPr lang="de-DE" smtClean="0"/>
-              <a:t>12.01.2016</a:t>
+              <a:t>14.01.2016</a:t>
             </a:fld>
             <a:endParaRPr lang="de-DE"/>
           </a:p>
@@ -1014,7 +1470,7 @@
           <a:p>
             <a:fld id="{16FFA8BD-C8E1-49A0-9DC5-391835568A47}" type="datetimeFigureOut">
               <a:rPr lang="de-DE" smtClean="0"/>
-              <a:t>12.01.2016</a:t>
+              <a:t>14.01.2016</a:t>
             </a:fld>
             <a:endParaRPr lang="de-DE"/>
           </a:p>
@@ -1246,7 +1702,7 @@
           <a:p>
             <a:fld id="{16FFA8BD-C8E1-49A0-9DC5-391835568A47}" type="datetimeFigureOut">
               <a:rPr lang="de-DE" smtClean="0"/>
-              <a:t>12.01.2016</a:t>
+              <a:t>14.01.2016</a:t>
             </a:fld>
             <a:endParaRPr lang="de-DE"/>
           </a:p>
@@ -1613,7 +2069,7 @@
           <a:p>
             <a:fld id="{16FFA8BD-C8E1-49A0-9DC5-391835568A47}" type="datetimeFigureOut">
               <a:rPr lang="de-DE" smtClean="0"/>
-              <a:t>12.01.2016</a:t>
+              <a:t>14.01.2016</a:t>
             </a:fld>
             <a:endParaRPr lang="de-DE"/>
           </a:p>
@@ -1731,7 +2187,7 @@
           <a:p>
             <a:fld id="{16FFA8BD-C8E1-49A0-9DC5-391835568A47}" type="datetimeFigureOut">
               <a:rPr lang="de-DE" smtClean="0"/>
-              <a:t>12.01.2016</a:t>
+              <a:t>14.01.2016</a:t>
             </a:fld>
             <a:endParaRPr lang="de-DE"/>
           </a:p>
@@ -1826,7 +2282,7 @@
           <a:p>
             <a:fld id="{16FFA8BD-C8E1-49A0-9DC5-391835568A47}" type="datetimeFigureOut">
               <a:rPr lang="de-DE" smtClean="0"/>
-              <a:t>12.01.2016</a:t>
+              <a:t>14.01.2016</a:t>
             </a:fld>
             <a:endParaRPr lang="de-DE"/>
           </a:p>
@@ -2103,7 +2559,7 @@
           <a:p>
             <a:fld id="{16FFA8BD-C8E1-49A0-9DC5-391835568A47}" type="datetimeFigureOut">
               <a:rPr lang="de-DE" smtClean="0"/>
-              <a:t>12.01.2016</a:t>
+              <a:t>14.01.2016</a:t>
             </a:fld>
             <a:endParaRPr lang="de-DE"/>
           </a:p>
@@ -2356,7 +2812,7 @@
           <a:p>
             <a:fld id="{16FFA8BD-C8E1-49A0-9DC5-391835568A47}" type="datetimeFigureOut">
               <a:rPr lang="de-DE" smtClean="0"/>
-              <a:t>12.01.2016</a:t>
+              <a:t>14.01.2016</a:t>
             </a:fld>
             <a:endParaRPr lang="de-DE"/>
           </a:p>
@@ -2569,7 +3025,7 @@
           <a:p>
             <a:fld id="{16FFA8BD-C8E1-49A0-9DC5-391835568A47}" type="datetimeFigureOut">
               <a:rPr lang="de-DE" smtClean="0"/>
-              <a:t>12.01.2016</a:t>
+              <a:t>14.01.2016</a:t>
             </a:fld>
             <a:endParaRPr lang="de-DE"/>
           </a:p>
@@ -3014,7 +3470,15 @@
           <a:p>
             <a:r>
               <a:rPr lang="de-DE" dirty="0" smtClean="0"/>
-              <a:t>Finde deine Freunde schnell, unkompliziert und mit Smartphone-Unterstützung wenn du mal den Überblick verloren hast!</a:t>
+              <a:t>Finde deine Freunde schnell, unkompliziert und mit </a:t>
+            </a:r>
+            <a:r>
+              <a:rPr lang="de-DE" dirty="0" smtClean="0"/>
+              <a:t>Smartphone-Unterstützung, </a:t>
+            </a:r>
+            <a:r>
+              <a:rPr lang="de-DE" dirty="0" smtClean="0"/>
+              <a:t>wenn du mal den Überblick verloren hast!</a:t>
             </a:r>
             <a:endParaRPr lang="de-DE" dirty="0"/>
           </a:p>
@@ -3059,69 +3523,1376 @@
       </p:grpSpPr>
       <p:sp>
         <p:nvSpPr>
-          <p:cNvPr id="2" name="Titel 1"/>
-          <p:cNvSpPr>
-            <a:spLocks noGrp="1"/>
-          </p:cNvSpPr>
-          <p:nvPr>
-            <p:ph type="title"/>
-          </p:nvPr>
-        </p:nvSpPr>
-        <p:spPr/>
-        <p:txBody>
-          <a:bodyPr/>
+          <p:cNvPr id="2" name="Rechteck 1"/>
+          <p:cNvSpPr/>
+          <p:nvPr/>
+        </p:nvSpPr>
+        <p:spPr>
+          <a:xfrm>
+            <a:off x="473948" y="1848081"/>
+            <a:ext cx="1255924" cy="1710366"/>
+          </a:xfrm>
+          <a:prstGeom prst="rect">
+            <a:avLst/>
+          </a:prstGeom>
+          <a:ln/>
+        </p:spPr>
+        <p:style>
+          <a:lnRef idx="0">
+            <a:schemeClr val="accent1"/>
+          </a:lnRef>
+          <a:fillRef idx="3">
+            <a:schemeClr val="accent1"/>
+          </a:fillRef>
+          <a:effectRef idx="3">
+            <a:schemeClr val="accent1"/>
+          </a:effectRef>
+          <a:fontRef idx="minor">
+            <a:schemeClr val="lt1"/>
+          </a:fontRef>
+        </p:style>
+        <p:txBody>
+          <a:bodyPr rtlCol="0" anchor="ctr"/>
+          <a:lstStyle/>
+          <a:p>
+            <a:pPr algn="ctr"/>
+            <a:endParaRPr lang="de-DE"/>
+          </a:p>
+        </p:txBody>
+      </p:sp>
+      <p:sp>
+        <p:nvSpPr>
+          <p:cNvPr id="6" name="Textfeld 5"/>
+          <p:cNvSpPr txBox="1"/>
+          <p:nvPr/>
+        </p:nvSpPr>
+        <p:spPr>
+          <a:xfrm>
+            <a:off x="418824" y="1393353"/>
+            <a:ext cx="1406154" cy="369332"/>
+          </a:xfrm>
+          <a:prstGeom prst="rect">
+            <a:avLst/>
+          </a:prstGeom>
+          <a:noFill/>
+        </p:spPr>
+        <p:txBody>
+          <a:bodyPr wrap="none" rtlCol="0">
+            <a:spAutoFit/>
+          </a:bodyPr>
+          <a:lstStyle/>
+          <a:p>
+            <a:r>
+              <a:rPr lang="de-DE" b="1" dirty="0" err="1" smtClean="0"/>
+              <a:t>MainActivity</a:t>
+            </a:r>
+            <a:endParaRPr lang="de-DE" b="1" dirty="0"/>
+          </a:p>
+        </p:txBody>
+      </p:sp>
+      <p:sp>
+        <p:nvSpPr>
+          <p:cNvPr id="7" name="Rechteck 6"/>
+          <p:cNvSpPr/>
+          <p:nvPr/>
+        </p:nvSpPr>
+        <p:spPr>
+          <a:xfrm>
+            <a:off x="3884406" y="1821367"/>
+            <a:ext cx="1176166" cy="1737079"/>
+          </a:xfrm>
+          <a:prstGeom prst="rect">
+            <a:avLst/>
+          </a:prstGeom>
+        </p:spPr>
+        <p:style>
+          <a:lnRef idx="0">
+            <a:schemeClr val="accent1"/>
+          </a:lnRef>
+          <a:fillRef idx="3">
+            <a:schemeClr val="accent1"/>
+          </a:fillRef>
+          <a:effectRef idx="3">
+            <a:schemeClr val="accent1"/>
+          </a:effectRef>
+          <a:fontRef idx="minor">
+            <a:schemeClr val="lt1"/>
+          </a:fontRef>
+        </p:style>
+        <p:txBody>
+          <a:bodyPr rtlCol="0" anchor="ctr"/>
+          <a:lstStyle/>
+          <a:p>
+            <a:pPr algn="ctr"/>
+            <a:endParaRPr lang="de-DE"/>
+          </a:p>
+        </p:txBody>
+      </p:sp>
+      <p:sp>
+        <p:nvSpPr>
+          <p:cNvPr id="8" name="Textfeld 7"/>
+          <p:cNvSpPr txBox="1"/>
+          <p:nvPr/>
+        </p:nvSpPr>
+        <p:spPr>
+          <a:xfrm>
+            <a:off x="3536825" y="1401791"/>
+            <a:ext cx="2058256" cy="369332"/>
+          </a:xfrm>
+          <a:prstGeom prst="rect">
+            <a:avLst/>
+          </a:prstGeom>
+          <a:noFill/>
+        </p:spPr>
+        <p:txBody>
+          <a:bodyPr wrap="none" rtlCol="0">
+            <a:spAutoFit/>
+          </a:bodyPr>
+          <a:lstStyle/>
+          <a:p>
+            <a:r>
+              <a:rPr lang="de-DE" b="1" dirty="0" err="1" smtClean="0"/>
+              <a:t>RegistrationActivity</a:t>
+            </a:r>
+            <a:endParaRPr lang="de-DE" b="1" dirty="0"/>
+          </a:p>
+        </p:txBody>
+      </p:sp>
+      <p:sp>
+        <p:nvSpPr>
+          <p:cNvPr id="9" name="Rechteck 8"/>
+          <p:cNvSpPr/>
+          <p:nvPr/>
+        </p:nvSpPr>
+        <p:spPr>
+          <a:xfrm>
+            <a:off x="7210828" y="1817937"/>
+            <a:ext cx="1135759" cy="1740510"/>
+          </a:xfrm>
+          <a:prstGeom prst="rect">
+            <a:avLst/>
+          </a:prstGeom>
+        </p:spPr>
+        <p:style>
+          <a:lnRef idx="0">
+            <a:schemeClr val="accent1"/>
+          </a:lnRef>
+          <a:fillRef idx="3">
+            <a:schemeClr val="accent1"/>
+          </a:fillRef>
+          <a:effectRef idx="3">
+            <a:schemeClr val="accent1"/>
+          </a:effectRef>
+          <a:fontRef idx="minor">
+            <a:schemeClr val="lt1"/>
+          </a:fontRef>
+        </p:style>
+        <p:txBody>
+          <a:bodyPr rtlCol="0" anchor="ctr"/>
+          <a:lstStyle/>
+          <a:p>
+            <a:pPr algn="ctr"/>
+            <a:endParaRPr lang="de-DE"/>
+          </a:p>
+        </p:txBody>
+      </p:sp>
+      <p:sp>
+        <p:nvSpPr>
+          <p:cNvPr id="10" name="Textfeld 9"/>
+          <p:cNvSpPr txBox="1"/>
+          <p:nvPr/>
+        </p:nvSpPr>
+        <p:spPr>
+          <a:xfrm>
+            <a:off x="6510394" y="1398655"/>
+            <a:ext cx="2446439" cy="369332"/>
+          </a:xfrm>
+          <a:prstGeom prst="rect">
+            <a:avLst/>
+          </a:prstGeom>
+          <a:noFill/>
+        </p:spPr>
+        <p:txBody>
+          <a:bodyPr wrap="none" rtlCol="0">
+            <a:spAutoFit/>
+          </a:bodyPr>
+          <a:lstStyle/>
+          <a:p>
+            <a:r>
+              <a:rPr lang="de-DE" b="1" dirty="0" err="1" smtClean="0"/>
+              <a:t>ContactListViewActivity</a:t>
+            </a:r>
+            <a:endParaRPr lang="de-DE" b="1" dirty="0"/>
+          </a:p>
+        </p:txBody>
+      </p:sp>
+      <p:sp>
+        <p:nvSpPr>
+          <p:cNvPr id="11" name="Rechteck 10"/>
+          <p:cNvSpPr/>
+          <p:nvPr/>
+        </p:nvSpPr>
+        <p:spPr>
+          <a:xfrm>
+            <a:off x="10491599" y="1817936"/>
+            <a:ext cx="1173278" cy="1740511"/>
+          </a:xfrm>
+          <a:prstGeom prst="rect">
+            <a:avLst/>
+          </a:prstGeom>
+        </p:spPr>
+        <p:style>
+          <a:lnRef idx="0">
+            <a:schemeClr val="accent1"/>
+          </a:lnRef>
+          <a:fillRef idx="3">
+            <a:schemeClr val="accent1"/>
+          </a:fillRef>
+          <a:effectRef idx="3">
+            <a:schemeClr val="accent1"/>
+          </a:effectRef>
+          <a:fontRef idx="minor">
+            <a:schemeClr val="lt1"/>
+          </a:fontRef>
+        </p:style>
+        <p:txBody>
+          <a:bodyPr rtlCol="0" anchor="ctr"/>
+          <a:lstStyle/>
+          <a:p>
+            <a:pPr algn="ctr"/>
+            <a:endParaRPr lang="de-DE"/>
+          </a:p>
+        </p:txBody>
+      </p:sp>
+      <p:sp>
+        <p:nvSpPr>
+          <p:cNvPr id="12" name="Textfeld 11"/>
+          <p:cNvSpPr txBox="1"/>
+          <p:nvPr/>
+        </p:nvSpPr>
+        <p:spPr>
+          <a:xfrm>
+            <a:off x="10108934" y="1393353"/>
+            <a:ext cx="1938608" cy="369332"/>
+          </a:xfrm>
+          <a:prstGeom prst="rect">
+            <a:avLst/>
+          </a:prstGeom>
+          <a:noFill/>
+        </p:spPr>
+        <p:txBody>
+          <a:bodyPr wrap="none" rtlCol="0">
+            <a:spAutoFit/>
+          </a:bodyPr>
+          <a:lstStyle/>
+          <a:p>
+            <a:r>
+              <a:rPr lang="de-DE" b="1" dirty="0" err="1" smtClean="0"/>
+              <a:t>NavigationActivity</a:t>
+            </a:r>
+            <a:endParaRPr lang="de-DE" b="1" dirty="0"/>
+          </a:p>
+        </p:txBody>
+      </p:sp>
+      <p:sp>
+        <p:nvSpPr>
+          <p:cNvPr id="14" name="Pfeil nach rechts 13"/>
+          <p:cNvSpPr/>
+          <p:nvPr/>
+        </p:nvSpPr>
+        <p:spPr>
+          <a:xfrm>
+            <a:off x="1739394" y="2714206"/>
+            <a:ext cx="2135490" cy="308473"/>
+          </a:xfrm>
+          <a:prstGeom prst="rightArrow">
+            <a:avLst/>
+          </a:prstGeom>
+        </p:spPr>
+        <p:style>
+          <a:lnRef idx="0">
+            <a:schemeClr val="accent6"/>
+          </a:lnRef>
+          <a:fillRef idx="3">
+            <a:schemeClr val="accent6"/>
+          </a:fillRef>
+          <a:effectRef idx="3">
+            <a:schemeClr val="accent6"/>
+          </a:effectRef>
+          <a:fontRef idx="minor">
+            <a:schemeClr val="lt1"/>
+          </a:fontRef>
+        </p:style>
+        <p:txBody>
+          <a:bodyPr rtlCol="0" anchor="ctr"/>
+          <a:lstStyle/>
+          <a:p>
+            <a:pPr algn="ctr"/>
+            <a:endParaRPr lang="de-DE"/>
+          </a:p>
+        </p:txBody>
+      </p:sp>
+      <p:sp>
+        <p:nvSpPr>
+          <p:cNvPr id="15" name="Pfeil nach rechts 14"/>
+          <p:cNvSpPr/>
+          <p:nvPr/>
+        </p:nvSpPr>
+        <p:spPr>
+          <a:xfrm>
+            <a:off x="1739394" y="2014569"/>
+            <a:ext cx="5465329" cy="308473"/>
+          </a:xfrm>
+          <a:prstGeom prst="rightArrow">
+            <a:avLst/>
+          </a:prstGeom>
+        </p:spPr>
+        <p:style>
+          <a:lnRef idx="1">
+            <a:schemeClr val="accent6"/>
+          </a:lnRef>
+          <a:fillRef idx="2">
+            <a:schemeClr val="accent6"/>
+          </a:fillRef>
+          <a:effectRef idx="1">
+            <a:schemeClr val="accent6"/>
+          </a:effectRef>
+          <a:fontRef idx="minor">
+            <a:schemeClr val="dk1"/>
+          </a:fontRef>
+        </p:style>
+        <p:txBody>
+          <a:bodyPr rtlCol="0" anchor="ctr"/>
+          <a:lstStyle/>
+          <a:p>
+            <a:pPr algn="ctr"/>
+            <a:endParaRPr lang="de-DE"/>
+          </a:p>
+        </p:txBody>
+      </p:sp>
+      <p:sp>
+        <p:nvSpPr>
+          <p:cNvPr id="16" name="Pfeil nach rechts 15"/>
+          <p:cNvSpPr/>
+          <p:nvPr/>
+        </p:nvSpPr>
+        <p:spPr>
+          <a:xfrm>
+            <a:off x="5070094" y="2713484"/>
+            <a:ext cx="2134629" cy="308473"/>
+          </a:xfrm>
+          <a:prstGeom prst="rightArrow">
+            <a:avLst/>
+          </a:prstGeom>
+        </p:spPr>
+        <p:style>
+          <a:lnRef idx="0">
+            <a:schemeClr val="accent6"/>
+          </a:lnRef>
+          <a:fillRef idx="3">
+            <a:schemeClr val="accent6"/>
+          </a:fillRef>
+          <a:effectRef idx="3">
+            <a:schemeClr val="accent6"/>
+          </a:effectRef>
+          <a:fontRef idx="minor">
+            <a:schemeClr val="lt1"/>
+          </a:fontRef>
+        </p:style>
+        <p:txBody>
+          <a:bodyPr rtlCol="0" anchor="ctr"/>
+          <a:lstStyle/>
+          <a:p>
+            <a:pPr algn="ctr"/>
+            <a:endParaRPr lang="de-DE"/>
+          </a:p>
+        </p:txBody>
+      </p:sp>
+      <p:sp>
+        <p:nvSpPr>
+          <p:cNvPr id="17" name="Pfeil nach rechts 16"/>
+          <p:cNvSpPr/>
+          <p:nvPr/>
+        </p:nvSpPr>
+        <p:spPr>
+          <a:xfrm>
+            <a:off x="8346587" y="2670794"/>
+            <a:ext cx="2138907" cy="308473"/>
+          </a:xfrm>
+          <a:prstGeom prst="rightArrow">
+            <a:avLst/>
+          </a:prstGeom>
+        </p:spPr>
+        <p:style>
+          <a:lnRef idx="0">
+            <a:schemeClr val="accent6"/>
+          </a:lnRef>
+          <a:fillRef idx="3">
+            <a:schemeClr val="accent6"/>
+          </a:fillRef>
+          <a:effectRef idx="3">
+            <a:schemeClr val="accent6"/>
+          </a:effectRef>
+          <a:fontRef idx="minor">
+            <a:schemeClr val="lt1"/>
+          </a:fontRef>
+        </p:style>
+        <p:txBody>
+          <a:bodyPr rtlCol="0" anchor="ctr"/>
+          <a:lstStyle/>
+          <a:p>
+            <a:pPr algn="ctr"/>
+            <a:endParaRPr lang="de-DE"/>
+          </a:p>
+        </p:txBody>
+      </p:sp>
+      <p:sp>
+        <p:nvSpPr>
+          <p:cNvPr id="18" name="Textfeld 17"/>
+          <p:cNvSpPr txBox="1"/>
+          <p:nvPr/>
+        </p:nvSpPr>
+        <p:spPr>
+          <a:xfrm>
+            <a:off x="2346358" y="2397179"/>
+            <a:ext cx="703462" cy="369332"/>
+          </a:xfrm>
+          <a:prstGeom prst="rect">
+            <a:avLst/>
+          </a:prstGeom>
+          <a:noFill/>
+        </p:spPr>
+        <p:txBody>
+          <a:bodyPr wrap="none" rtlCol="0">
+            <a:spAutoFit/>
+          </a:bodyPr>
           <a:lstStyle/>
           <a:p>
             <a:r>
               <a:rPr lang="de-DE" dirty="0" err="1" smtClean="0"/>
+              <a:t>starts</a:t>
+            </a:r>
+            <a:endParaRPr lang="de-DE" dirty="0"/>
+          </a:p>
+        </p:txBody>
+      </p:sp>
+      <p:sp>
+        <p:nvSpPr>
+          <p:cNvPr id="19" name="Textfeld 18"/>
+          <p:cNvSpPr txBox="1"/>
+          <p:nvPr/>
+        </p:nvSpPr>
+        <p:spPr>
+          <a:xfrm>
+            <a:off x="5785677" y="2435223"/>
+            <a:ext cx="703462" cy="369332"/>
+          </a:xfrm>
+          <a:prstGeom prst="rect">
+            <a:avLst/>
+          </a:prstGeom>
+          <a:noFill/>
+        </p:spPr>
+        <p:txBody>
+          <a:bodyPr wrap="none" rtlCol="0">
+            <a:spAutoFit/>
+          </a:bodyPr>
+          <a:lstStyle/>
+          <a:p>
+            <a:r>
+              <a:rPr lang="de-DE" dirty="0" err="1" smtClean="0"/>
+              <a:t>starts</a:t>
+            </a:r>
+            <a:endParaRPr lang="de-DE" dirty="0"/>
+          </a:p>
+        </p:txBody>
+      </p:sp>
+      <p:sp>
+        <p:nvSpPr>
+          <p:cNvPr id="20" name="Textfeld 19"/>
+          <p:cNvSpPr txBox="1"/>
+          <p:nvPr/>
+        </p:nvSpPr>
+        <p:spPr>
+          <a:xfrm>
+            <a:off x="9026397" y="2388484"/>
+            <a:ext cx="703462" cy="369332"/>
+          </a:xfrm>
+          <a:prstGeom prst="rect">
+            <a:avLst/>
+          </a:prstGeom>
+          <a:noFill/>
+        </p:spPr>
+        <p:txBody>
+          <a:bodyPr wrap="none" rtlCol="0">
+            <a:spAutoFit/>
+          </a:bodyPr>
+          <a:lstStyle/>
+          <a:p>
+            <a:r>
+              <a:rPr lang="de-DE" dirty="0" err="1" smtClean="0"/>
+              <a:t>starts</a:t>
+            </a:r>
+            <a:endParaRPr lang="de-DE" dirty="0"/>
+          </a:p>
+        </p:txBody>
+      </p:sp>
+      <p:sp>
+        <p:nvSpPr>
+          <p:cNvPr id="21" name="Abgerundetes Rechteck 20"/>
+          <p:cNvSpPr/>
+          <p:nvPr/>
+        </p:nvSpPr>
+        <p:spPr>
+          <a:xfrm>
+            <a:off x="7075981" y="5631569"/>
+            <a:ext cx="2653878" cy="1133825"/>
+          </a:xfrm>
+          <a:prstGeom prst="roundRect">
+            <a:avLst/>
+          </a:prstGeom>
+        </p:spPr>
+        <p:style>
+          <a:lnRef idx="0">
+            <a:schemeClr val="accent2"/>
+          </a:lnRef>
+          <a:fillRef idx="3">
+            <a:schemeClr val="accent2"/>
+          </a:fillRef>
+          <a:effectRef idx="3">
+            <a:schemeClr val="accent2"/>
+          </a:effectRef>
+          <a:fontRef idx="minor">
+            <a:schemeClr val="lt1"/>
+          </a:fontRef>
+        </p:style>
+        <p:txBody>
+          <a:bodyPr rtlCol="0" anchor="ctr"/>
+          <a:lstStyle/>
+          <a:p>
+            <a:pPr algn="ctr"/>
+            <a:endParaRPr lang="de-DE"/>
+          </a:p>
+        </p:txBody>
+      </p:sp>
+      <p:sp>
+        <p:nvSpPr>
+          <p:cNvPr id="22" name="Textfeld 21"/>
+          <p:cNvSpPr txBox="1"/>
+          <p:nvPr/>
+        </p:nvSpPr>
+        <p:spPr>
+          <a:xfrm>
+            <a:off x="7778707" y="6010629"/>
+            <a:ext cx="1218795" cy="369332"/>
+          </a:xfrm>
+          <a:prstGeom prst="rect">
+            <a:avLst/>
+          </a:prstGeom>
+          <a:noFill/>
+        </p:spPr>
+        <p:txBody>
+          <a:bodyPr wrap="none" rtlCol="0">
+            <a:spAutoFit/>
+          </a:bodyPr>
+          <a:lstStyle/>
+          <a:p>
+            <a:r>
+              <a:rPr lang="de-DE" b="1" dirty="0" smtClean="0"/>
+              <a:t>Webserver</a:t>
+            </a:r>
+            <a:endParaRPr lang="de-DE" b="1" dirty="0"/>
+          </a:p>
+        </p:txBody>
+      </p:sp>
+      <p:sp>
+        <p:nvSpPr>
+          <p:cNvPr id="23" name="Rechteck 22"/>
+          <p:cNvSpPr/>
+          <p:nvPr/>
+        </p:nvSpPr>
+        <p:spPr>
+          <a:xfrm>
+            <a:off x="395737" y="5526632"/>
+            <a:ext cx="2757025" cy="1133825"/>
+          </a:xfrm>
+          <a:prstGeom prst="rect">
+            <a:avLst/>
+          </a:prstGeom>
+        </p:spPr>
+        <p:style>
+          <a:lnRef idx="0">
+            <a:schemeClr val="accent1"/>
+          </a:lnRef>
+          <a:fillRef idx="3">
+            <a:schemeClr val="accent1"/>
+          </a:fillRef>
+          <a:effectRef idx="3">
+            <a:schemeClr val="accent1"/>
+          </a:effectRef>
+          <a:fontRef idx="minor">
+            <a:schemeClr val="lt1"/>
+          </a:fontRef>
+        </p:style>
+        <p:txBody>
+          <a:bodyPr rtlCol="0" anchor="ctr"/>
+          <a:lstStyle/>
+          <a:p>
+            <a:pPr algn="ctr"/>
+            <a:endParaRPr lang="de-DE"/>
+          </a:p>
+        </p:txBody>
+      </p:sp>
+      <p:sp>
+        <p:nvSpPr>
+          <p:cNvPr id="24" name="Textfeld 23"/>
+          <p:cNvSpPr txBox="1"/>
+          <p:nvPr/>
+        </p:nvSpPr>
+        <p:spPr>
+          <a:xfrm>
+            <a:off x="967664" y="5908879"/>
+            <a:ext cx="1680460" cy="369332"/>
+          </a:xfrm>
+          <a:prstGeom prst="rect">
+            <a:avLst/>
+          </a:prstGeom>
+          <a:noFill/>
+        </p:spPr>
+        <p:txBody>
+          <a:bodyPr wrap="none" rtlCol="0">
+            <a:spAutoFit/>
+          </a:bodyPr>
+          <a:lstStyle/>
+          <a:p>
+            <a:r>
+              <a:rPr lang="de-DE" b="1" dirty="0" err="1" smtClean="0"/>
               <a:t>LocationService</a:t>
             </a:r>
+            <a:endParaRPr lang="de-DE" b="1" dirty="0"/>
+          </a:p>
+        </p:txBody>
+      </p:sp>
+      <p:sp>
+        <p:nvSpPr>
+          <p:cNvPr id="25" name="Pfeil nach rechts 24"/>
+          <p:cNvSpPr/>
+          <p:nvPr/>
+        </p:nvSpPr>
+        <p:spPr>
+          <a:xfrm rot="5400000">
+            <a:off x="137808" y="4388304"/>
+            <a:ext cx="1968186" cy="308473"/>
+          </a:xfrm>
+          <a:prstGeom prst="rightArrow">
+            <a:avLst/>
+          </a:prstGeom>
+        </p:spPr>
+        <p:style>
+          <a:lnRef idx="0">
+            <a:schemeClr val="accent6"/>
+          </a:lnRef>
+          <a:fillRef idx="3">
+            <a:schemeClr val="accent6"/>
+          </a:fillRef>
+          <a:effectRef idx="3">
+            <a:schemeClr val="accent6"/>
+          </a:effectRef>
+          <a:fontRef idx="minor">
+            <a:schemeClr val="lt1"/>
+          </a:fontRef>
+        </p:style>
+        <p:txBody>
+          <a:bodyPr rtlCol="0" anchor="ctr"/>
+          <a:lstStyle/>
+          <a:p>
+            <a:pPr algn="ctr"/>
+            <a:endParaRPr lang="de-DE"/>
+          </a:p>
+        </p:txBody>
+      </p:sp>
+      <p:sp>
+        <p:nvSpPr>
+          <p:cNvPr id="26" name="Textfeld 25"/>
+          <p:cNvSpPr txBox="1"/>
+          <p:nvPr/>
+        </p:nvSpPr>
+        <p:spPr>
+          <a:xfrm>
+            <a:off x="1235217" y="4423536"/>
+            <a:ext cx="703462" cy="369332"/>
+          </a:xfrm>
+          <a:prstGeom prst="rect">
+            <a:avLst/>
+          </a:prstGeom>
+          <a:noFill/>
+        </p:spPr>
+        <p:txBody>
+          <a:bodyPr wrap="none" rtlCol="0">
+            <a:spAutoFit/>
+          </a:bodyPr>
+          <a:lstStyle/>
+          <a:p>
+            <a:r>
+              <a:rPr lang="de-DE" dirty="0" err="1" smtClean="0"/>
+              <a:t>starts</a:t>
+            </a:r>
             <a:endParaRPr lang="de-DE" dirty="0"/>
           </a:p>
         </p:txBody>
       </p:sp>
       <p:sp>
         <p:nvSpPr>
-          <p:cNvPr id="3" name="Inhaltsplatzhalter 2"/>
-          <p:cNvSpPr>
-            <a:spLocks noGrp="1"/>
-          </p:cNvSpPr>
-          <p:nvPr>
-            <p:ph idx="1"/>
-          </p:nvPr>
-        </p:nvSpPr>
-        <p:spPr/>
-        <p:txBody>
-          <a:bodyPr/>
-          <a:lstStyle/>
-          <a:p>
-            <a:r>
-              <a:rPr lang="de-DE" dirty="0" smtClean="0"/>
-              <a:t>Background-Service</a:t>
-            </a:r>
-          </a:p>
-          <a:p>
-            <a:r>
-              <a:rPr lang="de-DE" dirty="0" smtClean="0"/>
-              <a:t>sendet eigenen Standort nach Standortänderung zum Server</a:t>
-            </a:r>
-          </a:p>
-          <a:p>
-            <a:r>
-              <a:rPr lang="de-DE" i="1" dirty="0" err="1" smtClean="0"/>
-              <a:t>UpdateMyCurrentLocationPutRequest</a:t>
-            </a:r>
-            <a:r>
-              <a:rPr lang="de-DE" i="1" dirty="0" smtClean="0"/>
-              <a:t> (PUT)</a:t>
-            </a:r>
+          <p:cNvPr id="27" name="Pfeil nach rechts 26"/>
+          <p:cNvSpPr/>
+          <p:nvPr/>
+        </p:nvSpPr>
+        <p:spPr>
+          <a:xfrm>
+            <a:off x="3169191" y="6160173"/>
+            <a:ext cx="3906790" cy="236075"/>
+          </a:xfrm>
+          <a:prstGeom prst="rightArrow">
+            <a:avLst/>
+          </a:prstGeom>
+        </p:spPr>
+        <p:style>
+          <a:lnRef idx="0">
+            <a:schemeClr val="accent4"/>
+          </a:lnRef>
+          <a:fillRef idx="3">
+            <a:schemeClr val="accent4"/>
+          </a:fillRef>
+          <a:effectRef idx="3">
+            <a:schemeClr val="accent4"/>
+          </a:effectRef>
+          <a:fontRef idx="minor">
+            <a:schemeClr val="lt1"/>
+          </a:fontRef>
+        </p:style>
+        <p:txBody>
+          <a:bodyPr rtlCol="0" anchor="ctr"/>
+          <a:lstStyle/>
+          <a:p>
+            <a:pPr algn="ctr"/>
+            <a:endParaRPr lang="de-DE"/>
+          </a:p>
+        </p:txBody>
+      </p:sp>
+      <p:sp>
+        <p:nvSpPr>
+          <p:cNvPr id="28" name="Textfeld 27"/>
+          <p:cNvSpPr txBox="1"/>
+          <p:nvPr/>
+        </p:nvSpPr>
+        <p:spPr>
+          <a:xfrm>
+            <a:off x="3101562" y="5854797"/>
+            <a:ext cx="4038863" cy="369332"/>
+          </a:xfrm>
+          <a:prstGeom prst="rect">
+            <a:avLst/>
+          </a:prstGeom>
+          <a:noFill/>
+        </p:spPr>
+        <p:txBody>
+          <a:bodyPr wrap="none" rtlCol="0">
+            <a:spAutoFit/>
+          </a:bodyPr>
+          <a:lstStyle/>
+          <a:p>
+            <a:r>
+              <a:rPr lang="de-DE" dirty="0"/>
+              <a:t>s</a:t>
+            </a:r>
+            <a:r>
+              <a:rPr lang="de-DE" dirty="0" smtClean="0"/>
+              <a:t>end </a:t>
+            </a:r>
+            <a:r>
+              <a:rPr lang="de-DE" dirty="0" err="1" smtClean="0"/>
+              <a:t>location</a:t>
+            </a:r>
+            <a:r>
+              <a:rPr lang="de-DE" dirty="0" smtClean="0"/>
+              <a:t> (GPS) after </a:t>
+            </a:r>
+            <a:r>
+              <a:rPr lang="de-DE" dirty="0" err="1" smtClean="0"/>
+              <a:t>location</a:t>
+            </a:r>
+            <a:r>
+              <a:rPr lang="de-DE" dirty="0" smtClean="0"/>
+              <a:t> </a:t>
+            </a:r>
+            <a:r>
+              <a:rPr lang="de-DE" dirty="0" err="1" smtClean="0"/>
+              <a:t>change</a:t>
+            </a:r>
+            <a:endParaRPr lang="de-DE" dirty="0"/>
+          </a:p>
+        </p:txBody>
+      </p:sp>
+      <p:sp>
+        <p:nvSpPr>
+          <p:cNvPr id="32" name="Pfeil nach rechts 31"/>
+          <p:cNvSpPr/>
+          <p:nvPr/>
+        </p:nvSpPr>
+        <p:spPr>
+          <a:xfrm rot="2567874">
+            <a:off x="4570954" y="4314213"/>
+            <a:ext cx="3409838" cy="288119"/>
+          </a:xfrm>
+          <a:prstGeom prst="rightArrow">
+            <a:avLst/>
+          </a:prstGeom>
+        </p:spPr>
+        <p:style>
+          <a:lnRef idx="0">
+            <a:schemeClr val="accent4"/>
+          </a:lnRef>
+          <a:fillRef idx="3">
+            <a:schemeClr val="accent4"/>
+          </a:fillRef>
+          <a:effectRef idx="3">
+            <a:schemeClr val="accent4"/>
+          </a:effectRef>
+          <a:fontRef idx="minor">
+            <a:schemeClr val="lt1"/>
+          </a:fontRef>
+        </p:style>
+        <p:txBody>
+          <a:bodyPr rtlCol="0" anchor="ctr"/>
+          <a:lstStyle/>
+          <a:p>
+            <a:pPr algn="ctr"/>
+            <a:endParaRPr lang="de-DE"/>
+          </a:p>
+        </p:txBody>
+      </p:sp>
+      <p:sp>
+        <p:nvSpPr>
+          <p:cNvPr id="33" name="Pfeil nach rechts 32"/>
+          <p:cNvSpPr/>
+          <p:nvPr/>
+        </p:nvSpPr>
+        <p:spPr>
+          <a:xfrm rot="13360876">
+            <a:off x="4398891" y="4449774"/>
+            <a:ext cx="3197215" cy="288119"/>
+          </a:xfrm>
+          <a:prstGeom prst="rightArrow">
+            <a:avLst/>
+          </a:prstGeom>
+        </p:spPr>
+        <p:style>
+          <a:lnRef idx="0">
+            <a:schemeClr val="accent4"/>
+          </a:lnRef>
+          <a:fillRef idx="3">
+            <a:schemeClr val="accent4"/>
+          </a:fillRef>
+          <a:effectRef idx="3">
+            <a:schemeClr val="accent4"/>
+          </a:effectRef>
+          <a:fontRef idx="minor">
+            <a:schemeClr val="lt1"/>
+          </a:fontRef>
+        </p:style>
+        <p:txBody>
+          <a:bodyPr rtlCol="0" anchor="ctr"/>
+          <a:lstStyle/>
+          <a:p>
+            <a:pPr algn="ctr"/>
+            <a:endParaRPr lang="de-DE"/>
+          </a:p>
+        </p:txBody>
+      </p:sp>
+      <p:sp>
+        <p:nvSpPr>
+          <p:cNvPr id="34" name="Textfeld 33"/>
+          <p:cNvSpPr txBox="1"/>
+          <p:nvPr/>
+        </p:nvSpPr>
+        <p:spPr>
+          <a:xfrm>
+            <a:off x="5950162" y="3338151"/>
+            <a:ext cx="1260666" cy="923330"/>
+          </a:xfrm>
+          <a:prstGeom prst="rect">
+            <a:avLst/>
+          </a:prstGeom>
+          <a:noFill/>
+        </p:spPr>
+        <p:txBody>
+          <a:bodyPr wrap="none" rtlCol="0">
+            <a:spAutoFit/>
+          </a:bodyPr>
+          <a:lstStyle/>
+          <a:p>
+            <a:r>
+              <a:rPr lang="de-DE" dirty="0" smtClean="0"/>
+              <a:t>send </a:t>
+            </a:r>
+          </a:p>
+          <a:p>
+            <a:r>
+              <a:rPr lang="de-DE" dirty="0" err="1" smtClean="0"/>
+              <a:t>registration</a:t>
+            </a:r>
+            <a:endParaRPr lang="de-DE" dirty="0" smtClean="0"/>
+          </a:p>
+          <a:p>
+            <a:r>
+              <a:rPr lang="de-DE" dirty="0" smtClean="0"/>
+              <a:t> </a:t>
+            </a:r>
+            <a:r>
+              <a:rPr lang="de-DE" dirty="0" err="1" smtClean="0"/>
+              <a:t>data</a:t>
+            </a:r>
+            <a:endParaRPr lang="de-DE" dirty="0"/>
+          </a:p>
+        </p:txBody>
+      </p:sp>
+      <p:sp>
+        <p:nvSpPr>
+          <p:cNvPr id="36" name="Textfeld 35"/>
+          <p:cNvSpPr txBox="1"/>
+          <p:nvPr/>
+        </p:nvSpPr>
+        <p:spPr>
+          <a:xfrm>
+            <a:off x="4724643" y="4496832"/>
+            <a:ext cx="1113959" cy="369332"/>
+          </a:xfrm>
+          <a:prstGeom prst="rect">
+            <a:avLst/>
+          </a:prstGeom>
+          <a:noFill/>
+        </p:spPr>
+        <p:txBody>
+          <a:bodyPr wrap="none" rtlCol="0">
+            <a:spAutoFit/>
+          </a:bodyPr>
+          <a:lstStyle/>
+          <a:p>
+            <a:r>
+              <a:rPr lang="de-DE" dirty="0" err="1" smtClean="0"/>
+              <a:t>receive</a:t>
+            </a:r>
+            <a:r>
+              <a:rPr lang="de-DE" dirty="0" smtClean="0"/>
+              <a:t> ID</a:t>
+            </a:r>
+            <a:endParaRPr lang="de-DE" dirty="0"/>
+          </a:p>
+        </p:txBody>
+      </p:sp>
+      <p:sp>
+        <p:nvSpPr>
+          <p:cNvPr id="37" name="Pfeil nach rechts 36"/>
+          <p:cNvSpPr/>
+          <p:nvPr/>
+        </p:nvSpPr>
+        <p:spPr>
+          <a:xfrm rot="5400000">
+            <a:off x="6827118" y="4462658"/>
+            <a:ext cx="2086089" cy="277668"/>
+          </a:xfrm>
+          <a:prstGeom prst="rightArrow">
+            <a:avLst/>
+          </a:prstGeom>
+        </p:spPr>
+        <p:style>
+          <a:lnRef idx="0">
+            <a:schemeClr val="accent4"/>
+          </a:lnRef>
+          <a:fillRef idx="3">
+            <a:schemeClr val="accent4"/>
+          </a:fillRef>
+          <a:effectRef idx="3">
+            <a:schemeClr val="accent4"/>
+          </a:effectRef>
+          <a:fontRef idx="minor">
+            <a:schemeClr val="lt1"/>
+          </a:fontRef>
+        </p:style>
+        <p:txBody>
+          <a:bodyPr rtlCol="0" anchor="ctr"/>
+          <a:lstStyle/>
+          <a:p>
+            <a:pPr algn="ctr"/>
+            <a:endParaRPr lang="de-DE"/>
+          </a:p>
+        </p:txBody>
+      </p:sp>
+      <p:sp>
+        <p:nvSpPr>
+          <p:cNvPr id="38" name="Pfeil nach rechts 37"/>
+          <p:cNvSpPr/>
+          <p:nvPr/>
+        </p:nvSpPr>
+        <p:spPr>
+          <a:xfrm rot="16200000">
+            <a:off x="7101844" y="4443317"/>
+            <a:ext cx="2086089" cy="277668"/>
+          </a:xfrm>
+          <a:prstGeom prst="rightArrow">
+            <a:avLst/>
+          </a:prstGeom>
+        </p:spPr>
+        <p:style>
+          <a:lnRef idx="0">
+            <a:schemeClr val="accent4"/>
+          </a:lnRef>
+          <a:fillRef idx="3">
+            <a:schemeClr val="accent4"/>
+          </a:fillRef>
+          <a:effectRef idx="3">
+            <a:schemeClr val="accent4"/>
+          </a:effectRef>
+          <a:fontRef idx="minor">
+            <a:schemeClr val="lt1"/>
+          </a:fontRef>
+        </p:style>
+        <p:txBody>
+          <a:bodyPr rtlCol="0" anchor="ctr"/>
+          <a:lstStyle/>
+          <a:p>
+            <a:pPr algn="ctr"/>
+            <a:endParaRPr lang="de-DE"/>
+          </a:p>
+        </p:txBody>
+      </p:sp>
+      <p:sp>
+        <p:nvSpPr>
+          <p:cNvPr id="39" name="Textfeld 38"/>
+          <p:cNvSpPr txBox="1"/>
+          <p:nvPr/>
+        </p:nvSpPr>
+        <p:spPr>
+          <a:xfrm>
+            <a:off x="8197755" y="3909276"/>
+            <a:ext cx="1240596" cy="1200329"/>
+          </a:xfrm>
+          <a:prstGeom prst="rect">
+            <a:avLst/>
+          </a:prstGeom>
+          <a:noFill/>
+        </p:spPr>
+        <p:txBody>
+          <a:bodyPr wrap="none" rtlCol="0">
+            <a:spAutoFit/>
+          </a:bodyPr>
+          <a:lstStyle/>
+          <a:p>
+            <a:r>
+              <a:rPr lang="de-DE" dirty="0" err="1" smtClean="0"/>
+              <a:t>receive</a:t>
+            </a:r>
+            <a:r>
+              <a:rPr lang="de-DE" dirty="0" smtClean="0"/>
+              <a:t> </a:t>
+            </a:r>
+          </a:p>
+          <a:p>
+            <a:r>
+              <a:rPr lang="de-DE" dirty="0" err="1" smtClean="0"/>
+              <a:t>location</a:t>
+            </a:r>
+            <a:r>
+              <a:rPr lang="de-DE" dirty="0" smtClean="0"/>
+              <a:t> </a:t>
+            </a:r>
+          </a:p>
+          <a:p>
+            <a:r>
+              <a:rPr lang="de-DE" dirty="0" err="1" smtClean="0"/>
+              <a:t>data</a:t>
+            </a:r>
+            <a:r>
+              <a:rPr lang="de-DE" dirty="0" smtClean="0"/>
+              <a:t> </a:t>
+            </a:r>
+            <a:r>
+              <a:rPr lang="de-DE" dirty="0" err="1" smtClean="0"/>
+              <a:t>of</a:t>
+            </a:r>
+            <a:r>
+              <a:rPr lang="de-DE" dirty="0" smtClean="0"/>
+              <a:t> </a:t>
+            </a:r>
+          </a:p>
+          <a:p>
+            <a:r>
+              <a:rPr lang="de-DE" dirty="0" smtClean="0"/>
+              <a:t>all </a:t>
+            </a:r>
+            <a:r>
+              <a:rPr lang="de-DE" dirty="0" err="1" smtClean="0"/>
+              <a:t>contacts</a:t>
+            </a:r>
+            <a:endParaRPr lang="de-DE" dirty="0"/>
+          </a:p>
+        </p:txBody>
+      </p:sp>
+      <p:sp>
+        <p:nvSpPr>
+          <p:cNvPr id="40" name="Pfeil nach rechts 39"/>
+          <p:cNvSpPr/>
+          <p:nvPr/>
+        </p:nvSpPr>
+        <p:spPr>
+          <a:xfrm rot="7412681">
+            <a:off x="8794800" y="4482035"/>
+            <a:ext cx="2459011" cy="277668"/>
+          </a:xfrm>
+          <a:prstGeom prst="rightArrow">
+            <a:avLst/>
+          </a:prstGeom>
+        </p:spPr>
+        <p:style>
+          <a:lnRef idx="0">
+            <a:schemeClr val="accent4"/>
+          </a:lnRef>
+          <a:fillRef idx="3">
+            <a:schemeClr val="accent4"/>
+          </a:fillRef>
+          <a:effectRef idx="3">
+            <a:schemeClr val="accent4"/>
+          </a:effectRef>
+          <a:fontRef idx="minor">
+            <a:schemeClr val="lt1"/>
+          </a:fontRef>
+        </p:style>
+        <p:txBody>
+          <a:bodyPr rtlCol="0" anchor="ctr"/>
+          <a:lstStyle/>
+          <a:p>
+            <a:pPr algn="ctr"/>
+            <a:endParaRPr lang="de-DE"/>
+          </a:p>
+        </p:txBody>
+      </p:sp>
+      <p:sp>
+        <p:nvSpPr>
+          <p:cNvPr id="41" name="Pfeil nach rechts 40"/>
+          <p:cNvSpPr/>
+          <p:nvPr/>
+        </p:nvSpPr>
+        <p:spPr>
+          <a:xfrm rot="18200373">
+            <a:off x="9006448" y="4574537"/>
+            <a:ext cx="2629000" cy="277668"/>
+          </a:xfrm>
+          <a:prstGeom prst="rightArrow">
+            <a:avLst/>
+          </a:prstGeom>
+        </p:spPr>
+        <p:style>
+          <a:lnRef idx="0">
+            <a:schemeClr val="accent4"/>
+          </a:lnRef>
+          <a:fillRef idx="3">
+            <a:schemeClr val="accent4"/>
+          </a:fillRef>
+          <a:effectRef idx="3">
+            <a:schemeClr val="accent4"/>
+          </a:effectRef>
+          <a:fontRef idx="minor">
+            <a:schemeClr val="lt1"/>
+          </a:fontRef>
+        </p:style>
+        <p:txBody>
+          <a:bodyPr rtlCol="0" anchor="ctr"/>
+          <a:lstStyle/>
+          <a:p>
+            <a:pPr algn="ctr"/>
+            <a:endParaRPr lang="de-DE"/>
+          </a:p>
+        </p:txBody>
+      </p:sp>
+      <p:sp>
+        <p:nvSpPr>
+          <p:cNvPr id="42" name="Textfeld 41"/>
+          <p:cNvSpPr txBox="1"/>
+          <p:nvPr/>
+        </p:nvSpPr>
+        <p:spPr>
+          <a:xfrm>
+            <a:off x="10383812" y="4643433"/>
+            <a:ext cx="1183850" cy="1477328"/>
+          </a:xfrm>
+          <a:prstGeom prst="rect">
+            <a:avLst/>
+          </a:prstGeom>
+          <a:noFill/>
+        </p:spPr>
+        <p:txBody>
+          <a:bodyPr wrap="none" rtlCol="0">
+            <a:spAutoFit/>
+          </a:bodyPr>
+          <a:lstStyle/>
+          <a:p>
+            <a:r>
+              <a:rPr lang="de-DE" dirty="0" err="1" smtClean="0"/>
+              <a:t>receive</a:t>
+            </a:r>
+            <a:r>
+              <a:rPr lang="de-DE" dirty="0" smtClean="0"/>
+              <a:t> </a:t>
+            </a:r>
+          </a:p>
+          <a:p>
+            <a:r>
+              <a:rPr lang="de-DE" dirty="0" err="1" smtClean="0"/>
+              <a:t>location</a:t>
+            </a:r>
+            <a:r>
+              <a:rPr lang="de-DE" dirty="0" smtClean="0"/>
+              <a:t> </a:t>
+            </a:r>
+          </a:p>
+          <a:p>
+            <a:r>
+              <a:rPr lang="de-DE" dirty="0" err="1" smtClean="0"/>
+              <a:t>data</a:t>
+            </a:r>
+            <a:r>
+              <a:rPr lang="de-DE" dirty="0" smtClean="0"/>
+              <a:t> </a:t>
+            </a:r>
+            <a:r>
+              <a:rPr lang="de-DE" dirty="0" err="1" smtClean="0"/>
+              <a:t>of</a:t>
+            </a:r>
+            <a:r>
+              <a:rPr lang="de-DE" dirty="0" smtClean="0"/>
+              <a:t> </a:t>
+            </a:r>
+          </a:p>
+          <a:p>
+            <a:r>
+              <a:rPr lang="de-DE" dirty="0" err="1" smtClean="0"/>
+              <a:t>contact</a:t>
+            </a:r>
+            <a:r>
+              <a:rPr lang="de-DE" dirty="0" smtClean="0"/>
+              <a:t> </a:t>
+            </a:r>
+            <a:r>
+              <a:rPr lang="de-DE" dirty="0" err="1" smtClean="0"/>
+              <a:t>to</a:t>
+            </a:r>
+            <a:r>
+              <a:rPr lang="de-DE" dirty="0" smtClean="0"/>
+              <a:t> </a:t>
+            </a:r>
+          </a:p>
+          <a:p>
+            <a:r>
+              <a:rPr lang="de-DE" dirty="0" err="1" smtClean="0"/>
+              <a:t>navigate</a:t>
+            </a:r>
+            <a:endParaRPr lang="de-DE" dirty="0"/>
+          </a:p>
+        </p:txBody>
+      </p:sp>
+      <p:sp>
+        <p:nvSpPr>
+          <p:cNvPr id="43" name="Pfeil nach rechts 42"/>
+          <p:cNvSpPr/>
+          <p:nvPr/>
+        </p:nvSpPr>
+        <p:spPr>
+          <a:xfrm>
+            <a:off x="91282" y="2208614"/>
+            <a:ext cx="363341" cy="308473"/>
+          </a:xfrm>
+          <a:prstGeom prst="rightArrow">
+            <a:avLst/>
+          </a:prstGeom>
+        </p:spPr>
+        <p:style>
+          <a:lnRef idx="0">
+            <a:schemeClr val="dk1"/>
+          </a:lnRef>
+          <a:fillRef idx="3">
+            <a:schemeClr val="dk1"/>
+          </a:fillRef>
+          <a:effectRef idx="3">
+            <a:schemeClr val="dk1"/>
+          </a:effectRef>
+          <a:fontRef idx="minor">
+            <a:schemeClr val="lt1"/>
+          </a:fontRef>
+        </p:style>
+        <p:txBody>
+          <a:bodyPr rtlCol="0" anchor="ctr"/>
+          <a:lstStyle/>
+          <a:p>
+            <a:pPr algn="ctr"/>
+            <a:endParaRPr lang="de-DE"/>
+          </a:p>
+        </p:txBody>
+      </p:sp>
+      <p:sp>
+        <p:nvSpPr>
+          <p:cNvPr id="44" name="Textfeld 43"/>
+          <p:cNvSpPr txBox="1"/>
+          <p:nvPr/>
+        </p:nvSpPr>
+        <p:spPr>
+          <a:xfrm>
+            <a:off x="891258" y="303954"/>
+            <a:ext cx="10769230" cy="769441"/>
+          </a:xfrm>
+          <a:prstGeom prst="rect">
+            <a:avLst/>
+          </a:prstGeom>
+          <a:noFill/>
+        </p:spPr>
+        <p:txBody>
+          <a:bodyPr wrap="none" rtlCol="0">
+            <a:spAutoFit/>
+          </a:bodyPr>
+          <a:lstStyle/>
+          <a:p>
+            <a:r>
+              <a:rPr lang="de-DE" sz="4400" dirty="0" smtClean="0">
+                <a:latin typeface="+mj-lt"/>
+              </a:rPr>
+              <a:t>Architektur – </a:t>
+            </a:r>
+            <a:r>
+              <a:rPr lang="de-DE" sz="4400" dirty="0" err="1" smtClean="0">
+                <a:latin typeface="+mj-lt"/>
+              </a:rPr>
+              <a:t>Activities</a:t>
+            </a:r>
+            <a:r>
+              <a:rPr lang="de-DE" sz="4400" dirty="0" smtClean="0">
+                <a:latin typeface="+mj-lt"/>
+              </a:rPr>
+              <a:t>, Service und </a:t>
+            </a:r>
+            <a:r>
+              <a:rPr lang="de-DE" sz="4400" dirty="0" err="1" smtClean="0">
+                <a:latin typeface="+mj-lt"/>
+              </a:rPr>
+              <a:t>Requests</a:t>
+            </a:r>
+            <a:endParaRPr lang="de-DE" sz="4400" dirty="0">
+              <a:latin typeface="+mj-lt"/>
+            </a:endParaRPr>
           </a:p>
         </p:txBody>
       </p:sp>
     </p:spTree>
     <p:extLst>
       <p:ext uri="{BB962C8B-B14F-4D97-AF65-F5344CB8AC3E}">
-        <p14:creationId xmlns:p14="http://schemas.microsoft.com/office/powerpoint/2010/main" val="3167111256"/>
+        <p14:creationId xmlns:p14="http://schemas.microsoft.com/office/powerpoint/2010/main" val="3603246020"/>
       </p:ext>
     </p:extLst>
   </p:cSld>
@@ -3165,6 +4936,405 @@
           <a:p>
             <a:r>
               <a:rPr lang="de-DE" dirty="0" smtClean="0"/>
+              <a:t>Webserver</a:t>
+            </a:r>
+            <a:endParaRPr lang="de-DE" dirty="0"/>
+          </a:p>
+        </p:txBody>
+      </p:sp>
+      <p:sp>
+        <p:nvSpPr>
+          <p:cNvPr id="3" name="Inhaltsplatzhalter 2"/>
+          <p:cNvSpPr>
+            <a:spLocks noGrp="1"/>
+          </p:cNvSpPr>
+          <p:nvPr>
+            <p:ph idx="1"/>
+          </p:nvPr>
+        </p:nvSpPr>
+        <p:spPr/>
+        <p:txBody>
+          <a:bodyPr/>
+          <a:lstStyle/>
+          <a:p>
+            <a:r>
+              <a:rPr lang="de-DE" dirty="0" smtClean="0"/>
+              <a:t>Rest-Schnittstelle (HTTP)</a:t>
+            </a:r>
+            <a:endParaRPr lang="de-DE" dirty="0" smtClean="0"/>
+          </a:p>
+          <a:p>
+            <a:r>
+              <a:rPr lang="de-DE" dirty="0" smtClean="0"/>
+              <a:t>Datenaustausch mittels </a:t>
+            </a:r>
+            <a:r>
+              <a:rPr lang="de-DE" dirty="0" smtClean="0"/>
+              <a:t>JSON</a:t>
+            </a:r>
+          </a:p>
+          <a:p>
+            <a:r>
+              <a:rPr lang="de-DE" dirty="0" smtClean="0"/>
+              <a:t>SQL-Datenbank</a:t>
+            </a:r>
+            <a:endParaRPr lang="de-DE" dirty="0"/>
+          </a:p>
+        </p:txBody>
+      </p:sp>
+    </p:spTree>
+    <p:extLst>
+      <p:ext uri="{BB962C8B-B14F-4D97-AF65-F5344CB8AC3E}">
+        <p14:creationId xmlns:p14="http://schemas.microsoft.com/office/powerpoint/2010/main" val="3765275599"/>
+      </p:ext>
+    </p:extLst>
+  </p:cSld>
+  <p:clrMapOvr>
+    <a:masterClrMapping/>
+  </p:clrMapOvr>
+</p:sld>
+</file>
+
+<file path=ppt/slides/slide12.xml><?xml version="1.0" encoding="utf-8"?>
+<p:sld xmlns:a="http://schemas.openxmlformats.org/drawingml/2006/main" xmlns:r="http://schemas.openxmlformats.org/officeDocument/2006/relationships" xmlns:p="http://schemas.openxmlformats.org/presentationml/2006/main">
+  <p:cSld>
+    <p:spTree>
+      <p:nvGrpSpPr>
+        <p:cNvPr id="1" name=""/>
+        <p:cNvGrpSpPr/>
+        <p:nvPr/>
+      </p:nvGrpSpPr>
+      <p:grpSpPr>
+        <a:xfrm>
+          <a:off x="0" y="0"/>
+          <a:ext cx="0" cy="0"/>
+          <a:chOff x="0" y="0"/>
+          <a:chExt cx="0" cy="0"/>
+        </a:xfrm>
+      </p:grpSpPr>
+      <p:sp>
+        <p:nvSpPr>
+          <p:cNvPr id="2" name="Titel 1"/>
+          <p:cNvSpPr>
+            <a:spLocks noGrp="1"/>
+          </p:cNvSpPr>
+          <p:nvPr>
+            <p:ph type="title"/>
+          </p:nvPr>
+        </p:nvSpPr>
+        <p:spPr/>
+        <p:txBody>
+          <a:bodyPr/>
+          <a:lstStyle/>
+          <a:p>
+            <a:r>
+              <a:rPr lang="de-DE" dirty="0" smtClean="0"/>
+              <a:t>Request Beispiel</a:t>
+            </a:r>
+            <a:endParaRPr lang="de-DE" dirty="0"/>
+          </a:p>
+        </p:txBody>
+      </p:sp>
+      <p:sp>
+        <p:nvSpPr>
+          <p:cNvPr id="3" name="Inhaltsplatzhalter 2"/>
+          <p:cNvSpPr>
+            <a:spLocks noGrp="1"/>
+          </p:cNvSpPr>
+          <p:nvPr>
+            <p:ph idx="1"/>
+          </p:nvPr>
+        </p:nvSpPr>
+        <p:spPr/>
+        <p:txBody>
+          <a:bodyPr/>
+          <a:lstStyle/>
+          <a:p>
+            <a:r>
+              <a:rPr lang="de-DE" dirty="0" smtClean="0"/>
+              <a:t>Beispiel Telefonbuch</a:t>
+            </a:r>
+          </a:p>
+          <a:p>
+            <a:r>
+              <a:rPr lang="de-DE" dirty="0" smtClean="0"/>
+              <a:t>3 Kontakte JSON links – 2 Kontakte </a:t>
+            </a:r>
+            <a:r>
+              <a:rPr lang="de-DE" dirty="0" err="1" smtClean="0"/>
+              <a:t>return</a:t>
+            </a:r>
+            <a:r>
+              <a:rPr lang="de-DE" dirty="0" smtClean="0"/>
+              <a:t> JSON rechts</a:t>
+            </a:r>
+            <a:endParaRPr lang="de-DE" dirty="0"/>
+          </a:p>
+        </p:txBody>
+      </p:sp>
+    </p:spTree>
+    <p:extLst>
+      <p:ext uri="{BB962C8B-B14F-4D97-AF65-F5344CB8AC3E}">
+        <p14:creationId xmlns:p14="http://schemas.microsoft.com/office/powerpoint/2010/main" val="3718753747"/>
+      </p:ext>
+    </p:extLst>
+  </p:cSld>
+  <p:clrMapOvr>
+    <a:masterClrMapping/>
+  </p:clrMapOvr>
+</p:sld>
+</file>
+
+<file path=ppt/slides/slide13.xml><?xml version="1.0" encoding="utf-8"?>
+<p:sld xmlns:a="http://schemas.openxmlformats.org/drawingml/2006/main" xmlns:r="http://schemas.openxmlformats.org/officeDocument/2006/relationships" xmlns:p="http://schemas.openxmlformats.org/presentationml/2006/main">
+  <p:cSld>
+    <p:spTree>
+      <p:nvGrpSpPr>
+        <p:cNvPr id="1" name=""/>
+        <p:cNvGrpSpPr/>
+        <p:nvPr/>
+      </p:nvGrpSpPr>
+      <p:grpSpPr>
+        <a:xfrm>
+          <a:off x="0" y="0"/>
+          <a:ext cx="0" cy="0"/>
+          <a:chOff x="0" y="0"/>
+          <a:chExt cx="0" cy="0"/>
+        </a:xfrm>
+      </p:grpSpPr>
+      <p:sp>
+        <p:nvSpPr>
+          <p:cNvPr id="2" name="Titel 1"/>
+          <p:cNvSpPr>
+            <a:spLocks noGrp="1"/>
+          </p:cNvSpPr>
+          <p:nvPr>
+            <p:ph type="title"/>
+          </p:nvPr>
+        </p:nvSpPr>
+        <p:spPr/>
+        <p:txBody>
+          <a:bodyPr/>
+          <a:lstStyle/>
+          <a:p>
+            <a:r>
+              <a:rPr lang="de-DE" dirty="0" smtClean="0"/>
+              <a:t>2D-Pfeil</a:t>
+            </a:r>
+            <a:endParaRPr lang="de-DE" dirty="0"/>
+          </a:p>
+        </p:txBody>
+      </p:sp>
+      <p:sp>
+        <p:nvSpPr>
+          <p:cNvPr id="3" name="Inhaltsplatzhalter 2"/>
+          <p:cNvSpPr>
+            <a:spLocks noGrp="1"/>
+          </p:cNvSpPr>
+          <p:nvPr>
+            <p:ph idx="1"/>
+          </p:nvPr>
+        </p:nvSpPr>
+        <p:spPr/>
+        <p:txBody>
+          <a:bodyPr/>
+          <a:lstStyle/>
+          <a:p>
+            <a:endParaRPr lang="de-DE"/>
+          </a:p>
+        </p:txBody>
+      </p:sp>
+    </p:spTree>
+    <p:extLst>
+      <p:ext uri="{BB962C8B-B14F-4D97-AF65-F5344CB8AC3E}">
+        <p14:creationId xmlns:p14="http://schemas.microsoft.com/office/powerpoint/2010/main" val="355190406"/>
+      </p:ext>
+    </p:extLst>
+  </p:cSld>
+  <p:clrMapOvr>
+    <a:masterClrMapping/>
+  </p:clrMapOvr>
+</p:sld>
+</file>
+
+<file path=ppt/slides/slide14.xml><?xml version="1.0" encoding="utf-8"?>
+<p:sld xmlns:a="http://schemas.openxmlformats.org/drawingml/2006/main" xmlns:r="http://schemas.openxmlformats.org/officeDocument/2006/relationships" xmlns:p="http://schemas.openxmlformats.org/presentationml/2006/main">
+  <p:cSld>
+    <p:spTree>
+      <p:nvGrpSpPr>
+        <p:cNvPr id="1" name=""/>
+        <p:cNvGrpSpPr/>
+        <p:nvPr/>
+      </p:nvGrpSpPr>
+      <p:grpSpPr>
+        <a:xfrm>
+          <a:off x="0" y="0"/>
+          <a:ext cx="0" cy="0"/>
+          <a:chOff x="0" y="0"/>
+          <a:chExt cx="0" cy="0"/>
+        </a:xfrm>
+      </p:grpSpPr>
+      <p:sp>
+        <p:nvSpPr>
+          <p:cNvPr id="2" name="Titel 1"/>
+          <p:cNvSpPr>
+            <a:spLocks noGrp="1"/>
+          </p:cNvSpPr>
+          <p:nvPr>
+            <p:ph type="title"/>
+          </p:nvPr>
+        </p:nvSpPr>
+        <p:spPr/>
+        <p:txBody>
+          <a:bodyPr/>
+          <a:lstStyle/>
+          <a:p>
+            <a:r>
+              <a:rPr lang="de-DE" dirty="0" smtClean="0"/>
+              <a:t>3D-Pfeil</a:t>
+            </a:r>
+            <a:endParaRPr lang="de-DE" dirty="0"/>
+          </a:p>
+        </p:txBody>
+      </p:sp>
+      <p:sp>
+        <p:nvSpPr>
+          <p:cNvPr id="3" name="Inhaltsplatzhalter 2"/>
+          <p:cNvSpPr>
+            <a:spLocks noGrp="1"/>
+          </p:cNvSpPr>
+          <p:nvPr>
+            <p:ph idx="1"/>
+          </p:nvPr>
+        </p:nvSpPr>
+        <p:spPr/>
+        <p:txBody>
+          <a:bodyPr/>
+          <a:lstStyle/>
+          <a:p>
+            <a:endParaRPr lang="de-DE"/>
+          </a:p>
+        </p:txBody>
+      </p:sp>
+    </p:spTree>
+    <p:extLst>
+      <p:ext uri="{BB962C8B-B14F-4D97-AF65-F5344CB8AC3E}">
+        <p14:creationId xmlns:p14="http://schemas.microsoft.com/office/powerpoint/2010/main" val="3710704641"/>
+      </p:ext>
+    </p:extLst>
+  </p:cSld>
+  <p:clrMapOvr>
+    <a:masterClrMapping/>
+  </p:clrMapOvr>
+</p:sld>
+</file>
+
+<file path=ppt/slides/slide15.xml><?xml version="1.0" encoding="utf-8"?>
+<p:sld xmlns:a="http://schemas.openxmlformats.org/drawingml/2006/main" xmlns:r="http://schemas.openxmlformats.org/officeDocument/2006/relationships" xmlns:p="http://schemas.openxmlformats.org/presentationml/2006/main">
+  <p:cSld>
+    <p:spTree>
+      <p:nvGrpSpPr>
+        <p:cNvPr id="1" name=""/>
+        <p:cNvGrpSpPr/>
+        <p:nvPr/>
+      </p:nvGrpSpPr>
+      <p:grpSpPr>
+        <a:xfrm>
+          <a:off x="0" y="0"/>
+          <a:ext cx="0" cy="0"/>
+          <a:chOff x="0" y="0"/>
+          <a:chExt cx="0" cy="0"/>
+        </a:xfrm>
+      </p:grpSpPr>
+      <p:sp>
+        <p:nvSpPr>
+          <p:cNvPr id="2" name="Titel 1"/>
+          <p:cNvSpPr>
+            <a:spLocks noGrp="1"/>
+          </p:cNvSpPr>
+          <p:nvPr>
+            <p:ph type="title"/>
+          </p:nvPr>
+        </p:nvSpPr>
+        <p:spPr/>
+        <p:txBody>
+          <a:bodyPr/>
+          <a:lstStyle/>
+          <a:p>
+            <a:r>
+              <a:rPr lang="de-DE" dirty="0" smtClean="0"/>
+              <a:t>OpenGL-Text</a:t>
+            </a:r>
+            <a:endParaRPr lang="de-DE" dirty="0"/>
+          </a:p>
+        </p:txBody>
+      </p:sp>
+      <p:sp>
+        <p:nvSpPr>
+          <p:cNvPr id="3" name="Inhaltsplatzhalter 2"/>
+          <p:cNvSpPr>
+            <a:spLocks noGrp="1"/>
+          </p:cNvSpPr>
+          <p:nvPr>
+            <p:ph idx="1"/>
+          </p:nvPr>
+        </p:nvSpPr>
+        <p:spPr/>
+        <p:txBody>
+          <a:bodyPr/>
+          <a:lstStyle/>
+          <a:p>
+            <a:endParaRPr lang="de-DE"/>
+          </a:p>
+        </p:txBody>
+      </p:sp>
+    </p:spTree>
+    <p:extLst>
+      <p:ext uri="{BB962C8B-B14F-4D97-AF65-F5344CB8AC3E}">
+        <p14:creationId xmlns:p14="http://schemas.microsoft.com/office/powerpoint/2010/main" val="1250748821"/>
+      </p:ext>
+    </p:extLst>
+  </p:cSld>
+  <p:clrMapOvr>
+    <a:masterClrMapping/>
+  </p:clrMapOvr>
+</p:sld>
+</file>
+
+<file path=ppt/slides/slide16.xml><?xml version="1.0" encoding="utf-8"?>
+<p:sld xmlns:a="http://schemas.openxmlformats.org/drawingml/2006/main" xmlns:r="http://schemas.openxmlformats.org/officeDocument/2006/relationships" xmlns:p="http://schemas.openxmlformats.org/presentationml/2006/main">
+  <p:cSld>
+    <p:spTree>
+      <p:nvGrpSpPr>
+        <p:cNvPr id="1" name=""/>
+        <p:cNvGrpSpPr/>
+        <p:nvPr/>
+      </p:nvGrpSpPr>
+      <p:grpSpPr>
+        <a:xfrm>
+          <a:off x="0" y="0"/>
+          <a:ext cx="0" cy="0"/>
+          <a:chOff x="0" y="0"/>
+          <a:chExt cx="0" cy="0"/>
+        </a:xfrm>
+      </p:grpSpPr>
+      <p:sp>
+        <p:nvSpPr>
+          <p:cNvPr id="2" name="Titel 1"/>
+          <p:cNvSpPr>
+            <a:spLocks noGrp="1"/>
+          </p:cNvSpPr>
+          <p:nvPr>
+            <p:ph type="title"/>
+          </p:nvPr>
+        </p:nvSpPr>
+        <p:spPr/>
+        <p:txBody>
+          <a:bodyPr/>
+          <a:lstStyle/>
+          <a:p>
+            <a:r>
+              <a:rPr lang="de-DE" dirty="0" smtClean="0"/>
               <a:t>Ausblick</a:t>
             </a:r>
             <a:endParaRPr lang="de-DE" dirty="0"/>
@@ -3222,6 +5392,434 @@
   <p:clrMapOvr>
     <a:masterClrMapping/>
   </p:clrMapOvr>
+</p:sld>
+</file>
+
+<file path=ppt/slides/slide17.xml><?xml version="1.0" encoding="utf-8"?>
+<p:sld xmlns:a="http://schemas.openxmlformats.org/drawingml/2006/main" xmlns:r="http://schemas.openxmlformats.org/officeDocument/2006/relationships" xmlns:p="http://schemas.openxmlformats.org/presentationml/2006/main" show="0">
+  <p:cSld>
+    <p:spTree>
+      <p:nvGrpSpPr>
+        <p:cNvPr id="1" name=""/>
+        <p:cNvGrpSpPr/>
+        <p:nvPr/>
+      </p:nvGrpSpPr>
+      <p:grpSpPr>
+        <a:xfrm>
+          <a:off x="0" y="0"/>
+          <a:ext cx="0" cy="0"/>
+          <a:chOff x="0" y="0"/>
+          <a:chExt cx="0" cy="0"/>
+        </a:xfrm>
+      </p:grpSpPr>
+      <p:sp>
+        <p:nvSpPr>
+          <p:cNvPr id="2" name="Titel 1"/>
+          <p:cNvSpPr>
+            <a:spLocks noGrp="1"/>
+          </p:cNvSpPr>
+          <p:nvPr>
+            <p:ph type="title"/>
+          </p:nvPr>
+        </p:nvSpPr>
+        <p:spPr/>
+        <p:txBody>
+          <a:bodyPr/>
+          <a:lstStyle/>
+          <a:p>
+            <a:r>
+              <a:rPr lang="de-DE" dirty="0" err="1" smtClean="0"/>
+              <a:t>MainActivity</a:t>
+            </a:r>
+            <a:endParaRPr lang="de-DE" dirty="0"/>
+          </a:p>
+        </p:txBody>
+      </p:sp>
+      <p:sp>
+        <p:nvSpPr>
+          <p:cNvPr id="3" name="Inhaltsplatzhalter 2"/>
+          <p:cNvSpPr>
+            <a:spLocks noGrp="1"/>
+          </p:cNvSpPr>
+          <p:nvPr>
+            <p:ph idx="1"/>
+          </p:nvPr>
+        </p:nvSpPr>
+        <p:spPr/>
+        <p:txBody>
+          <a:bodyPr/>
+          <a:lstStyle/>
+          <a:p>
+            <a:r>
+              <a:rPr lang="de-DE" dirty="0" smtClean="0"/>
+              <a:t>Einstiegspunkt der Anwendung</a:t>
+            </a:r>
+          </a:p>
+          <a:p>
+            <a:r>
+              <a:rPr lang="de-DE" dirty="0" smtClean="0"/>
+              <a:t>Stellt GPS-Aktivierung sicher</a:t>
+            </a:r>
+          </a:p>
+          <a:p>
+            <a:r>
+              <a:rPr lang="de-DE" dirty="0" smtClean="0"/>
+              <a:t>Prüft ob Benutzer bereits registriert ist</a:t>
+            </a:r>
+          </a:p>
+          <a:p>
+            <a:pPr lvl="1"/>
+            <a:r>
+              <a:rPr lang="de-DE" dirty="0" smtClean="0"/>
+              <a:t>Wenn ja: </a:t>
+            </a:r>
+            <a:r>
+              <a:rPr lang="de-DE" i="1" dirty="0" err="1" smtClean="0"/>
+              <a:t>ContactListViewActivity</a:t>
+            </a:r>
+            <a:r>
+              <a:rPr lang="de-DE" dirty="0" smtClean="0"/>
+              <a:t> wird gestartet</a:t>
+            </a:r>
+          </a:p>
+          <a:p>
+            <a:pPr lvl="1"/>
+            <a:r>
+              <a:rPr lang="de-DE" dirty="0" smtClean="0"/>
+              <a:t>Wenn nein: </a:t>
+            </a:r>
+            <a:r>
+              <a:rPr lang="de-DE" i="1" dirty="0" err="1" smtClean="0"/>
+              <a:t>RegistrationActivity</a:t>
+            </a:r>
+            <a:r>
+              <a:rPr lang="de-DE" dirty="0" smtClean="0"/>
+              <a:t> wird gestartet</a:t>
+            </a:r>
+          </a:p>
+          <a:p>
+            <a:endParaRPr lang="de-DE" i="1" dirty="0"/>
+          </a:p>
+          <a:p>
+            <a:r>
+              <a:rPr lang="de-DE" dirty="0" smtClean="0"/>
+              <a:t>Ohne Oberfläche</a:t>
+            </a:r>
+            <a:endParaRPr lang="de-DE" dirty="0" smtClean="0"/>
+          </a:p>
+          <a:p>
+            <a:endParaRPr lang="de-DE" i="1" dirty="0"/>
+          </a:p>
+          <a:p>
+            <a:r>
+              <a:rPr lang="de-DE" i="1" dirty="0" smtClean="0"/>
+              <a:t>Screenshot einfügen</a:t>
+            </a:r>
+            <a:endParaRPr lang="de-DE" i="1" dirty="0"/>
+          </a:p>
+        </p:txBody>
+      </p:sp>
+    </p:spTree>
+    <p:extLst>
+      <p:ext uri="{BB962C8B-B14F-4D97-AF65-F5344CB8AC3E}">
+        <p14:creationId xmlns:p14="http://schemas.microsoft.com/office/powerpoint/2010/main" val="368477788"/>
+      </p:ext>
+    </p:extLst>
+  </p:cSld>
+  <p:clrMapOvr>
+    <a:masterClrMapping/>
+  </p:clrMapOvr>
+  <mc:AlternateContent xmlns:mc="http://schemas.openxmlformats.org/markup-compatibility/2006">
+    <mc:Choice xmlns:p14="http://schemas.microsoft.com/office/powerpoint/2010/main" Requires="p14">
+      <p:transition spd="slow" p14:dur="2000"/>
+    </mc:Choice>
+    <mc:Fallback>
+      <p:transition spd="slow"/>
+    </mc:Fallback>
+  </mc:AlternateContent>
+</p:sld>
+</file>
+
+<file path=ppt/slides/slide18.xml><?xml version="1.0" encoding="utf-8"?>
+<p:sld xmlns:a="http://schemas.openxmlformats.org/drawingml/2006/main" xmlns:r="http://schemas.openxmlformats.org/officeDocument/2006/relationships" xmlns:p="http://schemas.openxmlformats.org/presentationml/2006/main" show="0">
+  <p:cSld>
+    <p:spTree>
+      <p:nvGrpSpPr>
+        <p:cNvPr id="1" name=""/>
+        <p:cNvGrpSpPr/>
+        <p:nvPr/>
+      </p:nvGrpSpPr>
+      <p:grpSpPr>
+        <a:xfrm>
+          <a:off x="0" y="0"/>
+          <a:ext cx="0" cy="0"/>
+          <a:chOff x="0" y="0"/>
+          <a:chExt cx="0" cy="0"/>
+        </a:xfrm>
+      </p:grpSpPr>
+      <p:sp>
+        <p:nvSpPr>
+          <p:cNvPr id="2" name="Titel 1"/>
+          <p:cNvSpPr>
+            <a:spLocks noGrp="1"/>
+          </p:cNvSpPr>
+          <p:nvPr>
+            <p:ph type="title"/>
+          </p:nvPr>
+        </p:nvSpPr>
+        <p:spPr/>
+        <p:txBody>
+          <a:bodyPr/>
+          <a:lstStyle/>
+          <a:p>
+            <a:r>
+              <a:rPr lang="de-DE" dirty="0" err="1" smtClean="0"/>
+              <a:t>RegistrationActivity</a:t>
+            </a:r>
+            <a:endParaRPr lang="de-DE" dirty="0"/>
+          </a:p>
+        </p:txBody>
+      </p:sp>
+      <p:sp>
+        <p:nvSpPr>
+          <p:cNvPr id="3" name="Inhaltsplatzhalter 2"/>
+          <p:cNvSpPr>
+            <a:spLocks noGrp="1"/>
+          </p:cNvSpPr>
+          <p:nvPr>
+            <p:ph idx="1"/>
+          </p:nvPr>
+        </p:nvSpPr>
+        <p:spPr/>
+        <p:txBody>
+          <a:bodyPr>
+            <a:normAutofit/>
+          </a:bodyPr>
+          <a:lstStyle/>
+          <a:p>
+            <a:r>
+              <a:rPr lang="de-DE" dirty="0" smtClean="0"/>
+              <a:t>Registrierung mit eigener Telefonnummer und Name</a:t>
+            </a:r>
+          </a:p>
+          <a:p>
+            <a:pPr lvl="1"/>
+            <a:r>
+              <a:rPr lang="de-DE" dirty="0" smtClean="0"/>
+              <a:t>Telefonnummer wird automatisch ausgelesen</a:t>
+            </a:r>
+          </a:p>
+          <a:p>
+            <a:r>
+              <a:rPr lang="de-DE" dirty="0" smtClean="0"/>
+              <a:t>Request zur Registrierung </a:t>
+            </a:r>
+            <a:r>
+              <a:rPr lang="de-DE" dirty="0" smtClean="0"/>
+              <a:t>(POST</a:t>
+            </a:r>
+            <a:r>
+              <a:rPr lang="de-DE" dirty="0" smtClean="0"/>
+              <a:t>)</a:t>
+            </a:r>
+          </a:p>
+          <a:p>
+            <a:r>
+              <a:rPr lang="de-DE" dirty="0" smtClean="0"/>
+              <a:t>Eindeutige ID als Rückgabewert</a:t>
+            </a:r>
+          </a:p>
+          <a:p>
+            <a:pPr lvl="1"/>
+            <a:r>
+              <a:rPr lang="de-DE" dirty="0" smtClean="0"/>
+              <a:t>Wird persistent gespeichert</a:t>
+            </a:r>
+          </a:p>
+          <a:p>
+            <a:endParaRPr lang="de-DE" dirty="0" smtClean="0"/>
+          </a:p>
+          <a:p>
+            <a:endParaRPr lang="de-DE" dirty="0" smtClean="0"/>
+          </a:p>
+          <a:p>
+            <a:endParaRPr lang="de-DE" dirty="0" smtClean="0"/>
+          </a:p>
+          <a:p>
+            <a:r>
+              <a:rPr lang="de-DE" i="1" dirty="0" smtClean="0"/>
+              <a:t>Screenshot einfügen</a:t>
+            </a:r>
+          </a:p>
+          <a:p>
+            <a:endParaRPr lang="de-DE" dirty="0"/>
+          </a:p>
+        </p:txBody>
+      </p:sp>
+    </p:spTree>
+    <p:extLst>
+      <p:ext uri="{BB962C8B-B14F-4D97-AF65-F5344CB8AC3E}">
+        <p14:creationId xmlns:p14="http://schemas.microsoft.com/office/powerpoint/2010/main" val="1930324951"/>
+      </p:ext>
+    </p:extLst>
+  </p:cSld>
+  <p:clrMapOvr>
+    <a:masterClrMapping/>
+  </p:clrMapOvr>
+  <mc:AlternateContent xmlns:mc="http://schemas.openxmlformats.org/markup-compatibility/2006">
+    <mc:Choice xmlns:p14="http://schemas.microsoft.com/office/powerpoint/2010/main" Requires="p14">
+      <p:transition spd="slow" p14:dur="2000"/>
+    </mc:Choice>
+    <mc:Fallback>
+      <p:transition spd="slow"/>
+    </mc:Fallback>
+  </mc:AlternateContent>
+</p:sld>
+</file>
+
+<file path=ppt/slides/slide19.xml><?xml version="1.0" encoding="utf-8"?>
+<p:sld xmlns:a="http://schemas.openxmlformats.org/drawingml/2006/main" xmlns:r="http://schemas.openxmlformats.org/officeDocument/2006/relationships" xmlns:p="http://schemas.openxmlformats.org/presentationml/2006/main" show="0">
+  <p:cSld>
+    <p:spTree>
+      <p:nvGrpSpPr>
+        <p:cNvPr id="1" name=""/>
+        <p:cNvGrpSpPr/>
+        <p:nvPr/>
+      </p:nvGrpSpPr>
+      <p:grpSpPr>
+        <a:xfrm>
+          <a:off x="0" y="0"/>
+          <a:ext cx="0" cy="0"/>
+          <a:chOff x="0" y="0"/>
+          <a:chExt cx="0" cy="0"/>
+        </a:xfrm>
+      </p:grpSpPr>
+      <p:sp>
+        <p:nvSpPr>
+          <p:cNvPr id="2" name="Titel 1"/>
+          <p:cNvSpPr>
+            <a:spLocks noGrp="1"/>
+          </p:cNvSpPr>
+          <p:nvPr>
+            <p:ph type="title"/>
+          </p:nvPr>
+        </p:nvSpPr>
+        <p:spPr/>
+        <p:txBody>
+          <a:bodyPr/>
+          <a:lstStyle/>
+          <a:p>
+            <a:r>
+              <a:rPr lang="de-DE" dirty="0" err="1" smtClean="0"/>
+              <a:t>ContactListViewActivity</a:t>
+            </a:r>
+            <a:endParaRPr lang="de-DE" dirty="0"/>
+          </a:p>
+        </p:txBody>
+      </p:sp>
+      <p:sp>
+        <p:nvSpPr>
+          <p:cNvPr id="3" name="Inhaltsplatzhalter 2"/>
+          <p:cNvSpPr>
+            <a:spLocks noGrp="1"/>
+          </p:cNvSpPr>
+          <p:nvPr>
+            <p:ph idx="1"/>
+          </p:nvPr>
+        </p:nvSpPr>
+        <p:spPr/>
+        <p:txBody>
+          <a:bodyPr>
+            <a:normAutofit/>
+          </a:bodyPr>
+          <a:lstStyle/>
+          <a:p>
+            <a:r>
+              <a:rPr lang="de-DE" dirty="0" smtClean="0"/>
+              <a:t>Übersicht aller Kontakte (ähnlich der </a:t>
+            </a:r>
+            <a:r>
+              <a:rPr lang="de-DE" dirty="0" err="1" smtClean="0"/>
+              <a:t>Whatsapp</a:t>
+            </a:r>
+            <a:r>
+              <a:rPr lang="de-DE" dirty="0" smtClean="0"/>
+              <a:t>-Chatliste)</a:t>
+            </a:r>
+          </a:p>
+          <a:p>
+            <a:pPr lvl="1"/>
+            <a:r>
+              <a:rPr lang="de-DE" dirty="0" smtClean="0"/>
+              <a:t>Name</a:t>
+            </a:r>
+          </a:p>
+          <a:p>
+            <a:pPr lvl="1"/>
+            <a:r>
+              <a:rPr lang="de-DE" dirty="0" smtClean="0"/>
+              <a:t>2D-Richtungspfeil und Entfernungsangabe pro </a:t>
+            </a:r>
+            <a:r>
+              <a:rPr lang="de-DE" dirty="0" smtClean="0"/>
+              <a:t>Kontakt</a:t>
+            </a:r>
+          </a:p>
+          <a:p>
+            <a:r>
+              <a:rPr lang="de-DE" dirty="0" smtClean="0"/>
+              <a:t>periodischer Request zum Abfragen der Daten aller Kontakte (POST)</a:t>
+            </a:r>
+            <a:endParaRPr lang="de-DE" i="1" dirty="0" smtClean="0"/>
+          </a:p>
+          <a:p>
+            <a:pPr lvl="1"/>
+            <a:r>
+              <a:rPr lang="de-DE" dirty="0" smtClean="0"/>
+              <a:t>Sendet komplettes Telefonbuch zum Server</a:t>
+            </a:r>
+          </a:p>
+          <a:p>
+            <a:pPr lvl="1"/>
+            <a:r>
+              <a:rPr lang="de-DE" dirty="0" smtClean="0"/>
+              <a:t>Alle </a:t>
+            </a:r>
+            <a:r>
+              <a:rPr lang="de-DE" dirty="0" smtClean="0"/>
+              <a:t>Kontakte, die im Telefonbuch und am Server registriert sind, als Rückgabewert</a:t>
+            </a:r>
+            <a:endParaRPr lang="de-DE" i="1" dirty="0"/>
+          </a:p>
+          <a:p>
+            <a:r>
+              <a:rPr lang="de-DE" i="1" dirty="0" smtClean="0"/>
+              <a:t>Screenshot einfügen</a:t>
+            </a:r>
+          </a:p>
+          <a:p>
+            <a:endParaRPr lang="de-DE" dirty="0"/>
+          </a:p>
+        </p:txBody>
+      </p:sp>
+    </p:spTree>
+    <p:extLst>
+      <p:ext uri="{BB962C8B-B14F-4D97-AF65-F5344CB8AC3E}">
+        <p14:creationId xmlns:p14="http://schemas.microsoft.com/office/powerpoint/2010/main" val="1333842275"/>
+      </p:ext>
+    </p:extLst>
+  </p:cSld>
+  <p:clrMapOvr>
+    <a:masterClrMapping/>
+  </p:clrMapOvr>
+  <mc:AlternateContent xmlns:mc="http://schemas.openxmlformats.org/markup-compatibility/2006">
+    <mc:Choice xmlns:p14="http://schemas.microsoft.com/office/powerpoint/2010/main" Requires="p14">
+      <p:transition spd="slow" p14:dur="2000"/>
+    </mc:Choice>
+    <mc:Fallback>
+      <p:transition spd="slow"/>
+    </mc:Fallback>
+  </mc:AlternateContent>
 </p:sld>
 </file>
 
@@ -3322,6 +5920,256 @@
       </p:par>
     </p:tnLst>
   </p:timing>
+</p:sld>
+</file>
+
+<file path=ppt/slides/slide20.xml><?xml version="1.0" encoding="utf-8"?>
+<p:sld xmlns:a="http://schemas.openxmlformats.org/drawingml/2006/main" xmlns:r="http://schemas.openxmlformats.org/officeDocument/2006/relationships" xmlns:p="http://schemas.openxmlformats.org/presentationml/2006/main" show="0">
+  <p:cSld>
+    <p:spTree>
+      <p:nvGrpSpPr>
+        <p:cNvPr id="1" name=""/>
+        <p:cNvGrpSpPr/>
+        <p:nvPr/>
+      </p:nvGrpSpPr>
+      <p:grpSpPr>
+        <a:xfrm>
+          <a:off x="0" y="0"/>
+          <a:ext cx="0" cy="0"/>
+          <a:chOff x="0" y="0"/>
+          <a:chExt cx="0" cy="0"/>
+        </a:xfrm>
+      </p:grpSpPr>
+      <p:sp>
+        <p:nvSpPr>
+          <p:cNvPr id="2" name="Titel 1"/>
+          <p:cNvSpPr>
+            <a:spLocks noGrp="1"/>
+          </p:cNvSpPr>
+          <p:nvPr>
+            <p:ph type="title"/>
+          </p:nvPr>
+        </p:nvSpPr>
+        <p:spPr/>
+        <p:txBody>
+          <a:bodyPr/>
+          <a:lstStyle/>
+          <a:p>
+            <a:r>
+              <a:rPr lang="de-DE" dirty="0" err="1" smtClean="0"/>
+              <a:t>NavigationActivity</a:t>
+            </a:r>
+            <a:endParaRPr lang="de-DE" dirty="0"/>
+          </a:p>
+        </p:txBody>
+      </p:sp>
+      <p:sp>
+        <p:nvSpPr>
+          <p:cNvPr id="3" name="Inhaltsplatzhalter 2"/>
+          <p:cNvSpPr>
+            <a:spLocks noGrp="1"/>
+          </p:cNvSpPr>
+          <p:nvPr>
+            <p:ph idx="1"/>
+          </p:nvPr>
+        </p:nvSpPr>
+        <p:spPr/>
+        <p:txBody>
+          <a:bodyPr>
+            <a:normAutofit/>
+          </a:bodyPr>
+          <a:lstStyle/>
+          <a:p>
+            <a:r>
+              <a:rPr lang="de-DE" dirty="0" smtClean="0"/>
+              <a:t>Kameranavigation zum ausgewählten Kontakt</a:t>
+            </a:r>
+          </a:p>
+          <a:p>
+            <a:r>
+              <a:rPr lang="de-DE" dirty="0" smtClean="0"/>
+              <a:t>3D-Richtungspfeil und </a:t>
+            </a:r>
+            <a:r>
+              <a:rPr lang="de-DE" dirty="0" err="1" smtClean="0"/>
+              <a:t>Entfernungangabe</a:t>
+            </a:r>
+            <a:endParaRPr lang="de-DE" dirty="0" smtClean="0"/>
+          </a:p>
+          <a:p>
+            <a:r>
+              <a:rPr lang="de-DE" i="1" dirty="0" err="1" smtClean="0"/>
+              <a:t>GetContactLocationDataPostRequest</a:t>
+            </a:r>
+            <a:r>
+              <a:rPr lang="de-DE" i="1" dirty="0" smtClean="0"/>
+              <a:t> (POST) </a:t>
+            </a:r>
+            <a:r>
+              <a:rPr lang="de-DE" dirty="0" err="1" smtClean="0"/>
+              <a:t>peridodisch</a:t>
+            </a:r>
+            <a:endParaRPr lang="de-DE" dirty="0" smtClean="0"/>
+          </a:p>
+          <a:p>
+            <a:pPr lvl="1"/>
+            <a:r>
+              <a:rPr lang="de-DE" dirty="0" smtClean="0"/>
+              <a:t>Standortdaten des </a:t>
+            </a:r>
+            <a:r>
+              <a:rPr lang="de-DE" dirty="0" err="1" smtClean="0"/>
+              <a:t>ausgwählten</a:t>
+            </a:r>
+            <a:r>
+              <a:rPr lang="de-DE" dirty="0" smtClean="0"/>
+              <a:t> Kontakts als Rückgabewert</a:t>
+            </a:r>
+          </a:p>
+          <a:p>
+            <a:pPr lvl="1"/>
+            <a:r>
+              <a:rPr lang="de-DE" dirty="0" smtClean="0"/>
+              <a:t>Aktualisierung der View dementsprechend</a:t>
+            </a:r>
+          </a:p>
+          <a:p>
+            <a:pPr marL="0" indent="0">
+              <a:buNone/>
+            </a:pPr>
+            <a:endParaRPr lang="de-DE" i="1" dirty="0"/>
+          </a:p>
+          <a:p>
+            <a:endParaRPr lang="de-DE" i="1" dirty="0" smtClean="0"/>
+          </a:p>
+          <a:p>
+            <a:r>
+              <a:rPr lang="de-DE" i="1" dirty="0" smtClean="0"/>
+              <a:t>Screenshot einfügen</a:t>
+            </a:r>
+          </a:p>
+          <a:p>
+            <a:endParaRPr lang="de-DE" dirty="0"/>
+          </a:p>
+        </p:txBody>
+      </p:sp>
+    </p:spTree>
+    <p:extLst>
+      <p:ext uri="{BB962C8B-B14F-4D97-AF65-F5344CB8AC3E}">
+        <p14:creationId xmlns:p14="http://schemas.microsoft.com/office/powerpoint/2010/main" val="3869200147"/>
+      </p:ext>
+    </p:extLst>
+  </p:cSld>
+  <p:clrMapOvr>
+    <a:masterClrMapping/>
+  </p:clrMapOvr>
+  <mc:AlternateContent xmlns:mc="http://schemas.openxmlformats.org/markup-compatibility/2006">
+    <mc:Choice xmlns:p14="http://schemas.microsoft.com/office/powerpoint/2010/main" Requires="p14">
+      <p:transition spd="slow" p14:dur="2000"/>
+    </mc:Choice>
+    <mc:Fallback>
+      <p:transition spd="slow"/>
+    </mc:Fallback>
+  </mc:AlternateContent>
+</p:sld>
+</file>
+
+<file path=ppt/slides/slide21.xml><?xml version="1.0" encoding="utf-8"?>
+<p:sld xmlns:a="http://schemas.openxmlformats.org/drawingml/2006/main" xmlns:r="http://schemas.openxmlformats.org/officeDocument/2006/relationships" xmlns:p="http://schemas.openxmlformats.org/presentationml/2006/main" show="0">
+  <p:cSld>
+    <p:spTree>
+      <p:nvGrpSpPr>
+        <p:cNvPr id="1" name=""/>
+        <p:cNvGrpSpPr/>
+        <p:nvPr/>
+      </p:nvGrpSpPr>
+      <p:grpSpPr>
+        <a:xfrm>
+          <a:off x="0" y="0"/>
+          <a:ext cx="0" cy="0"/>
+          <a:chOff x="0" y="0"/>
+          <a:chExt cx="0" cy="0"/>
+        </a:xfrm>
+      </p:grpSpPr>
+      <p:sp>
+        <p:nvSpPr>
+          <p:cNvPr id="2" name="Titel 1"/>
+          <p:cNvSpPr>
+            <a:spLocks noGrp="1"/>
+          </p:cNvSpPr>
+          <p:nvPr>
+            <p:ph type="title"/>
+          </p:nvPr>
+        </p:nvSpPr>
+        <p:spPr/>
+        <p:txBody>
+          <a:bodyPr/>
+          <a:lstStyle/>
+          <a:p>
+            <a:r>
+              <a:rPr lang="de-DE" dirty="0" err="1" smtClean="0"/>
+              <a:t>LocationService</a:t>
+            </a:r>
+            <a:endParaRPr lang="de-DE" dirty="0"/>
+          </a:p>
+        </p:txBody>
+      </p:sp>
+      <p:sp>
+        <p:nvSpPr>
+          <p:cNvPr id="3" name="Inhaltsplatzhalter 2"/>
+          <p:cNvSpPr>
+            <a:spLocks noGrp="1"/>
+          </p:cNvSpPr>
+          <p:nvPr>
+            <p:ph idx="1"/>
+          </p:nvPr>
+        </p:nvSpPr>
+        <p:spPr/>
+        <p:txBody>
+          <a:bodyPr/>
+          <a:lstStyle/>
+          <a:p>
+            <a:r>
+              <a:rPr lang="de-DE" dirty="0" smtClean="0"/>
+              <a:t>Background-Service</a:t>
+            </a:r>
+          </a:p>
+          <a:p>
+            <a:r>
+              <a:rPr lang="de-DE" dirty="0" smtClean="0"/>
+              <a:t>sendet eigenen Standort nach Standortänderung zum Server</a:t>
+            </a:r>
+          </a:p>
+          <a:p>
+            <a:r>
+              <a:rPr lang="de-DE" i="1" dirty="0" err="1" smtClean="0"/>
+              <a:t>UpdateMyCurrentLocationPutRequest</a:t>
+            </a:r>
+            <a:r>
+              <a:rPr lang="de-DE" i="1" dirty="0" smtClean="0"/>
+              <a:t> (PUT)</a:t>
+            </a:r>
+          </a:p>
+        </p:txBody>
+      </p:sp>
+    </p:spTree>
+    <p:extLst>
+      <p:ext uri="{BB962C8B-B14F-4D97-AF65-F5344CB8AC3E}">
+        <p14:creationId xmlns:p14="http://schemas.microsoft.com/office/powerpoint/2010/main" val="1474396621"/>
+      </p:ext>
+    </p:extLst>
+  </p:cSld>
+  <p:clrMapOvr>
+    <a:masterClrMapping/>
+  </p:clrMapOvr>
+  <mc:AlternateContent xmlns:mc="http://schemas.openxmlformats.org/markup-compatibility/2006">
+    <mc:Choice xmlns:p14="http://schemas.microsoft.com/office/powerpoint/2010/main" Requires="p14">
+      <p:transition spd="slow" p14:dur="2000"/>
+    </mc:Choice>
+    <mc:Fallback>
+      <p:transition spd="slow"/>
+    </mc:Fallback>
+  </mc:AlternateContent>
 </p:sld>
 </file>
 
@@ -4865,62 +7713,10 @@
           <a:chExt cx="0" cy="0"/>
         </a:xfrm>
       </p:grpSpPr>
-      <p:sp>
-        <p:nvSpPr>
-          <p:cNvPr id="2" name="Titel 1"/>
-          <p:cNvSpPr>
-            <a:spLocks noGrp="1"/>
-          </p:cNvSpPr>
-          <p:nvPr>
-            <p:ph type="title"/>
-          </p:nvPr>
-        </p:nvSpPr>
-        <p:spPr/>
-        <p:txBody>
-          <a:bodyPr/>
-          <a:lstStyle/>
-          <a:p>
-            <a:r>
-              <a:rPr lang="de-DE" dirty="0" smtClean="0"/>
-              <a:t>Webserver</a:t>
-            </a:r>
-            <a:endParaRPr lang="de-DE" dirty="0"/>
-          </a:p>
-        </p:txBody>
-      </p:sp>
-      <p:sp>
-        <p:nvSpPr>
-          <p:cNvPr id="3" name="Inhaltsplatzhalter 2"/>
-          <p:cNvSpPr>
-            <a:spLocks noGrp="1"/>
-          </p:cNvSpPr>
-          <p:nvPr>
-            <p:ph idx="1"/>
-          </p:nvPr>
-        </p:nvSpPr>
-        <p:spPr/>
-        <p:txBody>
-          <a:bodyPr/>
-          <a:lstStyle/>
-          <a:p>
-            <a:r>
-              <a:rPr lang="de-DE" dirty="0" smtClean="0"/>
-              <a:t>HTTP-Schnittstelle</a:t>
-            </a:r>
-          </a:p>
-          <a:p>
-            <a:r>
-              <a:rPr lang="de-DE" dirty="0" smtClean="0"/>
-              <a:t>Datenaustausch mittels JSON</a:t>
-            </a:r>
-            <a:endParaRPr lang="de-DE" dirty="0"/>
-          </a:p>
-        </p:txBody>
-      </p:sp>
     </p:spTree>
     <p:extLst>
       <p:ext uri="{BB962C8B-B14F-4D97-AF65-F5344CB8AC3E}">
-        <p14:creationId xmlns:p14="http://schemas.microsoft.com/office/powerpoint/2010/main" val="3765275599"/>
+        <p14:creationId xmlns:p14="http://schemas.microsoft.com/office/powerpoint/2010/main" val="2021238872"/>
       </p:ext>
     </p:extLst>
   </p:cSld>
@@ -4949,22 +7745,454 @@
       </p:grpSpPr>
       <p:sp>
         <p:nvSpPr>
-          <p:cNvPr id="2" name="Titel 1"/>
-          <p:cNvSpPr>
-            <a:spLocks noGrp="1"/>
-          </p:cNvSpPr>
-          <p:nvPr>
-            <p:ph type="title"/>
-          </p:nvPr>
-        </p:nvSpPr>
-        <p:spPr/>
-        <p:txBody>
-          <a:bodyPr/>
+          <p:cNvPr id="2" name="Rechteck 1"/>
+          <p:cNvSpPr/>
+          <p:nvPr/>
+        </p:nvSpPr>
+        <p:spPr>
+          <a:xfrm>
+            <a:off x="473948" y="1848081"/>
+            <a:ext cx="1255924" cy="1710366"/>
+          </a:xfrm>
+          <a:prstGeom prst="rect">
+            <a:avLst/>
+          </a:prstGeom>
+          <a:ln/>
+        </p:spPr>
+        <p:style>
+          <a:lnRef idx="0">
+            <a:schemeClr val="accent1"/>
+          </a:lnRef>
+          <a:fillRef idx="3">
+            <a:schemeClr val="accent1"/>
+          </a:fillRef>
+          <a:effectRef idx="3">
+            <a:schemeClr val="accent1"/>
+          </a:effectRef>
+          <a:fontRef idx="minor">
+            <a:schemeClr val="lt1"/>
+          </a:fontRef>
+        </p:style>
+        <p:txBody>
+          <a:bodyPr rtlCol="0" anchor="ctr"/>
+          <a:lstStyle/>
+          <a:p>
+            <a:pPr algn="ctr"/>
+            <a:endParaRPr lang="de-DE"/>
+          </a:p>
+        </p:txBody>
+      </p:sp>
+      <p:sp>
+        <p:nvSpPr>
+          <p:cNvPr id="6" name="Textfeld 5"/>
+          <p:cNvSpPr txBox="1"/>
+          <p:nvPr/>
+        </p:nvSpPr>
+        <p:spPr>
+          <a:xfrm>
+            <a:off x="418824" y="1393353"/>
+            <a:ext cx="1406154" cy="369332"/>
+          </a:xfrm>
+          <a:prstGeom prst="rect">
+            <a:avLst/>
+          </a:prstGeom>
+          <a:noFill/>
+        </p:spPr>
+        <p:txBody>
+          <a:bodyPr wrap="none" rtlCol="0">
+            <a:spAutoFit/>
+          </a:bodyPr>
+          <a:lstStyle/>
+          <a:p>
+            <a:r>
+              <a:rPr lang="de-DE" b="1" dirty="0" err="1" smtClean="0"/>
+              <a:t>MainActivity</a:t>
+            </a:r>
+            <a:endParaRPr lang="de-DE" b="1" dirty="0"/>
+          </a:p>
+        </p:txBody>
+      </p:sp>
+      <p:sp>
+        <p:nvSpPr>
+          <p:cNvPr id="7" name="Rechteck 6"/>
+          <p:cNvSpPr/>
+          <p:nvPr/>
+        </p:nvSpPr>
+        <p:spPr>
+          <a:xfrm>
+            <a:off x="3884406" y="1821367"/>
+            <a:ext cx="1176166" cy="1737079"/>
+          </a:xfrm>
+          <a:prstGeom prst="rect">
+            <a:avLst/>
+          </a:prstGeom>
+        </p:spPr>
+        <p:style>
+          <a:lnRef idx="0">
+            <a:schemeClr val="accent1"/>
+          </a:lnRef>
+          <a:fillRef idx="3">
+            <a:schemeClr val="accent1"/>
+          </a:fillRef>
+          <a:effectRef idx="3">
+            <a:schemeClr val="accent1"/>
+          </a:effectRef>
+          <a:fontRef idx="minor">
+            <a:schemeClr val="lt1"/>
+          </a:fontRef>
+        </p:style>
+        <p:txBody>
+          <a:bodyPr rtlCol="0" anchor="ctr"/>
+          <a:lstStyle/>
+          <a:p>
+            <a:pPr algn="ctr"/>
+            <a:endParaRPr lang="de-DE"/>
+          </a:p>
+        </p:txBody>
+      </p:sp>
+      <p:sp>
+        <p:nvSpPr>
+          <p:cNvPr id="8" name="Textfeld 7"/>
+          <p:cNvSpPr txBox="1"/>
+          <p:nvPr/>
+        </p:nvSpPr>
+        <p:spPr>
+          <a:xfrm>
+            <a:off x="3536825" y="1401791"/>
+            <a:ext cx="2058256" cy="369332"/>
+          </a:xfrm>
+          <a:prstGeom prst="rect">
+            <a:avLst/>
+          </a:prstGeom>
+          <a:noFill/>
+        </p:spPr>
+        <p:txBody>
+          <a:bodyPr wrap="none" rtlCol="0">
+            <a:spAutoFit/>
+          </a:bodyPr>
+          <a:lstStyle/>
+          <a:p>
+            <a:r>
+              <a:rPr lang="de-DE" b="1" dirty="0" err="1" smtClean="0"/>
+              <a:t>RegistrationActivity</a:t>
+            </a:r>
+            <a:endParaRPr lang="de-DE" b="1" dirty="0"/>
+          </a:p>
+        </p:txBody>
+      </p:sp>
+      <p:sp>
+        <p:nvSpPr>
+          <p:cNvPr id="9" name="Rechteck 8"/>
+          <p:cNvSpPr/>
+          <p:nvPr/>
+        </p:nvSpPr>
+        <p:spPr>
+          <a:xfrm>
+            <a:off x="7210828" y="1817937"/>
+            <a:ext cx="1135759" cy="1740510"/>
+          </a:xfrm>
+          <a:prstGeom prst="rect">
+            <a:avLst/>
+          </a:prstGeom>
+        </p:spPr>
+        <p:style>
+          <a:lnRef idx="0">
+            <a:schemeClr val="accent1"/>
+          </a:lnRef>
+          <a:fillRef idx="3">
+            <a:schemeClr val="accent1"/>
+          </a:fillRef>
+          <a:effectRef idx="3">
+            <a:schemeClr val="accent1"/>
+          </a:effectRef>
+          <a:fontRef idx="minor">
+            <a:schemeClr val="lt1"/>
+          </a:fontRef>
+        </p:style>
+        <p:txBody>
+          <a:bodyPr rtlCol="0" anchor="ctr"/>
+          <a:lstStyle/>
+          <a:p>
+            <a:pPr algn="ctr"/>
+            <a:endParaRPr lang="de-DE"/>
+          </a:p>
+        </p:txBody>
+      </p:sp>
+      <p:sp>
+        <p:nvSpPr>
+          <p:cNvPr id="10" name="Textfeld 9"/>
+          <p:cNvSpPr txBox="1"/>
+          <p:nvPr/>
+        </p:nvSpPr>
+        <p:spPr>
+          <a:xfrm>
+            <a:off x="6510394" y="1398655"/>
+            <a:ext cx="2446439" cy="369332"/>
+          </a:xfrm>
+          <a:prstGeom prst="rect">
+            <a:avLst/>
+          </a:prstGeom>
+          <a:noFill/>
+        </p:spPr>
+        <p:txBody>
+          <a:bodyPr wrap="none" rtlCol="0">
+            <a:spAutoFit/>
+          </a:bodyPr>
+          <a:lstStyle/>
+          <a:p>
+            <a:r>
+              <a:rPr lang="de-DE" b="1" dirty="0" err="1" smtClean="0"/>
+              <a:t>ContactListViewActivity</a:t>
+            </a:r>
+            <a:endParaRPr lang="de-DE" b="1" dirty="0"/>
+          </a:p>
+        </p:txBody>
+      </p:sp>
+      <p:sp>
+        <p:nvSpPr>
+          <p:cNvPr id="11" name="Rechteck 10"/>
+          <p:cNvSpPr/>
+          <p:nvPr/>
+        </p:nvSpPr>
+        <p:spPr>
+          <a:xfrm>
+            <a:off x="10491599" y="1817936"/>
+            <a:ext cx="1173278" cy="1740511"/>
+          </a:xfrm>
+          <a:prstGeom prst="rect">
+            <a:avLst/>
+          </a:prstGeom>
+        </p:spPr>
+        <p:style>
+          <a:lnRef idx="0">
+            <a:schemeClr val="accent1"/>
+          </a:lnRef>
+          <a:fillRef idx="3">
+            <a:schemeClr val="accent1"/>
+          </a:fillRef>
+          <a:effectRef idx="3">
+            <a:schemeClr val="accent1"/>
+          </a:effectRef>
+          <a:fontRef idx="minor">
+            <a:schemeClr val="lt1"/>
+          </a:fontRef>
+        </p:style>
+        <p:txBody>
+          <a:bodyPr rtlCol="0" anchor="ctr"/>
+          <a:lstStyle/>
+          <a:p>
+            <a:pPr algn="ctr"/>
+            <a:endParaRPr lang="de-DE"/>
+          </a:p>
+        </p:txBody>
+      </p:sp>
+      <p:sp>
+        <p:nvSpPr>
+          <p:cNvPr id="12" name="Textfeld 11"/>
+          <p:cNvSpPr txBox="1"/>
+          <p:nvPr/>
+        </p:nvSpPr>
+        <p:spPr>
+          <a:xfrm>
+            <a:off x="10108934" y="1393353"/>
+            <a:ext cx="1938608" cy="369332"/>
+          </a:xfrm>
+          <a:prstGeom prst="rect">
+            <a:avLst/>
+          </a:prstGeom>
+          <a:noFill/>
+        </p:spPr>
+        <p:txBody>
+          <a:bodyPr wrap="none" rtlCol="0">
+            <a:spAutoFit/>
+          </a:bodyPr>
+          <a:lstStyle/>
+          <a:p>
+            <a:r>
+              <a:rPr lang="de-DE" b="1" dirty="0" err="1" smtClean="0"/>
+              <a:t>NavigationActivity</a:t>
+            </a:r>
+            <a:endParaRPr lang="de-DE" b="1" dirty="0"/>
+          </a:p>
+        </p:txBody>
+      </p:sp>
+      <p:sp>
+        <p:nvSpPr>
+          <p:cNvPr id="14" name="Pfeil nach rechts 13"/>
+          <p:cNvSpPr/>
+          <p:nvPr/>
+        </p:nvSpPr>
+        <p:spPr>
+          <a:xfrm>
+            <a:off x="1739394" y="2714206"/>
+            <a:ext cx="2135490" cy="308473"/>
+          </a:xfrm>
+          <a:prstGeom prst="rightArrow">
+            <a:avLst/>
+          </a:prstGeom>
+        </p:spPr>
+        <p:style>
+          <a:lnRef idx="0">
+            <a:schemeClr val="accent6"/>
+          </a:lnRef>
+          <a:fillRef idx="3">
+            <a:schemeClr val="accent6"/>
+          </a:fillRef>
+          <a:effectRef idx="3">
+            <a:schemeClr val="accent6"/>
+          </a:effectRef>
+          <a:fontRef idx="minor">
+            <a:schemeClr val="lt1"/>
+          </a:fontRef>
+        </p:style>
+        <p:txBody>
+          <a:bodyPr rtlCol="0" anchor="ctr"/>
+          <a:lstStyle/>
+          <a:p>
+            <a:pPr algn="ctr"/>
+            <a:endParaRPr lang="de-DE"/>
+          </a:p>
+        </p:txBody>
+      </p:sp>
+      <p:sp>
+        <p:nvSpPr>
+          <p:cNvPr id="15" name="Pfeil nach rechts 14"/>
+          <p:cNvSpPr/>
+          <p:nvPr/>
+        </p:nvSpPr>
+        <p:spPr>
+          <a:xfrm>
+            <a:off x="1739394" y="2014569"/>
+            <a:ext cx="5465329" cy="308473"/>
+          </a:xfrm>
+          <a:prstGeom prst="rightArrow">
+            <a:avLst/>
+          </a:prstGeom>
+        </p:spPr>
+        <p:style>
+          <a:lnRef idx="1">
+            <a:schemeClr val="accent6"/>
+          </a:lnRef>
+          <a:fillRef idx="2">
+            <a:schemeClr val="accent6"/>
+          </a:fillRef>
+          <a:effectRef idx="1">
+            <a:schemeClr val="accent6"/>
+          </a:effectRef>
+          <a:fontRef idx="minor">
+            <a:schemeClr val="dk1"/>
+          </a:fontRef>
+        </p:style>
+        <p:txBody>
+          <a:bodyPr rtlCol="0" anchor="ctr"/>
+          <a:lstStyle/>
+          <a:p>
+            <a:pPr algn="ctr"/>
+            <a:endParaRPr lang="de-DE"/>
+          </a:p>
+        </p:txBody>
+      </p:sp>
+      <p:sp>
+        <p:nvSpPr>
+          <p:cNvPr id="16" name="Pfeil nach rechts 15"/>
+          <p:cNvSpPr/>
+          <p:nvPr/>
+        </p:nvSpPr>
+        <p:spPr>
+          <a:xfrm>
+            <a:off x="5070094" y="2713484"/>
+            <a:ext cx="2134629" cy="308473"/>
+          </a:xfrm>
+          <a:prstGeom prst="rightArrow">
+            <a:avLst/>
+          </a:prstGeom>
+        </p:spPr>
+        <p:style>
+          <a:lnRef idx="0">
+            <a:schemeClr val="accent6"/>
+          </a:lnRef>
+          <a:fillRef idx="3">
+            <a:schemeClr val="accent6"/>
+          </a:fillRef>
+          <a:effectRef idx="3">
+            <a:schemeClr val="accent6"/>
+          </a:effectRef>
+          <a:fontRef idx="minor">
+            <a:schemeClr val="lt1"/>
+          </a:fontRef>
+        </p:style>
+        <p:txBody>
+          <a:bodyPr rtlCol="0" anchor="ctr"/>
+          <a:lstStyle/>
+          <a:p>
+            <a:pPr algn="ctr"/>
+            <a:endParaRPr lang="de-DE"/>
+          </a:p>
+        </p:txBody>
+      </p:sp>
+      <p:sp>
+        <p:nvSpPr>
+          <p:cNvPr id="17" name="Pfeil nach rechts 16"/>
+          <p:cNvSpPr/>
+          <p:nvPr/>
+        </p:nvSpPr>
+        <p:spPr>
+          <a:xfrm>
+            <a:off x="8346587" y="2670794"/>
+            <a:ext cx="2138907" cy="308473"/>
+          </a:xfrm>
+          <a:prstGeom prst="rightArrow">
+            <a:avLst/>
+          </a:prstGeom>
+        </p:spPr>
+        <p:style>
+          <a:lnRef idx="0">
+            <a:schemeClr val="accent6"/>
+          </a:lnRef>
+          <a:fillRef idx="3">
+            <a:schemeClr val="accent6"/>
+          </a:fillRef>
+          <a:effectRef idx="3">
+            <a:schemeClr val="accent6"/>
+          </a:effectRef>
+          <a:fontRef idx="minor">
+            <a:schemeClr val="lt1"/>
+          </a:fontRef>
+        </p:style>
+        <p:txBody>
+          <a:bodyPr rtlCol="0" anchor="ctr"/>
+          <a:lstStyle/>
+          <a:p>
+            <a:pPr algn="ctr"/>
+            <a:endParaRPr lang="de-DE"/>
+          </a:p>
+        </p:txBody>
+      </p:sp>
+      <p:sp>
+        <p:nvSpPr>
+          <p:cNvPr id="18" name="Textfeld 17"/>
+          <p:cNvSpPr txBox="1"/>
+          <p:nvPr/>
+        </p:nvSpPr>
+        <p:spPr>
+          <a:xfrm>
+            <a:off x="2346358" y="2397179"/>
+            <a:ext cx="703462" cy="369332"/>
+          </a:xfrm>
+          <a:prstGeom prst="rect">
+            <a:avLst/>
+          </a:prstGeom>
+          <a:noFill/>
+        </p:spPr>
+        <p:txBody>
+          <a:bodyPr wrap="none" rtlCol="0">
+            <a:spAutoFit/>
+          </a:bodyPr>
           <a:lstStyle/>
           <a:p>
             <a:r>
               <a:rPr lang="de-DE" dirty="0" err="1" smtClean="0"/>
-              <a:t>MainActivity</a:t>
+              <a:t>starts</a:t>
             </a:r>
             <a:endParaRPr lang="de-DE" dirty="0"/>
           </a:p>
@@ -4972,88 +8200,921 @@
       </p:sp>
       <p:sp>
         <p:nvSpPr>
-          <p:cNvPr id="3" name="Inhaltsplatzhalter 2"/>
-          <p:cNvSpPr>
-            <a:spLocks noGrp="1"/>
-          </p:cNvSpPr>
-          <p:nvPr>
-            <p:ph idx="1"/>
-          </p:nvPr>
-        </p:nvSpPr>
-        <p:spPr/>
-        <p:txBody>
-          <a:bodyPr/>
-          <a:lstStyle/>
-          <a:p>
-            <a:r>
-              <a:rPr lang="de-DE" dirty="0" smtClean="0"/>
-              <a:t>Einstiegspunkt der Anwendung</a:t>
-            </a:r>
-          </a:p>
-          <a:p>
-            <a:r>
-              <a:rPr lang="de-DE" dirty="0" smtClean="0"/>
-              <a:t>Stellt GPS-Aktivierung sicher</a:t>
-            </a:r>
-          </a:p>
-          <a:p>
-            <a:r>
-              <a:rPr lang="de-DE" dirty="0" smtClean="0"/>
-              <a:t>Prüft ob Benutzer bereits registriert ist</a:t>
-            </a:r>
-          </a:p>
-          <a:p>
-            <a:pPr lvl="1"/>
-            <a:r>
-              <a:rPr lang="de-DE" dirty="0" smtClean="0"/>
-              <a:t>Wenn ja: </a:t>
-            </a:r>
-            <a:r>
-              <a:rPr lang="de-DE" i="1" dirty="0" err="1" smtClean="0"/>
-              <a:t>ContactListViewActivity</a:t>
-            </a:r>
-            <a:r>
-              <a:rPr lang="de-DE" dirty="0" smtClean="0"/>
-              <a:t> wird gestartet</a:t>
-            </a:r>
-          </a:p>
-          <a:p>
-            <a:pPr lvl="1"/>
-            <a:r>
-              <a:rPr lang="de-DE" dirty="0" smtClean="0"/>
-              <a:t>Wenn nein: </a:t>
-            </a:r>
-            <a:r>
-              <a:rPr lang="de-DE" i="1" dirty="0" err="1" smtClean="0"/>
-              <a:t>RegistrationActivity</a:t>
-            </a:r>
-            <a:r>
-              <a:rPr lang="de-DE" dirty="0" smtClean="0"/>
-              <a:t> wird gestartet</a:t>
-            </a:r>
-          </a:p>
-          <a:p>
-            <a:endParaRPr lang="de-DE" i="1" dirty="0"/>
-          </a:p>
-          <a:p>
-            <a:endParaRPr lang="de-DE" i="1" dirty="0" smtClean="0"/>
-          </a:p>
-          <a:p>
-            <a:endParaRPr lang="de-DE" i="1" dirty="0"/>
-          </a:p>
-          <a:p>
-            <a:r>
-              <a:rPr lang="de-DE" i="1" dirty="0" smtClean="0"/>
-              <a:t>Screenshot einfügen</a:t>
-            </a:r>
-            <a:endParaRPr lang="de-DE" i="1" dirty="0"/>
+          <p:cNvPr id="19" name="Textfeld 18"/>
+          <p:cNvSpPr txBox="1"/>
+          <p:nvPr/>
+        </p:nvSpPr>
+        <p:spPr>
+          <a:xfrm>
+            <a:off x="5785677" y="2435223"/>
+            <a:ext cx="703462" cy="369332"/>
+          </a:xfrm>
+          <a:prstGeom prst="rect">
+            <a:avLst/>
+          </a:prstGeom>
+          <a:noFill/>
+        </p:spPr>
+        <p:txBody>
+          <a:bodyPr wrap="none" rtlCol="0">
+            <a:spAutoFit/>
+          </a:bodyPr>
+          <a:lstStyle/>
+          <a:p>
+            <a:r>
+              <a:rPr lang="de-DE" dirty="0" err="1" smtClean="0"/>
+              <a:t>starts</a:t>
+            </a:r>
+            <a:endParaRPr lang="de-DE" dirty="0"/>
+          </a:p>
+        </p:txBody>
+      </p:sp>
+      <p:sp>
+        <p:nvSpPr>
+          <p:cNvPr id="20" name="Textfeld 19"/>
+          <p:cNvSpPr txBox="1"/>
+          <p:nvPr/>
+        </p:nvSpPr>
+        <p:spPr>
+          <a:xfrm>
+            <a:off x="9026397" y="2388484"/>
+            <a:ext cx="703462" cy="369332"/>
+          </a:xfrm>
+          <a:prstGeom prst="rect">
+            <a:avLst/>
+          </a:prstGeom>
+          <a:noFill/>
+        </p:spPr>
+        <p:txBody>
+          <a:bodyPr wrap="none" rtlCol="0">
+            <a:spAutoFit/>
+          </a:bodyPr>
+          <a:lstStyle/>
+          <a:p>
+            <a:r>
+              <a:rPr lang="de-DE" dirty="0" err="1" smtClean="0"/>
+              <a:t>starts</a:t>
+            </a:r>
+            <a:endParaRPr lang="de-DE" dirty="0"/>
+          </a:p>
+        </p:txBody>
+      </p:sp>
+      <p:sp>
+        <p:nvSpPr>
+          <p:cNvPr id="21" name="Abgerundetes Rechteck 20"/>
+          <p:cNvSpPr/>
+          <p:nvPr/>
+        </p:nvSpPr>
+        <p:spPr>
+          <a:xfrm>
+            <a:off x="7075981" y="5631569"/>
+            <a:ext cx="2653878" cy="1133825"/>
+          </a:xfrm>
+          <a:prstGeom prst="roundRect">
+            <a:avLst/>
+          </a:prstGeom>
+        </p:spPr>
+        <p:style>
+          <a:lnRef idx="0">
+            <a:schemeClr val="accent2"/>
+          </a:lnRef>
+          <a:fillRef idx="3">
+            <a:schemeClr val="accent2"/>
+          </a:fillRef>
+          <a:effectRef idx="3">
+            <a:schemeClr val="accent2"/>
+          </a:effectRef>
+          <a:fontRef idx="minor">
+            <a:schemeClr val="lt1"/>
+          </a:fontRef>
+        </p:style>
+        <p:txBody>
+          <a:bodyPr rtlCol="0" anchor="ctr"/>
+          <a:lstStyle/>
+          <a:p>
+            <a:pPr algn="ctr"/>
+            <a:endParaRPr lang="de-DE"/>
+          </a:p>
+        </p:txBody>
+      </p:sp>
+      <p:sp>
+        <p:nvSpPr>
+          <p:cNvPr id="22" name="Textfeld 21"/>
+          <p:cNvSpPr txBox="1"/>
+          <p:nvPr/>
+        </p:nvSpPr>
+        <p:spPr>
+          <a:xfrm>
+            <a:off x="7778707" y="6010629"/>
+            <a:ext cx="1218795" cy="369332"/>
+          </a:xfrm>
+          <a:prstGeom prst="rect">
+            <a:avLst/>
+          </a:prstGeom>
+          <a:noFill/>
+        </p:spPr>
+        <p:txBody>
+          <a:bodyPr wrap="none" rtlCol="0">
+            <a:spAutoFit/>
+          </a:bodyPr>
+          <a:lstStyle/>
+          <a:p>
+            <a:r>
+              <a:rPr lang="de-DE" b="1" dirty="0" smtClean="0"/>
+              <a:t>Webserver</a:t>
+            </a:r>
+            <a:endParaRPr lang="de-DE" b="1" dirty="0"/>
+          </a:p>
+        </p:txBody>
+      </p:sp>
+      <p:sp>
+        <p:nvSpPr>
+          <p:cNvPr id="23" name="Rechteck 22"/>
+          <p:cNvSpPr/>
+          <p:nvPr/>
+        </p:nvSpPr>
+        <p:spPr>
+          <a:xfrm>
+            <a:off x="395737" y="5526632"/>
+            <a:ext cx="2757025" cy="1133825"/>
+          </a:xfrm>
+          <a:prstGeom prst="rect">
+            <a:avLst/>
+          </a:prstGeom>
+        </p:spPr>
+        <p:style>
+          <a:lnRef idx="0">
+            <a:schemeClr val="accent1"/>
+          </a:lnRef>
+          <a:fillRef idx="3">
+            <a:schemeClr val="accent1"/>
+          </a:fillRef>
+          <a:effectRef idx="3">
+            <a:schemeClr val="accent1"/>
+          </a:effectRef>
+          <a:fontRef idx="minor">
+            <a:schemeClr val="lt1"/>
+          </a:fontRef>
+        </p:style>
+        <p:txBody>
+          <a:bodyPr rtlCol="0" anchor="ctr"/>
+          <a:lstStyle/>
+          <a:p>
+            <a:pPr algn="ctr"/>
+            <a:endParaRPr lang="de-DE"/>
+          </a:p>
+        </p:txBody>
+      </p:sp>
+      <p:sp>
+        <p:nvSpPr>
+          <p:cNvPr id="24" name="Textfeld 23"/>
+          <p:cNvSpPr txBox="1"/>
+          <p:nvPr/>
+        </p:nvSpPr>
+        <p:spPr>
+          <a:xfrm>
+            <a:off x="967664" y="5908879"/>
+            <a:ext cx="1680460" cy="369332"/>
+          </a:xfrm>
+          <a:prstGeom prst="rect">
+            <a:avLst/>
+          </a:prstGeom>
+          <a:noFill/>
+        </p:spPr>
+        <p:txBody>
+          <a:bodyPr wrap="none" rtlCol="0">
+            <a:spAutoFit/>
+          </a:bodyPr>
+          <a:lstStyle/>
+          <a:p>
+            <a:r>
+              <a:rPr lang="de-DE" b="1" dirty="0" err="1" smtClean="0"/>
+              <a:t>LocationService</a:t>
+            </a:r>
+            <a:endParaRPr lang="de-DE" b="1" dirty="0"/>
+          </a:p>
+        </p:txBody>
+      </p:sp>
+      <p:sp>
+        <p:nvSpPr>
+          <p:cNvPr id="25" name="Pfeil nach rechts 24"/>
+          <p:cNvSpPr/>
+          <p:nvPr/>
+        </p:nvSpPr>
+        <p:spPr>
+          <a:xfrm rot="5400000">
+            <a:off x="137808" y="4388304"/>
+            <a:ext cx="1968186" cy="308473"/>
+          </a:xfrm>
+          <a:prstGeom prst="rightArrow">
+            <a:avLst/>
+          </a:prstGeom>
+        </p:spPr>
+        <p:style>
+          <a:lnRef idx="0">
+            <a:schemeClr val="accent6"/>
+          </a:lnRef>
+          <a:fillRef idx="3">
+            <a:schemeClr val="accent6"/>
+          </a:fillRef>
+          <a:effectRef idx="3">
+            <a:schemeClr val="accent6"/>
+          </a:effectRef>
+          <a:fontRef idx="minor">
+            <a:schemeClr val="lt1"/>
+          </a:fontRef>
+        </p:style>
+        <p:txBody>
+          <a:bodyPr rtlCol="0" anchor="ctr"/>
+          <a:lstStyle/>
+          <a:p>
+            <a:pPr algn="ctr"/>
+            <a:endParaRPr lang="de-DE"/>
+          </a:p>
+        </p:txBody>
+      </p:sp>
+      <p:sp>
+        <p:nvSpPr>
+          <p:cNvPr id="26" name="Textfeld 25"/>
+          <p:cNvSpPr txBox="1"/>
+          <p:nvPr/>
+        </p:nvSpPr>
+        <p:spPr>
+          <a:xfrm>
+            <a:off x="1235217" y="4423536"/>
+            <a:ext cx="703462" cy="369332"/>
+          </a:xfrm>
+          <a:prstGeom prst="rect">
+            <a:avLst/>
+          </a:prstGeom>
+          <a:noFill/>
+        </p:spPr>
+        <p:txBody>
+          <a:bodyPr wrap="none" rtlCol="0">
+            <a:spAutoFit/>
+          </a:bodyPr>
+          <a:lstStyle/>
+          <a:p>
+            <a:r>
+              <a:rPr lang="de-DE" dirty="0" err="1" smtClean="0"/>
+              <a:t>starts</a:t>
+            </a:r>
+            <a:endParaRPr lang="de-DE" dirty="0"/>
+          </a:p>
+        </p:txBody>
+      </p:sp>
+      <p:sp>
+        <p:nvSpPr>
+          <p:cNvPr id="27" name="Pfeil nach rechts 26"/>
+          <p:cNvSpPr/>
+          <p:nvPr/>
+        </p:nvSpPr>
+        <p:spPr>
+          <a:xfrm>
+            <a:off x="3169191" y="6160173"/>
+            <a:ext cx="3906790" cy="236075"/>
+          </a:xfrm>
+          <a:prstGeom prst="rightArrow">
+            <a:avLst/>
+          </a:prstGeom>
+        </p:spPr>
+        <p:style>
+          <a:lnRef idx="0">
+            <a:schemeClr val="accent4"/>
+          </a:lnRef>
+          <a:fillRef idx="3">
+            <a:schemeClr val="accent4"/>
+          </a:fillRef>
+          <a:effectRef idx="3">
+            <a:schemeClr val="accent4"/>
+          </a:effectRef>
+          <a:fontRef idx="minor">
+            <a:schemeClr val="lt1"/>
+          </a:fontRef>
+        </p:style>
+        <p:txBody>
+          <a:bodyPr rtlCol="0" anchor="ctr"/>
+          <a:lstStyle/>
+          <a:p>
+            <a:pPr algn="ctr"/>
+            <a:endParaRPr lang="de-DE"/>
+          </a:p>
+        </p:txBody>
+      </p:sp>
+      <p:sp>
+        <p:nvSpPr>
+          <p:cNvPr id="28" name="Textfeld 27"/>
+          <p:cNvSpPr txBox="1"/>
+          <p:nvPr/>
+        </p:nvSpPr>
+        <p:spPr>
+          <a:xfrm>
+            <a:off x="3101562" y="5854797"/>
+            <a:ext cx="4038863" cy="369332"/>
+          </a:xfrm>
+          <a:prstGeom prst="rect">
+            <a:avLst/>
+          </a:prstGeom>
+          <a:noFill/>
+        </p:spPr>
+        <p:txBody>
+          <a:bodyPr wrap="none" rtlCol="0">
+            <a:spAutoFit/>
+          </a:bodyPr>
+          <a:lstStyle/>
+          <a:p>
+            <a:r>
+              <a:rPr lang="de-DE" dirty="0"/>
+              <a:t>s</a:t>
+            </a:r>
+            <a:r>
+              <a:rPr lang="de-DE" dirty="0" smtClean="0"/>
+              <a:t>end </a:t>
+            </a:r>
+            <a:r>
+              <a:rPr lang="de-DE" dirty="0" err="1" smtClean="0"/>
+              <a:t>location</a:t>
+            </a:r>
+            <a:r>
+              <a:rPr lang="de-DE" dirty="0" smtClean="0"/>
+              <a:t> (GPS) after </a:t>
+            </a:r>
+            <a:r>
+              <a:rPr lang="de-DE" dirty="0" err="1" smtClean="0"/>
+              <a:t>location</a:t>
+            </a:r>
+            <a:r>
+              <a:rPr lang="de-DE" dirty="0" smtClean="0"/>
+              <a:t> </a:t>
+            </a:r>
+            <a:r>
+              <a:rPr lang="de-DE" dirty="0" err="1" smtClean="0"/>
+              <a:t>change</a:t>
+            </a:r>
+            <a:endParaRPr lang="de-DE" dirty="0"/>
+          </a:p>
+        </p:txBody>
+      </p:sp>
+      <p:sp>
+        <p:nvSpPr>
+          <p:cNvPr id="32" name="Pfeil nach rechts 31"/>
+          <p:cNvSpPr/>
+          <p:nvPr/>
+        </p:nvSpPr>
+        <p:spPr>
+          <a:xfrm rot="2567874">
+            <a:off x="4570954" y="4314213"/>
+            <a:ext cx="3409838" cy="288119"/>
+          </a:xfrm>
+          <a:prstGeom prst="rightArrow">
+            <a:avLst/>
+          </a:prstGeom>
+        </p:spPr>
+        <p:style>
+          <a:lnRef idx="0">
+            <a:schemeClr val="accent4"/>
+          </a:lnRef>
+          <a:fillRef idx="3">
+            <a:schemeClr val="accent4"/>
+          </a:fillRef>
+          <a:effectRef idx="3">
+            <a:schemeClr val="accent4"/>
+          </a:effectRef>
+          <a:fontRef idx="minor">
+            <a:schemeClr val="lt1"/>
+          </a:fontRef>
+        </p:style>
+        <p:txBody>
+          <a:bodyPr rtlCol="0" anchor="ctr"/>
+          <a:lstStyle/>
+          <a:p>
+            <a:pPr algn="ctr"/>
+            <a:endParaRPr lang="de-DE"/>
+          </a:p>
+        </p:txBody>
+      </p:sp>
+      <p:sp>
+        <p:nvSpPr>
+          <p:cNvPr id="33" name="Pfeil nach rechts 32"/>
+          <p:cNvSpPr/>
+          <p:nvPr/>
+        </p:nvSpPr>
+        <p:spPr>
+          <a:xfrm rot="13360876">
+            <a:off x="4398891" y="4449774"/>
+            <a:ext cx="3197215" cy="288119"/>
+          </a:xfrm>
+          <a:prstGeom prst="rightArrow">
+            <a:avLst/>
+          </a:prstGeom>
+        </p:spPr>
+        <p:style>
+          <a:lnRef idx="0">
+            <a:schemeClr val="accent4"/>
+          </a:lnRef>
+          <a:fillRef idx="3">
+            <a:schemeClr val="accent4"/>
+          </a:fillRef>
+          <a:effectRef idx="3">
+            <a:schemeClr val="accent4"/>
+          </a:effectRef>
+          <a:fontRef idx="minor">
+            <a:schemeClr val="lt1"/>
+          </a:fontRef>
+        </p:style>
+        <p:txBody>
+          <a:bodyPr rtlCol="0" anchor="ctr"/>
+          <a:lstStyle/>
+          <a:p>
+            <a:pPr algn="ctr"/>
+            <a:endParaRPr lang="de-DE"/>
+          </a:p>
+        </p:txBody>
+      </p:sp>
+      <p:sp>
+        <p:nvSpPr>
+          <p:cNvPr id="34" name="Textfeld 33"/>
+          <p:cNvSpPr txBox="1"/>
+          <p:nvPr/>
+        </p:nvSpPr>
+        <p:spPr>
+          <a:xfrm>
+            <a:off x="5950162" y="3338151"/>
+            <a:ext cx="1260666" cy="923330"/>
+          </a:xfrm>
+          <a:prstGeom prst="rect">
+            <a:avLst/>
+          </a:prstGeom>
+          <a:noFill/>
+        </p:spPr>
+        <p:txBody>
+          <a:bodyPr wrap="none" rtlCol="0">
+            <a:spAutoFit/>
+          </a:bodyPr>
+          <a:lstStyle/>
+          <a:p>
+            <a:r>
+              <a:rPr lang="de-DE" dirty="0" smtClean="0"/>
+              <a:t>send </a:t>
+            </a:r>
+          </a:p>
+          <a:p>
+            <a:r>
+              <a:rPr lang="de-DE" dirty="0" err="1" smtClean="0"/>
+              <a:t>registration</a:t>
+            </a:r>
+            <a:endParaRPr lang="de-DE" dirty="0" smtClean="0"/>
+          </a:p>
+          <a:p>
+            <a:r>
+              <a:rPr lang="de-DE" dirty="0" smtClean="0"/>
+              <a:t> </a:t>
+            </a:r>
+            <a:r>
+              <a:rPr lang="de-DE" dirty="0" err="1" smtClean="0"/>
+              <a:t>data</a:t>
+            </a:r>
+            <a:endParaRPr lang="de-DE" dirty="0"/>
+          </a:p>
+        </p:txBody>
+      </p:sp>
+      <p:sp>
+        <p:nvSpPr>
+          <p:cNvPr id="36" name="Textfeld 35"/>
+          <p:cNvSpPr txBox="1"/>
+          <p:nvPr/>
+        </p:nvSpPr>
+        <p:spPr>
+          <a:xfrm>
+            <a:off x="4724643" y="4496832"/>
+            <a:ext cx="1113959" cy="369332"/>
+          </a:xfrm>
+          <a:prstGeom prst="rect">
+            <a:avLst/>
+          </a:prstGeom>
+          <a:noFill/>
+        </p:spPr>
+        <p:txBody>
+          <a:bodyPr wrap="none" rtlCol="0">
+            <a:spAutoFit/>
+          </a:bodyPr>
+          <a:lstStyle/>
+          <a:p>
+            <a:r>
+              <a:rPr lang="de-DE" dirty="0" err="1" smtClean="0"/>
+              <a:t>receive</a:t>
+            </a:r>
+            <a:r>
+              <a:rPr lang="de-DE" dirty="0" smtClean="0"/>
+              <a:t> ID</a:t>
+            </a:r>
+            <a:endParaRPr lang="de-DE" dirty="0"/>
+          </a:p>
+        </p:txBody>
+      </p:sp>
+      <p:sp>
+        <p:nvSpPr>
+          <p:cNvPr id="37" name="Pfeil nach rechts 36"/>
+          <p:cNvSpPr/>
+          <p:nvPr/>
+        </p:nvSpPr>
+        <p:spPr>
+          <a:xfrm rot="5400000">
+            <a:off x="6827118" y="4462658"/>
+            <a:ext cx="2086089" cy="277668"/>
+          </a:xfrm>
+          <a:prstGeom prst="rightArrow">
+            <a:avLst/>
+          </a:prstGeom>
+        </p:spPr>
+        <p:style>
+          <a:lnRef idx="0">
+            <a:schemeClr val="accent4"/>
+          </a:lnRef>
+          <a:fillRef idx="3">
+            <a:schemeClr val="accent4"/>
+          </a:fillRef>
+          <a:effectRef idx="3">
+            <a:schemeClr val="accent4"/>
+          </a:effectRef>
+          <a:fontRef idx="minor">
+            <a:schemeClr val="lt1"/>
+          </a:fontRef>
+        </p:style>
+        <p:txBody>
+          <a:bodyPr rtlCol="0" anchor="ctr"/>
+          <a:lstStyle/>
+          <a:p>
+            <a:pPr algn="ctr"/>
+            <a:endParaRPr lang="de-DE"/>
+          </a:p>
+        </p:txBody>
+      </p:sp>
+      <p:sp>
+        <p:nvSpPr>
+          <p:cNvPr id="38" name="Pfeil nach rechts 37"/>
+          <p:cNvSpPr/>
+          <p:nvPr/>
+        </p:nvSpPr>
+        <p:spPr>
+          <a:xfrm rot="16200000">
+            <a:off x="7101844" y="4443317"/>
+            <a:ext cx="2086089" cy="277668"/>
+          </a:xfrm>
+          <a:prstGeom prst="rightArrow">
+            <a:avLst/>
+          </a:prstGeom>
+        </p:spPr>
+        <p:style>
+          <a:lnRef idx="0">
+            <a:schemeClr val="accent4"/>
+          </a:lnRef>
+          <a:fillRef idx="3">
+            <a:schemeClr val="accent4"/>
+          </a:fillRef>
+          <a:effectRef idx="3">
+            <a:schemeClr val="accent4"/>
+          </a:effectRef>
+          <a:fontRef idx="minor">
+            <a:schemeClr val="lt1"/>
+          </a:fontRef>
+        </p:style>
+        <p:txBody>
+          <a:bodyPr rtlCol="0" anchor="ctr"/>
+          <a:lstStyle/>
+          <a:p>
+            <a:pPr algn="ctr"/>
+            <a:endParaRPr lang="de-DE"/>
+          </a:p>
+        </p:txBody>
+      </p:sp>
+      <p:sp>
+        <p:nvSpPr>
+          <p:cNvPr id="39" name="Textfeld 38"/>
+          <p:cNvSpPr txBox="1"/>
+          <p:nvPr/>
+        </p:nvSpPr>
+        <p:spPr>
+          <a:xfrm>
+            <a:off x="8197755" y="3909276"/>
+            <a:ext cx="1240596" cy="1200329"/>
+          </a:xfrm>
+          <a:prstGeom prst="rect">
+            <a:avLst/>
+          </a:prstGeom>
+          <a:noFill/>
+        </p:spPr>
+        <p:txBody>
+          <a:bodyPr wrap="none" rtlCol="0">
+            <a:spAutoFit/>
+          </a:bodyPr>
+          <a:lstStyle/>
+          <a:p>
+            <a:r>
+              <a:rPr lang="de-DE" dirty="0" err="1" smtClean="0"/>
+              <a:t>receive</a:t>
+            </a:r>
+            <a:r>
+              <a:rPr lang="de-DE" dirty="0" smtClean="0"/>
+              <a:t> </a:t>
+            </a:r>
+          </a:p>
+          <a:p>
+            <a:r>
+              <a:rPr lang="de-DE" dirty="0" err="1" smtClean="0"/>
+              <a:t>location</a:t>
+            </a:r>
+            <a:r>
+              <a:rPr lang="de-DE" dirty="0" smtClean="0"/>
+              <a:t> </a:t>
+            </a:r>
+          </a:p>
+          <a:p>
+            <a:r>
+              <a:rPr lang="de-DE" dirty="0" err="1" smtClean="0"/>
+              <a:t>data</a:t>
+            </a:r>
+            <a:r>
+              <a:rPr lang="de-DE" dirty="0" smtClean="0"/>
+              <a:t> </a:t>
+            </a:r>
+            <a:r>
+              <a:rPr lang="de-DE" dirty="0" err="1" smtClean="0"/>
+              <a:t>of</a:t>
+            </a:r>
+            <a:r>
+              <a:rPr lang="de-DE" dirty="0" smtClean="0"/>
+              <a:t> </a:t>
+            </a:r>
+          </a:p>
+          <a:p>
+            <a:r>
+              <a:rPr lang="de-DE" dirty="0" smtClean="0"/>
+              <a:t>all </a:t>
+            </a:r>
+            <a:r>
+              <a:rPr lang="de-DE" dirty="0" err="1" smtClean="0"/>
+              <a:t>contacts</a:t>
+            </a:r>
+            <a:endParaRPr lang="de-DE" dirty="0"/>
+          </a:p>
+        </p:txBody>
+      </p:sp>
+      <p:sp>
+        <p:nvSpPr>
+          <p:cNvPr id="40" name="Pfeil nach rechts 39"/>
+          <p:cNvSpPr/>
+          <p:nvPr/>
+        </p:nvSpPr>
+        <p:spPr>
+          <a:xfrm rot="7412681">
+            <a:off x="8794800" y="4482035"/>
+            <a:ext cx="2459011" cy="277668"/>
+          </a:xfrm>
+          <a:prstGeom prst="rightArrow">
+            <a:avLst/>
+          </a:prstGeom>
+        </p:spPr>
+        <p:style>
+          <a:lnRef idx="0">
+            <a:schemeClr val="accent4"/>
+          </a:lnRef>
+          <a:fillRef idx="3">
+            <a:schemeClr val="accent4"/>
+          </a:fillRef>
+          <a:effectRef idx="3">
+            <a:schemeClr val="accent4"/>
+          </a:effectRef>
+          <a:fontRef idx="minor">
+            <a:schemeClr val="lt1"/>
+          </a:fontRef>
+        </p:style>
+        <p:txBody>
+          <a:bodyPr rtlCol="0" anchor="ctr"/>
+          <a:lstStyle/>
+          <a:p>
+            <a:pPr algn="ctr"/>
+            <a:endParaRPr lang="de-DE"/>
+          </a:p>
+        </p:txBody>
+      </p:sp>
+      <p:sp>
+        <p:nvSpPr>
+          <p:cNvPr id="41" name="Pfeil nach rechts 40"/>
+          <p:cNvSpPr/>
+          <p:nvPr/>
+        </p:nvSpPr>
+        <p:spPr>
+          <a:xfrm rot="18200373">
+            <a:off x="9006448" y="4574537"/>
+            <a:ext cx="2629000" cy="277668"/>
+          </a:xfrm>
+          <a:prstGeom prst="rightArrow">
+            <a:avLst/>
+          </a:prstGeom>
+        </p:spPr>
+        <p:style>
+          <a:lnRef idx="0">
+            <a:schemeClr val="accent4"/>
+          </a:lnRef>
+          <a:fillRef idx="3">
+            <a:schemeClr val="accent4"/>
+          </a:fillRef>
+          <a:effectRef idx="3">
+            <a:schemeClr val="accent4"/>
+          </a:effectRef>
+          <a:fontRef idx="minor">
+            <a:schemeClr val="lt1"/>
+          </a:fontRef>
+        </p:style>
+        <p:txBody>
+          <a:bodyPr rtlCol="0" anchor="ctr"/>
+          <a:lstStyle/>
+          <a:p>
+            <a:pPr algn="ctr"/>
+            <a:endParaRPr lang="de-DE"/>
+          </a:p>
+        </p:txBody>
+      </p:sp>
+      <p:sp>
+        <p:nvSpPr>
+          <p:cNvPr id="42" name="Textfeld 41"/>
+          <p:cNvSpPr txBox="1"/>
+          <p:nvPr/>
+        </p:nvSpPr>
+        <p:spPr>
+          <a:xfrm>
+            <a:off x="10383812" y="4643433"/>
+            <a:ext cx="1183850" cy="1477328"/>
+          </a:xfrm>
+          <a:prstGeom prst="rect">
+            <a:avLst/>
+          </a:prstGeom>
+          <a:noFill/>
+        </p:spPr>
+        <p:txBody>
+          <a:bodyPr wrap="none" rtlCol="0">
+            <a:spAutoFit/>
+          </a:bodyPr>
+          <a:lstStyle/>
+          <a:p>
+            <a:r>
+              <a:rPr lang="de-DE" dirty="0" err="1" smtClean="0"/>
+              <a:t>receive</a:t>
+            </a:r>
+            <a:r>
+              <a:rPr lang="de-DE" dirty="0" smtClean="0"/>
+              <a:t> </a:t>
+            </a:r>
+          </a:p>
+          <a:p>
+            <a:r>
+              <a:rPr lang="de-DE" dirty="0" err="1" smtClean="0"/>
+              <a:t>location</a:t>
+            </a:r>
+            <a:r>
+              <a:rPr lang="de-DE" dirty="0" smtClean="0"/>
+              <a:t> </a:t>
+            </a:r>
+          </a:p>
+          <a:p>
+            <a:r>
+              <a:rPr lang="de-DE" dirty="0" err="1" smtClean="0"/>
+              <a:t>data</a:t>
+            </a:r>
+            <a:r>
+              <a:rPr lang="de-DE" dirty="0" smtClean="0"/>
+              <a:t> </a:t>
+            </a:r>
+            <a:r>
+              <a:rPr lang="de-DE" dirty="0" err="1" smtClean="0"/>
+              <a:t>of</a:t>
+            </a:r>
+            <a:r>
+              <a:rPr lang="de-DE" dirty="0" smtClean="0"/>
+              <a:t> </a:t>
+            </a:r>
+          </a:p>
+          <a:p>
+            <a:r>
+              <a:rPr lang="de-DE" dirty="0" err="1" smtClean="0"/>
+              <a:t>contact</a:t>
+            </a:r>
+            <a:r>
+              <a:rPr lang="de-DE" dirty="0" smtClean="0"/>
+              <a:t> </a:t>
+            </a:r>
+            <a:r>
+              <a:rPr lang="de-DE" dirty="0" err="1" smtClean="0"/>
+              <a:t>to</a:t>
+            </a:r>
+            <a:r>
+              <a:rPr lang="de-DE" dirty="0" smtClean="0"/>
+              <a:t> </a:t>
+            </a:r>
+          </a:p>
+          <a:p>
+            <a:r>
+              <a:rPr lang="de-DE" dirty="0" err="1" smtClean="0"/>
+              <a:t>navigate</a:t>
+            </a:r>
+            <a:endParaRPr lang="de-DE" dirty="0"/>
+          </a:p>
+        </p:txBody>
+      </p:sp>
+      <p:sp>
+        <p:nvSpPr>
+          <p:cNvPr id="43" name="Pfeil nach rechts 42"/>
+          <p:cNvSpPr/>
+          <p:nvPr/>
+        </p:nvSpPr>
+        <p:spPr>
+          <a:xfrm>
+            <a:off x="91282" y="2208614"/>
+            <a:ext cx="363341" cy="308473"/>
+          </a:xfrm>
+          <a:prstGeom prst="rightArrow">
+            <a:avLst/>
+          </a:prstGeom>
+        </p:spPr>
+        <p:style>
+          <a:lnRef idx="0">
+            <a:schemeClr val="dk1"/>
+          </a:lnRef>
+          <a:fillRef idx="3">
+            <a:schemeClr val="dk1"/>
+          </a:fillRef>
+          <a:effectRef idx="3">
+            <a:schemeClr val="dk1"/>
+          </a:effectRef>
+          <a:fontRef idx="minor">
+            <a:schemeClr val="lt1"/>
+          </a:fontRef>
+        </p:style>
+        <p:txBody>
+          <a:bodyPr rtlCol="0" anchor="ctr"/>
+          <a:lstStyle/>
+          <a:p>
+            <a:pPr algn="ctr"/>
+            <a:endParaRPr lang="de-DE"/>
+          </a:p>
+        </p:txBody>
+      </p:sp>
+      <p:sp>
+        <p:nvSpPr>
+          <p:cNvPr id="44" name="Textfeld 43"/>
+          <p:cNvSpPr txBox="1"/>
+          <p:nvPr/>
+        </p:nvSpPr>
+        <p:spPr>
+          <a:xfrm>
+            <a:off x="891258" y="303954"/>
+            <a:ext cx="10769230" cy="769441"/>
+          </a:xfrm>
+          <a:prstGeom prst="rect">
+            <a:avLst/>
+          </a:prstGeom>
+          <a:noFill/>
+        </p:spPr>
+        <p:txBody>
+          <a:bodyPr wrap="none" rtlCol="0">
+            <a:spAutoFit/>
+          </a:bodyPr>
+          <a:lstStyle/>
+          <a:p>
+            <a:r>
+              <a:rPr lang="de-DE" sz="4400" dirty="0" smtClean="0">
+                <a:latin typeface="+mj-lt"/>
+              </a:rPr>
+              <a:t>Architektur – </a:t>
+            </a:r>
+            <a:r>
+              <a:rPr lang="de-DE" sz="4400" dirty="0" err="1" smtClean="0">
+                <a:latin typeface="+mj-lt"/>
+              </a:rPr>
+              <a:t>Activities</a:t>
+            </a:r>
+            <a:r>
+              <a:rPr lang="de-DE" sz="4400" dirty="0" smtClean="0">
+                <a:latin typeface="+mj-lt"/>
+              </a:rPr>
+              <a:t>, Service und </a:t>
+            </a:r>
+            <a:r>
+              <a:rPr lang="de-DE" sz="4400" dirty="0" err="1" smtClean="0">
+                <a:latin typeface="+mj-lt"/>
+              </a:rPr>
+              <a:t>Requests</a:t>
+            </a:r>
+            <a:endParaRPr lang="de-DE" sz="4400" dirty="0">
+              <a:latin typeface="+mj-lt"/>
+            </a:endParaRPr>
           </a:p>
         </p:txBody>
       </p:sp>
     </p:spTree>
     <p:extLst>
       <p:ext uri="{BB962C8B-B14F-4D97-AF65-F5344CB8AC3E}">
-        <p14:creationId xmlns:p14="http://schemas.microsoft.com/office/powerpoint/2010/main" val="3364485725"/>
+        <p14:creationId xmlns:p14="http://schemas.microsoft.com/office/powerpoint/2010/main" val="963353584"/>
       </p:ext>
     </p:extLst>
   </p:cSld>
@@ -5080,106 +9141,10 @@
           <a:chExt cx="0" cy="0"/>
         </a:xfrm>
       </p:grpSpPr>
-      <p:sp>
-        <p:nvSpPr>
-          <p:cNvPr id="2" name="Titel 1"/>
-          <p:cNvSpPr>
-            <a:spLocks noGrp="1"/>
-          </p:cNvSpPr>
-          <p:nvPr>
-            <p:ph type="title"/>
-          </p:nvPr>
-        </p:nvSpPr>
-        <p:spPr/>
-        <p:txBody>
-          <a:bodyPr/>
-          <a:lstStyle/>
-          <a:p>
-            <a:r>
-              <a:rPr lang="de-DE" dirty="0" err="1" smtClean="0"/>
-              <a:t>RegistrationActivity</a:t>
-            </a:r>
-            <a:endParaRPr lang="de-DE" dirty="0"/>
-          </a:p>
-        </p:txBody>
-      </p:sp>
-      <p:sp>
-        <p:nvSpPr>
-          <p:cNvPr id="3" name="Inhaltsplatzhalter 2"/>
-          <p:cNvSpPr>
-            <a:spLocks noGrp="1"/>
-          </p:cNvSpPr>
-          <p:nvPr>
-            <p:ph idx="1"/>
-          </p:nvPr>
-        </p:nvSpPr>
-        <p:spPr/>
-        <p:txBody>
-          <a:bodyPr>
-            <a:normAutofit/>
-          </a:bodyPr>
-          <a:lstStyle/>
-          <a:p>
-            <a:r>
-              <a:rPr lang="de-DE" dirty="0" smtClean="0"/>
-              <a:t>Registrierung mit eigener Telefonnummer und Name</a:t>
-            </a:r>
-          </a:p>
-          <a:p>
-            <a:pPr lvl="1"/>
-            <a:r>
-              <a:rPr lang="de-DE" dirty="0" smtClean="0"/>
-              <a:t>Telefonnummer wird automatisch ausgelesen</a:t>
-            </a:r>
-          </a:p>
-          <a:p>
-            <a:r>
-              <a:rPr lang="de-DE" i="1" dirty="0" err="1" smtClean="0"/>
-              <a:t>RegisterMyselfAndGetMyIdPostRequest</a:t>
-            </a:r>
-            <a:r>
-              <a:rPr lang="de-DE" i="1" dirty="0" smtClean="0"/>
-              <a:t> (POST)</a:t>
-            </a:r>
-          </a:p>
-          <a:p>
-            <a:r>
-              <a:rPr lang="de-DE" dirty="0" smtClean="0"/>
-              <a:t>Eindeutige ID als Rückgabewert</a:t>
-            </a:r>
-          </a:p>
-          <a:p>
-            <a:pPr lvl="1"/>
-            <a:r>
-              <a:rPr lang="de-DE" dirty="0" smtClean="0"/>
-              <a:t>Wird persistent gespeichert</a:t>
-            </a:r>
-            <a:endParaRPr lang="de-DE" dirty="0" smtClean="0"/>
-          </a:p>
-          <a:p>
-            <a:endParaRPr lang="de-DE" dirty="0" smtClean="0"/>
-          </a:p>
-          <a:p>
-            <a:endParaRPr lang="de-DE" dirty="0" smtClean="0"/>
-          </a:p>
-          <a:p>
-            <a:endParaRPr lang="de-DE" dirty="0" smtClean="0"/>
-          </a:p>
-          <a:p>
-            <a:r>
-              <a:rPr lang="de-DE" i="1" dirty="0" smtClean="0"/>
-              <a:t>Screenshot einfügen</a:t>
-            </a:r>
-          </a:p>
-          <a:p>
-            <a:endParaRPr lang="de-DE" dirty="0"/>
-          </a:p>
-        </p:txBody>
-      </p:sp>
     </p:spTree>
     <p:extLst>
       <p:ext uri="{BB962C8B-B14F-4D97-AF65-F5344CB8AC3E}">
-        <p14:creationId xmlns:p14="http://schemas.microsoft.com/office/powerpoint/2010/main" val="1762919901"/>
+        <p14:creationId xmlns:p14="http://schemas.microsoft.com/office/powerpoint/2010/main" val="307194420"/>
       </p:ext>
     </p:extLst>
   </p:cSld>
@@ -5208,22 +9173,454 @@
       </p:grpSpPr>
       <p:sp>
         <p:nvSpPr>
-          <p:cNvPr id="2" name="Titel 1"/>
-          <p:cNvSpPr>
-            <a:spLocks noGrp="1"/>
-          </p:cNvSpPr>
-          <p:nvPr>
-            <p:ph type="title"/>
-          </p:nvPr>
-        </p:nvSpPr>
-        <p:spPr/>
-        <p:txBody>
-          <a:bodyPr/>
+          <p:cNvPr id="2" name="Rechteck 1"/>
+          <p:cNvSpPr/>
+          <p:nvPr/>
+        </p:nvSpPr>
+        <p:spPr>
+          <a:xfrm>
+            <a:off x="473948" y="1848081"/>
+            <a:ext cx="1255924" cy="1710366"/>
+          </a:xfrm>
+          <a:prstGeom prst="rect">
+            <a:avLst/>
+          </a:prstGeom>
+          <a:ln/>
+        </p:spPr>
+        <p:style>
+          <a:lnRef idx="0">
+            <a:schemeClr val="accent1"/>
+          </a:lnRef>
+          <a:fillRef idx="3">
+            <a:schemeClr val="accent1"/>
+          </a:fillRef>
+          <a:effectRef idx="3">
+            <a:schemeClr val="accent1"/>
+          </a:effectRef>
+          <a:fontRef idx="minor">
+            <a:schemeClr val="lt1"/>
+          </a:fontRef>
+        </p:style>
+        <p:txBody>
+          <a:bodyPr rtlCol="0" anchor="ctr"/>
+          <a:lstStyle/>
+          <a:p>
+            <a:pPr algn="ctr"/>
+            <a:endParaRPr lang="de-DE"/>
+          </a:p>
+        </p:txBody>
+      </p:sp>
+      <p:sp>
+        <p:nvSpPr>
+          <p:cNvPr id="6" name="Textfeld 5"/>
+          <p:cNvSpPr txBox="1"/>
+          <p:nvPr/>
+        </p:nvSpPr>
+        <p:spPr>
+          <a:xfrm>
+            <a:off x="418824" y="1393353"/>
+            <a:ext cx="1406154" cy="369332"/>
+          </a:xfrm>
+          <a:prstGeom prst="rect">
+            <a:avLst/>
+          </a:prstGeom>
+          <a:noFill/>
+        </p:spPr>
+        <p:txBody>
+          <a:bodyPr wrap="none" rtlCol="0">
+            <a:spAutoFit/>
+          </a:bodyPr>
+          <a:lstStyle/>
+          <a:p>
+            <a:r>
+              <a:rPr lang="de-DE" b="1" dirty="0" err="1" smtClean="0"/>
+              <a:t>MainActivity</a:t>
+            </a:r>
+            <a:endParaRPr lang="de-DE" b="1" dirty="0"/>
+          </a:p>
+        </p:txBody>
+      </p:sp>
+      <p:sp>
+        <p:nvSpPr>
+          <p:cNvPr id="7" name="Rechteck 6"/>
+          <p:cNvSpPr/>
+          <p:nvPr/>
+        </p:nvSpPr>
+        <p:spPr>
+          <a:xfrm>
+            <a:off x="3884406" y="1821367"/>
+            <a:ext cx="1176166" cy="1737079"/>
+          </a:xfrm>
+          <a:prstGeom prst="rect">
+            <a:avLst/>
+          </a:prstGeom>
+        </p:spPr>
+        <p:style>
+          <a:lnRef idx="0">
+            <a:schemeClr val="accent1"/>
+          </a:lnRef>
+          <a:fillRef idx="3">
+            <a:schemeClr val="accent1"/>
+          </a:fillRef>
+          <a:effectRef idx="3">
+            <a:schemeClr val="accent1"/>
+          </a:effectRef>
+          <a:fontRef idx="minor">
+            <a:schemeClr val="lt1"/>
+          </a:fontRef>
+        </p:style>
+        <p:txBody>
+          <a:bodyPr rtlCol="0" anchor="ctr"/>
+          <a:lstStyle/>
+          <a:p>
+            <a:pPr algn="ctr"/>
+            <a:endParaRPr lang="de-DE"/>
+          </a:p>
+        </p:txBody>
+      </p:sp>
+      <p:sp>
+        <p:nvSpPr>
+          <p:cNvPr id="8" name="Textfeld 7"/>
+          <p:cNvSpPr txBox="1"/>
+          <p:nvPr/>
+        </p:nvSpPr>
+        <p:spPr>
+          <a:xfrm>
+            <a:off x="3536825" y="1401791"/>
+            <a:ext cx="2058256" cy="369332"/>
+          </a:xfrm>
+          <a:prstGeom prst="rect">
+            <a:avLst/>
+          </a:prstGeom>
+          <a:noFill/>
+        </p:spPr>
+        <p:txBody>
+          <a:bodyPr wrap="none" rtlCol="0">
+            <a:spAutoFit/>
+          </a:bodyPr>
+          <a:lstStyle/>
+          <a:p>
+            <a:r>
+              <a:rPr lang="de-DE" b="1" dirty="0" err="1" smtClean="0"/>
+              <a:t>RegistrationActivity</a:t>
+            </a:r>
+            <a:endParaRPr lang="de-DE" b="1" dirty="0"/>
+          </a:p>
+        </p:txBody>
+      </p:sp>
+      <p:sp>
+        <p:nvSpPr>
+          <p:cNvPr id="9" name="Rechteck 8"/>
+          <p:cNvSpPr/>
+          <p:nvPr/>
+        </p:nvSpPr>
+        <p:spPr>
+          <a:xfrm>
+            <a:off x="7210828" y="1817937"/>
+            <a:ext cx="1135759" cy="1740510"/>
+          </a:xfrm>
+          <a:prstGeom prst="rect">
+            <a:avLst/>
+          </a:prstGeom>
+        </p:spPr>
+        <p:style>
+          <a:lnRef idx="0">
+            <a:schemeClr val="accent1"/>
+          </a:lnRef>
+          <a:fillRef idx="3">
+            <a:schemeClr val="accent1"/>
+          </a:fillRef>
+          <a:effectRef idx="3">
+            <a:schemeClr val="accent1"/>
+          </a:effectRef>
+          <a:fontRef idx="minor">
+            <a:schemeClr val="lt1"/>
+          </a:fontRef>
+        </p:style>
+        <p:txBody>
+          <a:bodyPr rtlCol="0" anchor="ctr"/>
+          <a:lstStyle/>
+          <a:p>
+            <a:pPr algn="ctr"/>
+            <a:endParaRPr lang="de-DE"/>
+          </a:p>
+        </p:txBody>
+      </p:sp>
+      <p:sp>
+        <p:nvSpPr>
+          <p:cNvPr id="10" name="Textfeld 9"/>
+          <p:cNvSpPr txBox="1"/>
+          <p:nvPr/>
+        </p:nvSpPr>
+        <p:spPr>
+          <a:xfrm>
+            <a:off x="6510394" y="1398655"/>
+            <a:ext cx="2446439" cy="369332"/>
+          </a:xfrm>
+          <a:prstGeom prst="rect">
+            <a:avLst/>
+          </a:prstGeom>
+          <a:noFill/>
+        </p:spPr>
+        <p:txBody>
+          <a:bodyPr wrap="none" rtlCol="0">
+            <a:spAutoFit/>
+          </a:bodyPr>
+          <a:lstStyle/>
+          <a:p>
+            <a:r>
+              <a:rPr lang="de-DE" b="1" dirty="0" err="1" smtClean="0"/>
+              <a:t>ContactListViewActivity</a:t>
+            </a:r>
+            <a:endParaRPr lang="de-DE" b="1" dirty="0"/>
+          </a:p>
+        </p:txBody>
+      </p:sp>
+      <p:sp>
+        <p:nvSpPr>
+          <p:cNvPr id="11" name="Rechteck 10"/>
+          <p:cNvSpPr/>
+          <p:nvPr/>
+        </p:nvSpPr>
+        <p:spPr>
+          <a:xfrm>
+            <a:off x="10491599" y="1817936"/>
+            <a:ext cx="1173278" cy="1740511"/>
+          </a:xfrm>
+          <a:prstGeom prst="rect">
+            <a:avLst/>
+          </a:prstGeom>
+        </p:spPr>
+        <p:style>
+          <a:lnRef idx="0">
+            <a:schemeClr val="accent1"/>
+          </a:lnRef>
+          <a:fillRef idx="3">
+            <a:schemeClr val="accent1"/>
+          </a:fillRef>
+          <a:effectRef idx="3">
+            <a:schemeClr val="accent1"/>
+          </a:effectRef>
+          <a:fontRef idx="minor">
+            <a:schemeClr val="lt1"/>
+          </a:fontRef>
+        </p:style>
+        <p:txBody>
+          <a:bodyPr rtlCol="0" anchor="ctr"/>
+          <a:lstStyle/>
+          <a:p>
+            <a:pPr algn="ctr"/>
+            <a:endParaRPr lang="de-DE"/>
+          </a:p>
+        </p:txBody>
+      </p:sp>
+      <p:sp>
+        <p:nvSpPr>
+          <p:cNvPr id="12" name="Textfeld 11"/>
+          <p:cNvSpPr txBox="1"/>
+          <p:nvPr/>
+        </p:nvSpPr>
+        <p:spPr>
+          <a:xfrm>
+            <a:off x="10108934" y="1393353"/>
+            <a:ext cx="1938608" cy="369332"/>
+          </a:xfrm>
+          <a:prstGeom prst="rect">
+            <a:avLst/>
+          </a:prstGeom>
+          <a:noFill/>
+        </p:spPr>
+        <p:txBody>
+          <a:bodyPr wrap="none" rtlCol="0">
+            <a:spAutoFit/>
+          </a:bodyPr>
+          <a:lstStyle/>
+          <a:p>
+            <a:r>
+              <a:rPr lang="de-DE" b="1" dirty="0" err="1" smtClean="0"/>
+              <a:t>NavigationActivity</a:t>
+            </a:r>
+            <a:endParaRPr lang="de-DE" b="1" dirty="0"/>
+          </a:p>
+        </p:txBody>
+      </p:sp>
+      <p:sp>
+        <p:nvSpPr>
+          <p:cNvPr id="14" name="Pfeil nach rechts 13"/>
+          <p:cNvSpPr/>
+          <p:nvPr/>
+        </p:nvSpPr>
+        <p:spPr>
+          <a:xfrm>
+            <a:off x="1739394" y="2714206"/>
+            <a:ext cx="2135490" cy="308473"/>
+          </a:xfrm>
+          <a:prstGeom prst="rightArrow">
+            <a:avLst/>
+          </a:prstGeom>
+        </p:spPr>
+        <p:style>
+          <a:lnRef idx="0">
+            <a:schemeClr val="accent6"/>
+          </a:lnRef>
+          <a:fillRef idx="3">
+            <a:schemeClr val="accent6"/>
+          </a:fillRef>
+          <a:effectRef idx="3">
+            <a:schemeClr val="accent6"/>
+          </a:effectRef>
+          <a:fontRef idx="minor">
+            <a:schemeClr val="lt1"/>
+          </a:fontRef>
+        </p:style>
+        <p:txBody>
+          <a:bodyPr rtlCol="0" anchor="ctr"/>
+          <a:lstStyle/>
+          <a:p>
+            <a:pPr algn="ctr"/>
+            <a:endParaRPr lang="de-DE"/>
+          </a:p>
+        </p:txBody>
+      </p:sp>
+      <p:sp>
+        <p:nvSpPr>
+          <p:cNvPr id="15" name="Pfeil nach rechts 14"/>
+          <p:cNvSpPr/>
+          <p:nvPr/>
+        </p:nvSpPr>
+        <p:spPr>
+          <a:xfrm>
+            <a:off x="1739394" y="2014569"/>
+            <a:ext cx="5465329" cy="308473"/>
+          </a:xfrm>
+          <a:prstGeom prst="rightArrow">
+            <a:avLst/>
+          </a:prstGeom>
+        </p:spPr>
+        <p:style>
+          <a:lnRef idx="1">
+            <a:schemeClr val="accent6"/>
+          </a:lnRef>
+          <a:fillRef idx="2">
+            <a:schemeClr val="accent6"/>
+          </a:fillRef>
+          <a:effectRef idx="1">
+            <a:schemeClr val="accent6"/>
+          </a:effectRef>
+          <a:fontRef idx="minor">
+            <a:schemeClr val="dk1"/>
+          </a:fontRef>
+        </p:style>
+        <p:txBody>
+          <a:bodyPr rtlCol="0" anchor="ctr"/>
+          <a:lstStyle/>
+          <a:p>
+            <a:pPr algn="ctr"/>
+            <a:endParaRPr lang="de-DE"/>
+          </a:p>
+        </p:txBody>
+      </p:sp>
+      <p:sp>
+        <p:nvSpPr>
+          <p:cNvPr id="16" name="Pfeil nach rechts 15"/>
+          <p:cNvSpPr/>
+          <p:nvPr/>
+        </p:nvSpPr>
+        <p:spPr>
+          <a:xfrm>
+            <a:off x="5070094" y="2713484"/>
+            <a:ext cx="2134629" cy="308473"/>
+          </a:xfrm>
+          <a:prstGeom prst="rightArrow">
+            <a:avLst/>
+          </a:prstGeom>
+        </p:spPr>
+        <p:style>
+          <a:lnRef idx="0">
+            <a:schemeClr val="accent6"/>
+          </a:lnRef>
+          <a:fillRef idx="3">
+            <a:schemeClr val="accent6"/>
+          </a:fillRef>
+          <a:effectRef idx="3">
+            <a:schemeClr val="accent6"/>
+          </a:effectRef>
+          <a:fontRef idx="minor">
+            <a:schemeClr val="lt1"/>
+          </a:fontRef>
+        </p:style>
+        <p:txBody>
+          <a:bodyPr rtlCol="0" anchor="ctr"/>
+          <a:lstStyle/>
+          <a:p>
+            <a:pPr algn="ctr"/>
+            <a:endParaRPr lang="de-DE"/>
+          </a:p>
+        </p:txBody>
+      </p:sp>
+      <p:sp>
+        <p:nvSpPr>
+          <p:cNvPr id="17" name="Pfeil nach rechts 16"/>
+          <p:cNvSpPr/>
+          <p:nvPr/>
+        </p:nvSpPr>
+        <p:spPr>
+          <a:xfrm>
+            <a:off x="8346587" y="2670794"/>
+            <a:ext cx="2138907" cy="308473"/>
+          </a:xfrm>
+          <a:prstGeom prst="rightArrow">
+            <a:avLst/>
+          </a:prstGeom>
+        </p:spPr>
+        <p:style>
+          <a:lnRef idx="0">
+            <a:schemeClr val="accent6"/>
+          </a:lnRef>
+          <a:fillRef idx="3">
+            <a:schemeClr val="accent6"/>
+          </a:fillRef>
+          <a:effectRef idx="3">
+            <a:schemeClr val="accent6"/>
+          </a:effectRef>
+          <a:fontRef idx="minor">
+            <a:schemeClr val="lt1"/>
+          </a:fontRef>
+        </p:style>
+        <p:txBody>
+          <a:bodyPr rtlCol="0" anchor="ctr"/>
+          <a:lstStyle/>
+          <a:p>
+            <a:pPr algn="ctr"/>
+            <a:endParaRPr lang="de-DE"/>
+          </a:p>
+        </p:txBody>
+      </p:sp>
+      <p:sp>
+        <p:nvSpPr>
+          <p:cNvPr id="18" name="Textfeld 17"/>
+          <p:cNvSpPr txBox="1"/>
+          <p:nvPr/>
+        </p:nvSpPr>
+        <p:spPr>
+          <a:xfrm>
+            <a:off x="2346358" y="2397179"/>
+            <a:ext cx="703462" cy="369332"/>
+          </a:xfrm>
+          <a:prstGeom prst="rect">
+            <a:avLst/>
+          </a:prstGeom>
+          <a:noFill/>
+        </p:spPr>
+        <p:txBody>
+          <a:bodyPr wrap="none" rtlCol="0">
+            <a:spAutoFit/>
+          </a:bodyPr>
           <a:lstStyle/>
           <a:p>
             <a:r>
               <a:rPr lang="de-DE" dirty="0" err="1" smtClean="0"/>
-              <a:t>ContactListViewActivity</a:t>
+              <a:t>starts</a:t>
             </a:r>
             <a:endParaRPr lang="de-DE" dirty="0"/>
           </a:p>
@@ -5231,97 +9628,921 @@
       </p:sp>
       <p:sp>
         <p:nvSpPr>
-          <p:cNvPr id="3" name="Inhaltsplatzhalter 2"/>
-          <p:cNvSpPr>
-            <a:spLocks noGrp="1"/>
-          </p:cNvSpPr>
-          <p:nvPr>
-            <p:ph idx="1"/>
-          </p:nvPr>
-        </p:nvSpPr>
-        <p:spPr/>
-        <p:txBody>
-          <a:bodyPr>
-            <a:normAutofit/>
+          <p:cNvPr id="19" name="Textfeld 18"/>
+          <p:cNvSpPr txBox="1"/>
+          <p:nvPr/>
+        </p:nvSpPr>
+        <p:spPr>
+          <a:xfrm>
+            <a:off x="5785677" y="2435223"/>
+            <a:ext cx="703462" cy="369332"/>
+          </a:xfrm>
+          <a:prstGeom prst="rect">
+            <a:avLst/>
+          </a:prstGeom>
+          <a:noFill/>
+        </p:spPr>
+        <p:txBody>
+          <a:bodyPr wrap="none" rtlCol="0">
+            <a:spAutoFit/>
           </a:bodyPr>
           <a:lstStyle/>
           <a:p>
             <a:r>
-              <a:rPr lang="de-DE" dirty="0" smtClean="0"/>
-              <a:t>Übersicht aller Kontakte (ähnlich der </a:t>
-            </a:r>
-            <a:r>
               <a:rPr lang="de-DE" dirty="0" err="1" smtClean="0"/>
-              <a:t>Whatsapp</a:t>
-            </a:r>
-            <a:r>
-              <a:rPr lang="de-DE" dirty="0" smtClean="0"/>
-              <a:t>-Chatliste)</a:t>
-            </a:r>
-          </a:p>
-          <a:p>
-            <a:pPr lvl="1"/>
-            <a:r>
-              <a:rPr lang="de-DE" dirty="0" smtClean="0"/>
-              <a:t>Name</a:t>
-            </a:r>
-          </a:p>
-          <a:p>
-            <a:pPr lvl="1"/>
-            <a:r>
-              <a:rPr lang="de-DE" dirty="0" smtClean="0"/>
-              <a:t>2D-Richtungspfeil und Entfernungsangabe pro Kontakt falls Kontakt App gerade verwendet</a:t>
+              <a:t>starts</a:t>
+            </a:r>
+            <a:endParaRPr lang="de-DE" dirty="0"/>
+          </a:p>
+        </p:txBody>
+      </p:sp>
+      <p:sp>
+        <p:nvSpPr>
+          <p:cNvPr id="20" name="Textfeld 19"/>
+          <p:cNvSpPr txBox="1"/>
+          <p:nvPr/>
+        </p:nvSpPr>
+        <p:spPr>
+          <a:xfrm>
+            <a:off x="9026397" y="2388484"/>
+            <a:ext cx="703462" cy="369332"/>
+          </a:xfrm>
+          <a:prstGeom prst="rect">
+            <a:avLst/>
+          </a:prstGeom>
+          <a:noFill/>
+        </p:spPr>
+        <p:txBody>
+          <a:bodyPr wrap="none" rtlCol="0">
+            <a:spAutoFit/>
+          </a:bodyPr>
+          <a:lstStyle/>
+          <a:p>
+            <a:r>
+              <a:rPr lang="de-DE" dirty="0" err="1" smtClean="0"/>
+              <a:t>starts</a:t>
+            </a:r>
+            <a:endParaRPr lang="de-DE" dirty="0"/>
+          </a:p>
+        </p:txBody>
+      </p:sp>
+      <p:sp>
+        <p:nvSpPr>
+          <p:cNvPr id="21" name="Abgerundetes Rechteck 20"/>
+          <p:cNvSpPr/>
+          <p:nvPr/>
+        </p:nvSpPr>
+        <p:spPr>
+          <a:xfrm>
+            <a:off x="7075981" y="5631569"/>
+            <a:ext cx="2653878" cy="1133825"/>
+          </a:xfrm>
+          <a:prstGeom prst="roundRect">
+            <a:avLst/>
+          </a:prstGeom>
+        </p:spPr>
+        <p:style>
+          <a:lnRef idx="0">
+            <a:schemeClr val="accent2"/>
+          </a:lnRef>
+          <a:fillRef idx="3">
+            <a:schemeClr val="accent2"/>
+          </a:fillRef>
+          <a:effectRef idx="3">
+            <a:schemeClr val="accent2"/>
+          </a:effectRef>
+          <a:fontRef idx="minor">
+            <a:schemeClr val="lt1"/>
+          </a:fontRef>
+        </p:style>
+        <p:txBody>
+          <a:bodyPr rtlCol="0" anchor="ctr"/>
+          <a:lstStyle/>
+          <a:p>
+            <a:pPr algn="ctr"/>
+            <a:endParaRPr lang="de-DE"/>
+          </a:p>
+        </p:txBody>
+      </p:sp>
+      <p:sp>
+        <p:nvSpPr>
+          <p:cNvPr id="22" name="Textfeld 21"/>
+          <p:cNvSpPr txBox="1"/>
+          <p:nvPr/>
+        </p:nvSpPr>
+        <p:spPr>
+          <a:xfrm>
+            <a:off x="7778707" y="6010629"/>
+            <a:ext cx="1218795" cy="369332"/>
+          </a:xfrm>
+          <a:prstGeom prst="rect">
+            <a:avLst/>
+          </a:prstGeom>
+          <a:noFill/>
+        </p:spPr>
+        <p:txBody>
+          <a:bodyPr wrap="none" rtlCol="0">
+            <a:spAutoFit/>
+          </a:bodyPr>
+          <a:lstStyle/>
+          <a:p>
+            <a:r>
+              <a:rPr lang="de-DE" b="1" dirty="0" smtClean="0"/>
+              <a:t>Webserver</a:t>
+            </a:r>
+            <a:endParaRPr lang="de-DE" b="1" dirty="0"/>
+          </a:p>
+        </p:txBody>
+      </p:sp>
+      <p:sp>
+        <p:nvSpPr>
+          <p:cNvPr id="23" name="Rechteck 22"/>
+          <p:cNvSpPr/>
+          <p:nvPr/>
+        </p:nvSpPr>
+        <p:spPr>
+          <a:xfrm>
+            <a:off x="395737" y="5526632"/>
+            <a:ext cx="2757025" cy="1133825"/>
+          </a:xfrm>
+          <a:prstGeom prst="rect">
+            <a:avLst/>
+          </a:prstGeom>
+        </p:spPr>
+        <p:style>
+          <a:lnRef idx="0">
+            <a:schemeClr val="accent1"/>
+          </a:lnRef>
+          <a:fillRef idx="3">
+            <a:schemeClr val="accent1"/>
+          </a:fillRef>
+          <a:effectRef idx="3">
+            <a:schemeClr val="accent1"/>
+          </a:effectRef>
+          <a:fontRef idx="minor">
+            <a:schemeClr val="lt1"/>
+          </a:fontRef>
+        </p:style>
+        <p:txBody>
+          <a:bodyPr rtlCol="0" anchor="ctr"/>
+          <a:lstStyle/>
+          <a:p>
+            <a:pPr algn="ctr"/>
+            <a:endParaRPr lang="de-DE"/>
+          </a:p>
+        </p:txBody>
+      </p:sp>
+      <p:sp>
+        <p:nvSpPr>
+          <p:cNvPr id="24" name="Textfeld 23"/>
+          <p:cNvSpPr txBox="1"/>
+          <p:nvPr/>
+        </p:nvSpPr>
+        <p:spPr>
+          <a:xfrm>
+            <a:off x="967664" y="5908879"/>
+            <a:ext cx="1680460" cy="369332"/>
+          </a:xfrm>
+          <a:prstGeom prst="rect">
+            <a:avLst/>
+          </a:prstGeom>
+          <a:noFill/>
+        </p:spPr>
+        <p:txBody>
+          <a:bodyPr wrap="none" rtlCol="0">
+            <a:spAutoFit/>
+          </a:bodyPr>
+          <a:lstStyle/>
+          <a:p>
+            <a:r>
+              <a:rPr lang="de-DE" b="1" dirty="0" err="1" smtClean="0"/>
+              <a:t>LocationService</a:t>
+            </a:r>
+            <a:endParaRPr lang="de-DE" b="1" dirty="0"/>
+          </a:p>
+        </p:txBody>
+      </p:sp>
+      <p:sp>
+        <p:nvSpPr>
+          <p:cNvPr id="25" name="Pfeil nach rechts 24"/>
+          <p:cNvSpPr/>
+          <p:nvPr/>
+        </p:nvSpPr>
+        <p:spPr>
+          <a:xfrm rot="5400000">
+            <a:off x="137808" y="4388304"/>
+            <a:ext cx="1968186" cy="308473"/>
+          </a:xfrm>
+          <a:prstGeom prst="rightArrow">
+            <a:avLst/>
+          </a:prstGeom>
+        </p:spPr>
+        <p:style>
+          <a:lnRef idx="0">
+            <a:schemeClr val="accent6"/>
+          </a:lnRef>
+          <a:fillRef idx="3">
+            <a:schemeClr val="accent6"/>
+          </a:fillRef>
+          <a:effectRef idx="3">
+            <a:schemeClr val="accent6"/>
+          </a:effectRef>
+          <a:fontRef idx="minor">
+            <a:schemeClr val="lt1"/>
+          </a:fontRef>
+        </p:style>
+        <p:txBody>
+          <a:bodyPr rtlCol="0" anchor="ctr"/>
+          <a:lstStyle/>
+          <a:p>
+            <a:pPr algn="ctr"/>
+            <a:endParaRPr lang="de-DE"/>
+          </a:p>
+        </p:txBody>
+      </p:sp>
+      <p:sp>
+        <p:nvSpPr>
+          <p:cNvPr id="26" name="Textfeld 25"/>
+          <p:cNvSpPr txBox="1"/>
+          <p:nvPr/>
+        </p:nvSpPr>
+        <p:spPr>
+          <a:xfrm>
+            <a:off x="1235217" y="4423536"/>
+            <a:ext cx="703462" cy="369332"/>
+          </a:xfrm>
+          <a:prstGeom prst="rect">
+            <a:avLst/>
+          </a:prstGeom>
+          <a:noFill/>
+        </p:spPr>
+        <p:txBody>
+          <a:bodyPr wrap="none" rtlCol="0">
+            <a:spAutoFit/>
+          </a:bodyPr>
+          <a:lstStyle/>
+          <a:p>
+            <a:r>
+              <a:rPr lang="de-DE" dirty="0" err="1" smtClean="0"/>
+              <a:t>starts</a:t>
+            </a:r>
+            <a:endParaRPr lang="de-DE" dirty="0"/>
+          </a:p>
+        </p:txBody>
+      </p:sp>
+      <p:sp>
+        <p:nvSpPr>
+          <p:cNvPr id="27" name="Pfeil nach rechts 26"/>
+          <p:cNvSpPr/>
+          <p:nvPr/>
+        </p:nvSpPr>
+        <p:spPr>
+          <a:xfrm>
+            <a:off x="3169191" y="6160173"/>
+            <a:ext cx="3906790" cy="236075"/>
+          </a:xfrm>
+          <a:prstGeom prst="rightArrow">
+            <a:avLst/>
+          </a:prstGeom>
+        </p:spPr>
+        <p:style>
+          <a:lnRef idx="0">
+            <a:schemeClr val="accent4"/>
+          </a:lnRef>
+          <a:fillRef idx="3">
+            <a:schemeClr val="accent4"/>
+          </a:fillRef>
+          <a:effectRef idx="3">
+            <a:schemeClr val="accent4"/>
+          </a:effectRef>
+          <a:fontRef idx="minor">
+            <a:schemeClr val="lt1"/>
+          </a:fontRef>
+        </p:style>
+        <p:txBody>
+          <a:bodyPr rtlCol="0" anchor="ctr"/>
+          <a:lstStyle/>
+          <a:p>
+            <a:pPr algn="ctr"/>
+            <a:endParaRPr lang="de-DE"/>
+          </a:p>
+        </p:txBody>
+      </p:sp>
+      <p:sp>
+        <p:nvSpPr>
+          <p:cNvPr id="28" name="Textfeld 27"/>
+          <p:cNvSpPr txBox="1"/>
+          <p:nvPr/>
+        </p:nvSpPr>
+        <p:spPr>
+          <a:xfrm>
+            <a:off x="3101562" y="5854797"/>
+            <a:ext cx="4038863" cy="369332"/>
+          </a:xfrm>
+          <a:prstGeom prst="rect">
+            <a:avLst/>
+          </a:prstGeom>
+          <a:noFill/>
+        </p:spPr>
+        <p:txBody>
+          <a:bodyPr wrap="none" rtlCol="0">
+            <a:spAutoFit/>
+          </a:bodyPr>
+          <a:lstStyle/>
+          <a:p>
+            <a:r>
+              <a:rPr lang="de-DE" dirty="0"/>
+              <a:t>s</a:t>
+            </a:r>
+            <a:r>
+              <a:rPr lang="de-DE" dirty="0" smtClean="0"/>
+              <a:t>end </a:t>
+            </a:r>
+            <a:r>
+              <a:rPr lang="de-DE" dirty="0" err="1" smtClean="0"/>
+              <a:t>location</a:t>
+            </a:r>
+            <a:r>
+              <a:rPr lang="de-DE" dirty="0" smtClean="0"/>
+              <a:t> (GPS) after </a:t>
+            </a:r>
+            <a:r>
+              <a:rPr lang="de-DE" dirty="0" err="1" smtClean="0"/>
+              <a:t>location</a:t>
+            </a:r>
+            <a:r>
+              <a:rPr lang="de-DE" dirty="0" smtClean="0"/>
+              <a:t> </a:t>
+            </a:r>
+            <a:r>
+              <a:rPr lang="de-DE" dirty="0" err="1" smtClean="0"/>
+              <a:t>change</a:t>
+            </a:r>
+            <a:endParaRPr lang="de-DE" dirty="0"/>
+          </a:p>
+        </p:txBody>
+      </p:sp>
+      <p:sp>
+        <p:nvSpPr>
+          <p:cNvPr id="32" name="Pfeil nach rechts 31"/>
+          <p:cNvSpPr/>
+          <p:nvPr/>
+        </p:nvSpPr>
+        <p:spPr>
+          <a:xfrm rot="2567874">
+            <a:off x="4570954" y="4314213"/>
+            <a:ext cx="3409838" cy="288119"/>
+          </a:xfrm>
+          <a:prstGeom prst="rightArrow">
+            <a:avLst/>
+          </a:prstGeom>
+        </p:spPr>
+        <p:style>
+          <a:lnRef idx="0">
+            <a:schemeClr val="accent4"/>
+          </a:lnRef>
+          <a:fillRef idx="3">
+            <a:schemeClr val="accent4"/>
+          </a:fillRef>
+          <a:effectRef idx="3">
+            <a:schemeClr val="accent4"/>
+          </a:effectRef>
+          <a:fontRef idx="minor">
+            <a:schemeClr val="lt1"/>
+          </a:fontRef>
+        </p:style>
+        <p:txBody>
+          <a:bodyPr rtlCol="0" anchor="ctr"/>
+          <a:lstStyle/>
+          <a:p>
+            <a:pPr algn="ctr"/>
+            <a:endParaRPr lang="de-DE"/>
+          </a:p>
+        </p:txBody>
+      </p:sp>
+      <p:sp>
+        <p:nvSpPr>
+          <p:cNvPr id="33" name="Pfeil nach rechts 32"/>
+          <p:cNvSpPr/>
+          <p:nvPr/>
+        </p:nvSpPr>
+        <p:spPr>
+          <a:xfrm rot="13360876">
+            <a:off x="4398891" y="4449774"/>
+            <a:ext cx="3197215" cy="288119"/>
+          </a:xfrm>
+          <a:prstGeom prst="rightArrow">
+            <a:avLst/>
+          </a:prstGeom>
+        </p:spPr>
+        <p:style>
+          <a:lnRef idx="0">
+            <a:schemeClr val="accent4"/>
+          </a:lnRef>
+          <a:fillRef idx="3">
+            <a:schemeClr val="accent4"/>
+          </a:fillRef>
+          <a:effectRef idx="3">
+            <a:schemeClr val="accent4"/>
+          </a:effectRef>
+          <a:fontRef idx="minor">
+            <a:schemeClr val="lt1"/>
+          </a:fontRef>
+        </p:style>
+        <p:txBody>
+          <a:bodyPr rtlCol="0" anchor="ctr"/>
+          <a:lstStyle/>
+          <a:p>
+            <a:pPr algn="ctr"/>
+            <a:endParaRPr lang="de-DE"/>
+          </a:p>
+        </p:txBody>
+      </p:sp>
+      <p:sp>
+        <p:nvSpPr>
+          <p:cNvPr id="34" name="Textfeld 33"/>
+          <p:cNvSpPr txBox="1"/>
+          <p:nvPr/>
+        </p:nvSpPr>
+        <p:spPr>
+          <a:xfrm>
+            <a:off x="5950162" y="3338151"/>
+            <a:ext cx="1260666" cy="923330"/>
+          </a:xfrm>
+          <a:prstGeom prst="rect">
+            <a:avLst/>
+          </a:prstGeom>
+          <a:noFill/>
+        </p:spPr>
+        <p:txBody>
+          <a:bodyPr wrap="none" rtlCol="0">
+            <a:spAutoFit/>
+          </a:bodyPr>
+          <a:lstStyle/>
+          <a:p>
+            <a:r>
+              <a:rPr lang="de-DE" dirty="0" smtClean="0"/>
+              <a:t>send </a:t>
+            </a:r>
+          </a:p>
+          <a:p>
+            <a:r>
+              <a:rPr lang="de-DE" dirty="0" err="1" smtClean="0"/>
+              <a:t>registration</a:t>
             </a:r>
             <a:endParaRPr lang="de-DE" dirty="0" smtClean="0"/>
           </a:p>
           <a:p>
             <a:r>
-              <a:rPr lang="de-DE" i="1" dirty="0" err="1" smtClean="0"/>
-              <a:t>GetAllContactsLocationDataPostRequest</a:t>
-            </a:r>
-            <a:r>
-              <a:rPr lang="de-DE" i="1" dirty="0" smtClean="0"/>
-              <a:t> (POST) </a:t>
-            </a:r>
-            <a:r>
-              <a:rPr lang="de-DE" dirty="0" smtClean="0"/>
-              <a:t>periodisch</a:t>
-            </a:r>
-            <a:endParaRPr lang="de-DE" i="1" dirty="0" smtClean="0"/>
-          </a:p>
-          <a:p>
-            <a:pPr lvl="1"/>
-            <a:r>
-              <a:rPr lang="de-DE" dirty="0" smtClean="0"/>
-              <a:t>Sendet komplettes Telefonbuch zum Server</a:t>
-            </a:r>
-          </a:p>
-          <a:p>
-            <a:pPr lvl="1"/>
-            <a:r>
-              <a:rPr lang="de-DE" dirty="0" smtClean="0"/>
-              <a:t>Alle Kontakte, zu denen aktueller Standort am Server vorhanden ist, als Rückgabewert</a:t>
-            </a:r>
-            <a:endParaRPr lang="de-DE" dirty="0" smtClean="0"/>
-          </a:p>
-          <a:p>
-            <a:endParaRPr lang="de-DE" i="1" dirty="0"/>
-          </a:p>
-          <a:p>
-            <a:r>
-              <a:rPr lang="de-DE" i="1" dirty="0" smtClean="0"/>
-              <a:t>Screenshot einfügen</a:t>
-            </a:r>
-          </a:p>
-          <a:p>
+              <a:rPr lang="de-DE" dirty="0" smtClean="0"/>
+              <a:t> </a:t>
+            </a:r>
+            <a:r>
+              <a:rPr lang="de-DE" dirty="0" err="1" smtClean="0"/>
+              <a:t>data</a:t>
+            </a:r>
             <a:endParaRPr lang="de-DE" dirty="0"/>
+          </a:p>
+        </p:txBody>
+      </p:sp>
+      <p:sp>
+        <p:nvSpPr>
+          <p:cNvPr id="36" name="Textfeld 35"/>
+          <p:cNvSpPr txBox="1"/>
+          <p:nvPr/>
+        </p:nvSpPr>
+        <p:spPr>
+          <a:xfrm>
+            <a:off x="4724643" y="4496832"/>
+            <a:ext cx="1113959" cy="369332"/>
+          </a:xfrm>
+          <a:prstGeom prst="rect">
+            <a:avLst/>
+          </a:prstGeom>
+          <a:noFill/>
+        </p:spPr>
+        <p:txBody>
+          <a:bodyPr wrap="none" rtlCol="0">
+            <a:spAutoFit/>
+          </a:bodyPr>
+          <a:lstStyle/>
+          <a:p>
+            <a:r>
+              <a:rPr lang="de-DE" dirty="0" err="1" smtClean="0"/>
+              <a:t>receive</a:t>
+            </a:r>
+            <a:r>
+              <a:rPr lang="de-DE" dirty="0" smtClean="0"/>
+              <a:t> ID</a:t>
+            </a:r>
+            <a:endParaRPr lang="de-DE" dirty="0"/>
+          </a:p>
+        </p:txBody>
+      </p:sp>
+      <p:sp>
+        <p:nvSpPr>
+          <p:cNvPr id="37" name="Pfeil nach rechts 36"/>
+          <p:cNvSpPr/>
+          <p:nvPr/>
+        </p:nvSpPr>
+        <p:spPr>
+          <a:xfrm rot="5400000">
+            <a:off x="6827118" y="4462658"/>
+            <a:ext cx="2086089" cy="277668"/>
+          </a:xfrm>
+          <a:prstGeom prst="rightArrow">
+            <a:avLst/>
+          </a:prstGeom>
+        </p:spPr>
+        <p:style>
+          <a:lnRef idx="0">
+            <a:schemeClr val="accent4"/>
+          </a:lnRef>
+          <a:fillRef idx="3">
+            <a:schemeClr val="accent4"/>
+          </a:fillRef>
+          <a:effectRef idx="3">
+            <a:schemeClr val="accent4"/>
+          </a:effectRef>
+          <a:fontRef idx="minor">
+            <a:schemeClr val="lt1"/>
+          </a:fontRef>
+        </p:style>
+        <p:txBody>
+          <a:bodyPr rtlCol="0" anchor="ctr"/>
+          <a:lstStyle/>
+          <a:p>
+            <a:pPr algn="ctr"/>
+            <a:endParaRPr lang="de-DE"/>
+          </a:p>
+        </p:txBody>
+      </p:sp>
+      <p:sp>
+        <p:nvSpPr>
+          <p:cNvPr id="38" name="Pfeil nach rechts 37"/>
+          <p:cNvSpPr/>
+          <p:nvPr/>
+        </p:nvSpPr>
+        <p:spPr>
+          <a:xfrm rot="16200000">
+            <a:off x="7101844" y="4443317"/>
+            <a:ext cx="2086089" cy="277668"/>
+          </a:xfrm>
+          <a:prstGeom prst="rightArrow">
+            <a:avLst/>
+          </a:prstGeom>
+        </p:spPr>
+        <p:style>
+          <a:lnRef idx="0">
+            <a:schemeClr val="accent4"/>
+          </a:lnRef>
+          <a:fillRef idx="3">
+            <a:schemeClr val="accent4"/>
+          </a:fillRef>
+          <a:effectRef idx="3">
+            <a:schemeClr val="accent4"/>
+          </a:effectRef>
+          <a:fontRef idx="minor">
+            <a:schemeClr val="lt1"/>
+          </a:fontRef>
+        </p:style>
+        <p:txBody>
+          <a:bodyPr rtlCol="0" anchor="ctr"/>
+          <a:lstStyle/>
+          <a:p>
+            <a:pPr algn="ctr"/>
+            <a:endParaRPr lang="de-DE"/>
+          </a:p>
+        </p:txBody>
+      </p:sp>
+      <p:sp>
+        <p:nvSpPr>
+          <p:cNvPr id="39" name="Textfeld 38"/>
+          <p:cNvSpPr txBox="1"/>
+          <p:nvPr/>
+        </p:nvSpPr>
+        <p:spPr>
+          <a:xfrm>
+            <a:off x="8197755" y="3909276"/>
+            <a:ext cx="1240596" cy="1200329"/>
+          </a:xfrm>
+          <a:prstGeom prst="rect">
+            <a:avLst/>
+          </a:prstGeom>
+          <a:noFill/>
+        </p:spPr>
+        <p:txBody>
+          <a:bodyPr wrap="none" rtlCol="0">
+            <a:spAutoFit/>
+          </a:bodyPr>
+          <a:lstStyle/>
+          <a:p>
+            <a:r>
+              <a:rPr lang="de-DE" dirty="0" err="1" smtClean="0"/>
+              <a:t>receive</a:t>
+            </a:r>
+            <a:r>
+              <a:rPr lang="de-DE" dirty="0" smtClean="0"/>
+              <a:t> </a:t>
+            </a:r>
+          </a:p>
+          <a:p>
+            <a:r>
+              <a:rPr lang="de-DE" dirty="0" err="1" smtClean="0"/>
+              <a:t>location</a:t>
+            </a:r>
+            <a:r>
+              <a:rPr lang="de-DE" dirty="0" smtClean="0"/>
+              <a:t> </a:t>
+            </a:r>
+          </a:p>
+          <a:p>
+            <a:r>
+              <a:rPr lang="de-DE" dirty="0" err="1" smtClean="0"/>
+              <a:t>data</a:t>
+            </a:r>
+            <a:r>
+              <a:rPr lang="de-DE" dirty="0" smtClean="0"/>
+              <a:t> </a:t>
+            </a:r>
+            <a:r>
+              <a:rPr lang="de-DE" dirty="0" err="1" smtClean="0"/>
+              <a:t>of</a:t>
+            </a:r>
+            <a:r>
+              <a:rPr lang="de-DE" dirty="0" smtClean="0"/>
+              <a:t> </a:t>
+            </a:r>
+          </a:p>
+          <a:p>
+            <a:r>
+              <a:rPr lang="de-DE" dirty="0" smtClean="0"/>
+              <a:t>all </a:t>
+            </a:r>
+            <a:r>
+              <a:rPr lang="de-DE" dirty="0" err="1" smtClean="0"/>
+              <a:t>contacts</a:t>
+            </a:r>
+            <a:endParaRPr lang="de-DE" dirty="0"/>
+          </a:p>
+        </p:txBody>
+      </p:sp>
+      <p:sp>
+        <p:nvSpPr>
+          <p:cNvPr id="40" name="Pfeil nach rechts 39"/>
+          <p:cNvSpPr/>
+          <p:nvPr/>
+        </p:nvSpPr>
+        <p:spPr>
+          <a:xfrm rot="7412681">
+            <a:off x="8794800" y="4482035"/>
+            <a:ext cx="2459011" cy="277668"/>
+          </a:xfrm>
+          <a:prstGeom prst="rightArrow">
+            <a:avLst/>
+          </a:prstGeom>
+        </p:spPr>
+        <p:style>
+          <a:lnRef idx="0">
+            <a:schemeClr val="accent4"/>
+          </a:lnRef>
+          <a:fillRef idx="3">
+            <a:schemeClr val="accent4"/>
+          </a:fillRef>
+          <a:effectRef idx="3">
+            <a:schemeClr val="accent4"/>
+          </a:effectRef>
+          <a:fontRef idx="minor">
+            <a:schemeClr val="lt1"/>
+          </a:fontRef>
+        </p:style>
+        <p:txBody>
+          <a:bodyPr rtlCol="0" anchor="ctr"/>
+          <a:lstStyle/>
+          <a:p>
+            <a:pPr algn="ctr"/>
+            <a:endParaRPr lang="de-DE"/>
+          </a:p>
+        </p:txBody>
+      </p:sp>
+      <p:sp>
+        <p:nvSpPr>
+          <p:cNvPr id="41" name="Pfeil nach rechts 40"/>
+          <p:cNvSpPr/>
+          <p:nvPr/>
+        </p:nvSpPr>
+        <p:spPr>
+          <a:xfrm rot="18200373">
+            <a:off x="9006448" y="4574537"/>
+            <a:ext cx="2629000" cy="277668"/>
+          </a:xfrm>
+          <a:prstGeom prst="rightArrow">
+            <a:avLst/>
+          </a:prstGeom>
+        </p:spPr>
+        <p:style>
+          <a:lnRef idx="0">
+            <a:schemeClr val="accent4"/>
+          </a:lnRef>
+          <a:fillRef idx="3">
+            <a:schemeClr val="accent4"/>
+          </a:fillRef>
+          <a:effectRef idx="3">
+            <a:schemeClr val="accent4"/>
+          </a:effectRef>
+          <a:fontRef idx="minor">
+            <a:schemeClr val="lt1"/>
+          </a:fontRef>
+        </p:style>
+        <p:txBody>
+          <a:bodyPr rtlCol="0" anchor="ctr"/>
+          <a:lstStyle/>
+          <a:p>
+            <a:pPr algn="ctr"/>
+            <a:endParaRPr lang="de-DE"/>
+          </a:p>
+        </p:txBody>
+      </p:sp>
+      <p:sp>
+        <p:nvSpPr>
+          <p:cNvPr id="42" name="Textfeld 41"/>
+          <p:cNvSpPr txBox="1"/>
+          <p:nvPr/>
+        </p:nvSpPr>
+        <p:spPr>
+          <a:xfrm>
+            <a:off x="10383812" y="4643433"/>
+            <a:ext cx="1183850" cy="1477328"/>
+          </a:xfrm>
+          <a:prstGeom prst="rect">
+            <a:avLst/>
+          </a:prstGeom>
+          <a:noFill/>
+        </p:spPr>
+        <p:txBody>
+          <a:bodyPr wrap="none" rtlCol="0">
+            <a:spAutoFit/>
+          </a:bodyPr>
+          <a:lstStyle/>
+          <a:p>
+            <a:r>
+              <a:rPr lang="de-DE" dirty="0" err="1" smtClean="0"/>
+              <a:t>receive</a:t>
+            </a:r>
+            <a:r>
+              <a:rPr lang="de-DE" dirty="0" smtClean="0"/>
+              <a:t> </a:t>
+            </a:r>
+          </a:p>
+          <a:p>
+            <a:r>
+              <a:rPr lang="de-DE" dirty="0" err="1" smtClean="0"/>
+              <a:t>location</a:t>
+            </a:r>
+            <a:r>
+              <a:rPr lang="de-DE" dirty="0" smtClean="0"/>
+              <a:t> </a:t>
+            </a:r>
+          </a:p>
+          <a:p>
+            <a:r>
+              <a:rPr lang="de-DE" dirty="0" err="1" smtClean="0"/>
+              <a:t>data</a:t>
+            </a:r>
+            <a:r>
+              <a:rPr lang="de-DE" dirty="0" smtClean="0"/>
+              <a:t> </a:t>
+            </a:r>
+            <a:r>
+              <a:rPr lang="de-DE" dirty="0" err="1" smtClean="0"/>
+              <a:t>of</a:t>
+            </a:r>
+            <a:r>
+              <a:rPr lang="de-DE" dirty="0" smtClean="0"/>
+              <a:t> </a:t>
+            </a:r>
+          </a:p>
+          <a:p>
+            <a:r>
+              <a:rPr lang="de-DE" dirty="0" err="1" smtClean="0"/>
+              <a:t>contact</a:t>
+            </a:r>
+            <a:r>
+              <a:rPr lang="de-DE" dirty="0" smtClean="0"/>
+              <a:t> </a:t>
+            </a:r>
+            <a:r>
+              <a:rPr lang="de-DE" dirty="0" err="1" smtClean="0"/>
+              <a:t>to</a:t>
+            </a:r>
+            <a:r>
+              <a:rPr lang="de-DE" dirty="0" smtClean="0"/>
+              <a:t> </a:t>
+            </a:r>
+          </a:p>
+          <a:p>
+            <a:r>
+              <a:rPr lang="de-DE" dirty="0" err="1" smtClean="0"/>
+              <a:t>navigate</a:t>
+            </a:r>
+            <a:endParaRPr lang="de-DE" dirty="0"/>
+          </a:p>
+        </p:txBody>
+      </p:sp>
+      <p:sp>
+        <p:nvSpPr>
+          <p:cNvPr id="43" name="Pfeil nach rechts 42"/>
+          <p:cNvSpPr/>
+          <p:nvPr/>
+        </p:nvSpPr>
+        <p:spPr>
+          <a:xfrm>
+            <a:off x="91282" y="2208614"/>
+            <a:ext cx="363341" cy="308473"/>
+          </a:xfrm>
+          <a:prstGeom prst="rightArrow">
+            <a:avLst/>
+          </a:prstGeom>
+        </p:spPr>
+        <p:style>
+          <a:lnRef idx="0">
+            <a:schemeClr val="dk1"/>
+          </a:lnRef>
+          <a:fillRef idx="3">
+            <a:schemeClr val="dk1"/>
+          </a:fillRef>
+          <a:effectRef idx="3">
+            <a:schemeClr val="dk1"/>
+          </a:effectRef>
+          <a:fontRef idx="minor">
+            <a:schemeClr val="lt1"/>
+          </a:fontRef>
+        </p:style>
+        <p:txBody>
+          <a:bodyPr rtlCol="0" anchor="ctr"/>
+          <a:lstStyle/>
+          <a:p>
+            <a:pPr algn="ctr"/>
+            <a:endParaRPr lang="de-DE"/>
+          </a:p>
+        </p:txBody>
+      </p:sp>
+      <p:sp>
+        <p:nvSpPr>
+          <p:cNvPr id="44" name="Textfeld 43"/>
+          <p:cNvSpPr txBox="1"/>
+          <p:nvPr/>
+        </p:nvSpPr>
+        <p:spPr>
+          <a:xfrm>
+            <a:off x="891258" y="303954"/>
+            <a:ext cx="10769230" cy="769441"/>
+          </a:xfrm>
+          <a:prstGeom prst="rect">
+            <a:avLst/>
+          </a:prstGeom>
+          <a:noFill/>
+        </p:spPr>
+        <p:txBody>
+          <a:bodyPr wrap="none" rtlCol="0">
+            <a:spAutoFit/>
+          </a:bodyPr>
+          <a:lstStyle/>
+          <a:p>
+            <a:r>
+              <a:rPr lang="de-DE" sz="4400" dirty="0" smtClean="0">
+                <a:latin typeface="+mj-lt"/>
+              </a:rPr>
+              <a:t>Architektur – </a:t>
+            </a:r>
+            <a:r>
+              <a:rPr lang="de-DE" sz="4400" dirty="0" err="1" smtClean="0">
+                <a:latin typeface="+mj-lt"/>
+              </a:rPr>
+              <a:t>Activities</a:t>
+            </a:r>
+            <a:r>
+              <a:rPr lang="de-DE" sz="4400" dirty="0" smtClean="0">
+                <a:latin typeface="+mj-lt"/>
+              </a:rPr>
+              <a:t>, Service und </a:t>
+            </a:r>
+            <a:r>
+              <a:rPr lang="de-DE" sz="4400" dirty="0" err="1" smtClean="0">
+                <a:latin typeface="+mj-lt"/>
+              </a:rPr>
+              <a:t>Requests</a:t>
+            </a:r>
+            <a:endParaRPr lang="de-DE" sz="4400" dirty="0">
+              <a:latin typeface="+mj-lt"/>
+            </a:endParaRPr>
           </a:p>
         </p:txBody>
       </p:sp>
     </p:spTree>
     <p:extLst>
       <p:ext uri="{BB962C8B-B14F-4D97-AF65-F5344CB8AC3E}">
-        <p14:creationId xmlns:p14="http://schemas.microsoft.com/office/powerpoint/2010/main" val="2034016235"/>
+        <p14:creationId xmlns:p14="http://schemas.microsoft.com/office/powerpoint/2010/main" val="241761373"/>
       </p:ext>
     </p:extLst>
   </p:cSld>
@@ -5348,124 +10569,10 @@
           <a:chExt cx="0" cy="0"/>
         </a:xfrm>
       </p:grpSpPr>
-      <p:sp>
-        <p:nvSpPr>
-          <p:cNvPr id="2" name="Titel 1"/>
-          <p:cNvSpPr>
-            <a:spLocks noGrp="1"/>
-          </p:cNvSpPr>
-          <p:nvPr>
-            <p:ph type="title"/>
-          </p:nvPr>
-        </p:nvSpPr>
-        <p:spPr/>
-        <p:txBody>
-          <a:bodyPr/>
-          <a:lstStyle/>
-          <a:p>
-            <a:r>
-              <a:rPr lang="de-DE" dirty="0" err="1" smtClean="0"/>
-              <a:t>NavigationActivity</a:t>
-            </a:r>
-            <a:endParaRPr lang="de-DE" dirty="0"/>
-          </a:p>
-        </p:txBody>
-      </p:sp>
-      <p:sp>
-        <p:nvSpPr>
-          <p:cNvPr id="3" name="Inhaltsplatzhalter 2"/>
-          <p:cNvSpPr>
-            <a:spLocks noGrp="1"/>
-          </p:cNvSpPr>
-          <p:nvPr>
-            <p:ph idx="1"/>
-          </p:nvPr>
-        </p:nvSpPr>
-        <p:spPr/>
-        <p:txBody>
-          <a:bodyPr>
-            <a:normAutofit/>
-          </a:bodyPr>
-          <a:lstStyle/>
-          <a:p>
-            <a:r>
-              <a:rPr lang="de-DE" dirty="0" smtClean="0"/>
-              <a:t>Kameranavigation zum ausgewählten Kontakt</a:t>
-            </a:r>
-          </a:p>
-          <a:p>
-            <a:r>
-              <a:rPr lang="de-DE" dirty="0" smtClean="0"/>
-              <a:t>3D-Richtungspfeil und </a:t>
-            </a:r>
-            <a:r>
-              <a:rPr lang="de-DE" dirty="0" err="1" smtClean="0"/>
-              <a:t>Entfernungangabe</a:t>
-            </a:r>
-            <a:endParaRPr lang="de-DE" dirty="0" smtClean="0"/>
-          </a:p>
-          <a:p>
-            <a:r>
-              <a:rPr lang="de-DE" i="1" dirty="0" err="1" smtClean="0"/>
-              <a:t>GetContactLocationDataPostRequest</a:t>
-            </a:r>
-            <a:r>
-              <a:rPr lang="de-DE" i="1" dirty="0" smtClean="0"/>
-              <a:t> (POST) </a:t>
-            </a:r>
-            <a:r>
-              <a:rPr lang="de-DE" dirty="0" err="1" smtClean="0"/>
-              <a:t>peridodisch</a:t>
-            </a:r>
-            <a:endParaRPr lang="de-DE" dirty="0" smtClean="0"/>
-          </a:p>
-          <a:p>
-            <a:pPr lvl="1"/>
-            <a:r>
-              <a:rPr lang="de-DE" dirty="0" smtClean="0"/>
-              <a:t>Standortdaten des </a:t>
-            </a:r>
-            <a:r>
-              <a:rPr lang="de-DE" dirty="0" err="1" smtClean="0"/>
-              <a:t>ausgwählten</a:t>
-            </a:r>
-            <a:r>
-              <a:rPr lang="de-DE" dirty="0" smtClean="0"/>
-              <a:t> Kontakts als Rückgabewert</a:t>
-            </a:r>
-          </a:p>
-          <a:p>
-            <a:pPr lvl="1"/>
-            <a:r>
-              <a:rPr lang="de-DE" dirty="0" smtClean="0"/>
-              <a:t>Aktualisierung der View dementsprechend</a:t>
-            </a:r>
-            <a:endParaRPr lang="de-DE" dirty="0" smtClean="0"/>
-          </a:p>
-          <a:p>
-            <a:pPr marL="0" indent="0">
-              <a:buNone/>
-            </a:pPr>
-            <a:endParaRPr lang="de-DE" i="1" dirty="0"/>
-          </a:p>
-          <a:p>
-            <a:endParaRPr lang="de-DE" i="1" dirty="0" smtClean="0"/>
-          </a:p>
-          <a:p>
-            <a:r>
-              <a:rPr lang="de-DE" i="1" dirty="0" smtClean="0"/>
-              <a:t>Screenshot einfügen</a:t>
-            </a:r>
-          </a:p>
-          <a:p>
-            <a:endParaRPr lang="de-DE" dirty="0"/>
-          </a:p>
-        </p:txBody>
-      </p:sp>
     </p:spTree>
     <p:extLst>
       <p:ext uri="{BB962C8B-B14F-4D97-AF65-F5344CB8AC3E}">
-        <p14:creationId xmlns:p14="http://schemas.microsoft.com/office/powerpoint/2010/main" val="1923634071"/>
+        <p14:creationId xmlns:p14="http://schemas.microsoft.com/office/powerpoint/2010/main" val="2663064493"/>
       </p:ext>
     </p:extLst>
   </p:cSld>
@@ -5734,4 +10841,265 @@
     </a:ext>
   </a:extLst>
 </a:theme>
+</file>
+
+<file path=ppt/theme/theme2.xml><?xml version="1.0" encoding="utf-8"?>
+<a:theme xmlns:a="http://schemas.openxmlformats.org/drawingml/2006/main" name="Office Theme">
+  <a:themeElements>
+    <a:clrScheme name="Office">
+      <a:dk1>
+        <a:sysClr val="windowText" lastClr="000000"/>
+      </a:dk1>
+      <a:lt1>
+        <a:sysClr val="window" lastClr="FFFFFF"/>
+      </a:lt1>
+      <a:dk2>
+        <a:srgbClr val="44546A"/>
+      </a:dk2>
+      <a:lt2>
+        <a:srgbClr val="E7E6E6"/>
+      </a:lt2>
+      <a:accent1>
+        <a:srgbClr val="5B9BD5"/>
+      </a:accent1>
+      <a:accent2>
+        <a:srgbClr val="ED7D31"/>
+      </a:accent2>
+      <a:accent3>
+        <a:srgbClr val="A5A5A5"/>
+      </a:accent3>
+      <a:accent4>
+        <a:srgbClr val="FFC000"/>
+      </a:accent4>
+      <a:accent5>
+        <a:srgbClr val="4472C4"/>
+      </a:accent5>
+      <a:accent6>
+        <a:srgbClr val="70AD47"/>
+      </a:accent6>
+      <a:hlink>
+        <a:srgbClr val="0563C1"/>
+      </a:hlink>
+      <a:folHlink>
+        <a:srgbClr val="954F72"/>
+      </a:folHlink>
+    </a:clrScheme>
+    <a:fontScheme name="Office">
+      <a:majorFont>
+        <a:latin typeface="Calibri Light" panose="020F0302020204030204"/>
+        <a:ea typeface=""/>
+        <a:cs typeface=""/>
+        <a:font script="Jpan" typeface="ＭＳ Ｐゴシック"/>
+        <a:font script="Hang" typeface="맑은 고딕"/>
+        <a:font script="Hans" typeface="宋体"/>
+        <a:font script="Hant" typeface="新細明體"/>
+        <a:font script="Arab" typeface="Times New Roman"/>
+        <a:font script="Hebr" typeface="Times New Roman"/>
+        <a:font script="Thai" typeface="Angsana New"/>
+        <a:font script="Ethi" typeface="Nyala"/>
+        <a:font script="Beng" typeface="Vrinda"/>
+        <a:font script="Gujr" typeface="Shruti"/>
+        <a:font script="Khmr" typeface="MoolBoran"/>
+        <a:font script="Knda" typeface="Tunga"/>
+        <a:font script="Guru" typeface="Raavi"/>
+        <a:font script="Cans" typeface="Euphemia"/>
+        <a:font script="Cher" typeface="Plantagenet Cherokee"/>
+        <a:font script="Yiii" typeface="Microsoft Yi Baiti"/>
+        <a:font script="Tibt" typeface="Microsoft Himalaya"/>
+        <a:font script="Thaa" typeface="MV Boli"/>
+        <a:font script="Deva" typeface="Mangal"/>
+        <a:font script="Telu" typeface="Gautami"/>
+        <a:font script="Taml" typeface="Latha"/>
+        <a:font script="Syrc" typeface="Estrangelo Edessa"/>
+        <a:font script="Orya" typeface="Kalinga"/>
+        <a:font script="Mlym" typeface="Kartika"/>
+        <a:font script="Laoo" typeface="DokChampa"/>
+        <a:font script="Sinh" typeface="Iskoola Pota"/>
+        <a:font script="Mong" typeface="Mongolian Baiti"/>
+        <a:font script="Viet" typeface="Times New Roman"/>
+        <a:font script="Uigh" typeface="Microsoft Uighur"/>
+        <a:font script="Geor" typeface="Sylfaen"/>
+      </a:majorFont>
+      <a:minorFont>
+        <a:latin typeface="Calibri" panose="020F0502020204030204"/>
+        <a:ea typeface=""/>
+        <a:cs typeface=""/>
+        <a:font script="Jpan" typeface="ＭＳ Ｐゴシック"/>
+        <a:font script="Hang" typeface="맑은 고딕"/>
+        <a:font script="Hans" typeface="宋体"/>
+        <a:font script="Hant" typeface="新細明體"/>
+        <a:font script="Arab" typeface="Arial"/>
+        <a:font script="Hebr" typeface="Arial"/>
+        <a:font script="Thai" typeface="Cordia New"/>
+        <a:font script="Ethi" typeface="Nyala"/>
+        <a:font script="Beng" typeface="Vrinda"/>
+        <a:font script="Gujr" typeface="Shruti"/>
+        <a:font script="Khmr" typeface="DaunPenh"/>
+        <a:font script="Knda" typeface="Tunga"/>
+        <a:font script="Guru" typeface="Raavi"/>
+        <a:font script="Cans" typeface="Euphemia"/>
+        <a:font script="Cher" typeface="Plantagenet Cherokee"/>
+        <a:font script="Yiii" typeface="Microsoft Yi Baiti"/>
+        <a:font script="Tibt" typeface="Microsoft Himalaya"/>
+        <a:font script="Thaa" typeface="MV Boli"/>
+        <a:font script="Deva" typeface="Mangal"/>
+        <a:font script="Telu" typeface="Gautami"/>
+        <a:font script="Taml" typeface="Latha"/>
+        <a:font script="Syrc" typeface="Estrangelo Edessa"/>
+        <a:font script="Orya" typeface="Kalinga"/>
+        <a:font script="Mlym" typeface="Kartika"/>
+        <a:font script="Laoo" typeface="DokChampa"/>
+        <a:font script="Sinh" typeface="Iskoola Pota"/>
+        <a:font script="Mong" typeface="Mongolian Baiti"/>
+        <a:font script="Viet" typeface="Arial"/>
+        <a:font script="Uigh" typeface="Microsoft Uighur"/>
+        <a:font script="Geor" typeface="Sylfaen"/>
+      </a:minorFont>
+    </a:fontScheme>
+    <a:fmtScheme name="Office">
+      <a:fillStyleLst>
+        <a:solidFill>
+          <a:schemeClr val="phClr"/>
+        </a:solidFill>
+        <a:gradFill rotWithShape="1">
+          <a:gsLst>
+            <a:gs pos="0">
+              <a:schemeClr val="phClr">
+                <a:lumMod val="110000"/>
+                <a:satMod val="105000"/>
+                <a:tint val="67000"/>
+              </a:schemeClr>
+            </a:gs>
+            <a:gs pos="50000">
+              <a:schemeClr val="phClr">
+                <a:lumMod val="105000"/>
+                <a:satMod val="103000"/>
+                <a:tint val="73000"/>
+              </a:schemeClr>
+            </a:gs>
+            <a:gs pos="100000">
+              <a:schemeClr val="phClr">
+                <a:lumMod val="105000"/>
+                <a:satMod val="109000"/>
+                <a:tint val="81000"/>
+              </a:schemeClr>
+            </a:gs>
+          </a:gsLst>
+          <a:lin ang="5400000" scaled="0"/>
+        </a:gradFill>
+        <a:gradFill rotWithShape="1">
+          <a:gsLst>
+            <a:gs pos="0">
+              <a:schemeClr val="phClr">
+                <a:satMod val="103000"/>
+                <a:lumMod val="102000"/>
+                <a:tint val="94000"/>
+              </a:schemeClr>
+            </a:gs>
+            <a:gs pos="50000">
+              <a:schemeClr val="phClr">
+                <a:satMod val="110000"/>
+                <a:lumMod val="100000"/>
+                <a:shade val="100000"/>
+              </a:schemeClr>
+            </a:gs>
+            <a:gs pos="100000">
+              <a:schemeClr val="phClr">
+                <a:lumMod val="99000"/>
+                <a:satMod val="120000"/>
+                <a:shade val="78000"/>
+              </a:schemeClr>
+            </a:gs>
+          </a:gsLst>
+          <a:lin ang="5400000" scaled="0"/>
+        </a:gradFill>
+      </a:fillStyleLst>
+      <a:lnStyleLst>
+        <a:ln w="6350" cap="flat" cmpd="sng" algn="ctr">
+          <a:solidFill>
+            <a:schemeClr val="phClr"/>
+          </a:solidFill>
+          <a:prstDash val="solid"/>
+          <a:miter lim="800000"/>
+        </a:ln>
+        <a:ln w="12700" cap="flat" cmpd="sng" algn="ctr">
+          <a:solidFill>
+            <a:schemeClr val="phClr"/>
+          </a:solidFill>
+          <a:prstDash val="solid"/>
+          <a:miter lim="800000"/>
+        </a:ln>
+        <a:ln w="19050" cap="flat" cmpd="sng" algn="ctr">
+          <a:solidFill>
+            <a:schemeClr val="phClr"/>
+          </a:solidFill>
+          <a:prstDash val="solid"/>
+          <a:miter lim="800000"/>
+        </a:ln>
+      </a:lnStyleLst>
+      <a:effectStyleLst>
+        <a:effectStyle>
+          <a:effectLst/>
+        </a:effectStyle>
+        <a:effectStyle>
+          <a:effectLst/>
+        </a:effectStyle>
+        <a:effectStyle>
+          <a:effectLst>
+            <a:outerShdw blurRad="57150" dist="19050" dir="5400000" algn="ctr" rotWithShape="0">
+              <a:srgbClr val="000000">
+                <a:alpha val="63000"/>
+              </a:srgbClr>
+            </a:outerShdw>
+          </a:effectLst>
+        </a:effectStyle>
+      </a:effectStyleLst>
+      <a:bgFillStyleLst>
+        <a:solidFill>
+          <a:schemeClr val="phClr"/>
+        </a:solidFill>
+        <a:solidFill>
+          <a:schemeClr val="phClr">
+            <a:tint val="95000"/>
+            <a:satMod val="170000"/>
+          </a:schemeClr>
+        </a:solidFill>
+        <a:gradFill rotWithShape="1">
+          <a:gsLst>
+            <a:gs pos="0">
+              <a:schemeClr val="phClr">
+                <a:tint val="93000"/>
+                <a:satMod val="150000"/>
+                <a:shade val="98000"/>
+                <a:lumMod val="102000"/>
+              </a:schemeClr>
+            </a:gs>
+            <a:gs pos="50000">
+              <a:schemeClr val="phClr">
+                <a:tint val="98000"/>
+                <a:satMod val="130000"/>
+                <a:shade val="90000"/>
+                <a:lumMod val="103000"/>
+              </a:schemeClr>
+            </a:gs>
+            <a:gs pos="100000">
+              <a:schemeClr val="phClr">
+                <a:shade val="63000"/>
+                <a:satMod val="120000"/>
+              </a:schemeClr>
+            </a:gs>
+          </a:gsLst>
+          <a:lin ang="5400000" scaled="0"/>
+        </a:gradFill>
+      </a:bgFillStyleLst>
+    </a:fmtScheme>
+  </a:themeElements>
+  <a:objectDefaults/>
+  <a:extraClrSchemeLst/>
+  <a:extLst>
+    <a:ext uri="{05A4C25C-085E-4340-85A3-A5531E510DB2}">
+      <thm15:themeFamily xmlns:thm15="http://schemas.microsoft.com/office/thememl/2012/main" name="Office Theme" id="{62F939B6-93AF-4DB8-9C6B-D6C7DFDC589F}" vid="{4A3C46E8-61CC-4603-A589-7422A47A8E4A}"/>
+    </a:ext>
+  </a:extLst>
+</a:theme>
 </file>
--- a/Doku/Präsentation_FriendFinder.pptx
+++ b/Doku/Präsentation_FriendFinder.pptx
@@ -217,7 +217,7 @@
           <a:p>
             <a:fld id="{238213BF-A081-4FDC-821F-2956847019C0}" type="datetimeFigureOut">
               <a:rPr lang="de-DE" smtClean="0"/>
-              <a:t>14.01.2016</a:t>
+              <a:t>16.01.2016</a:t>
             </a:fld>
             <a:endParaRPr lang="de-DE"/>
           </a:p>
@@ -704,7 +704,7 @@
           <a:p>
             <a:fld id="{16FFA8BD-C8E1-49A0-9DC5-391835568A47}" type="datetimeFigureOut">
               <a:rPr lang="de-DE" smtClean="0"/>
-              <a:t>14.01.2016</a:t>
+              <a:t>16.01.2016</a:t>
             </a:fld>
             <a:endParaRPr lang="de-DE"/>
           </a:p>
@@ -874,7 +874,7 @@
           <a:p>
             <a:fld id="{16FFA8BD-C8E1-49A0-9DC5-391835568A47}" type="datetimeFigureOut">
               <a:rPr lang="de-DE" smtClean="0"/>
-              <a:t>14.01.2016</a:t>
+              <a:t>16.01.2016</a:t>
             </a:fld>
             <a:endParaRPr lang="de-DE"/>
           </a:p>
@@ -1054,7 +1054,7 @@
           <a:p>
             <a:fld id="{16FFA8BD-C8E1-49A0-9DC5-391835568A47}" type="datetimeFigureOut">
               <a:rPr lang="de-DE" smtClean="0"/>
-              <a:t>14.01.2016</a:t>
+              <a:t>16.01.2016</a:t>
             </a:fld>
             <a:endParaRPr lang="de-DE"/>
           </a:p>
@@ -1224,7 +1224,7 @@
           <a:p>
             <a:fld id="{16FFA8BD-C8E1-49A0-9DC5-391835568A47}" type="datetimeFigureOut">
               <a:rPr lang="de-DE" smtClean="0"/>
-              <a:t>14.01.2016</a:t>
+              <a:t>16.01.2016</a:t>
             </a:fld>
             <a:endParaRPr lang="de-DE"/>
           </a:p>
@@ -1470,7 +1470,7 @@
           <a:p>
             <a:fld id="{16FFA8BD-C8E1-49A0-9DC5-391835568A47}" type="datetimeFigureOut">
               <a:rPr lang="de-DE" smtClean="0"/>
-              <a:t>14.01.2016</a:t>
+              <a:t>16.01.2016</a:t>
             </a:fld>
             <a:endParaRPr lang="de-DE"/>
           </a:p>
@@ -1702,7 +1702,7 @@
           <a:p>
             <a:fld id="{16FFA8BD-C8E1-49A0-9DC5-391835568A47}" type="datetimeFigureOut">
               <a:rPr lang="de-DE" smtClean="0"/>
-              <a:t>14.01.2016</a:t>
+              <a:t>16.01.2016</a:t>
             </a:fld>
             <a:endParaRPr lang="de-DE"/>
           </a:p>
@@ -2069,7 +2069,7 @@
           <a:p>
             <a:fld id="{16FFA8BD-C8E1-49A0-9DC5-391835568A47}" type="datetimeFigureOut">
               <a:rPr lang="de-DE" smtClean="0"/>
-              <a:t>14.01.2016</a:t>
+              <a:t>16.01.2016</a:t>
             </a:fld>
             <a:endParaRPr lang="de-DE"/>
           </a:p>
@@ -2187,7 +2187,7 @@
           <a:p>
             <a:fld id="{16FFA8BD-C8E1-49A0-9DC5-391835568A47}" type="datetimeFigureOut">
               <a:rPr lang="de-DE" smtClean="0"/>
-              <a:t>14.01.2016</a:t>
+              <a:t>16.01.2016</a:t>
             </a:fld>
             <a:endParaRPr lang="de-DE"/>
           </a:p>
@@ -2282,7 +2282,7 @@
           <a:p>
             <a:fld id="{16FFA8BD-C8E1-49A0-9DC5-391835568A47}" type="datetimeFigureOut">
               <a:rPr lang="de-DE" smtClean="0"/>
-              <a:t>14.01.2016</a:t>
+              <a:t>16.01.2016</a:t>
             </a:fld>
             <a:endParaRPr lang="de-DE"/>
           </a:p>
@@ -2559,7 +2559,7 @@
           <a:p>
             <a:fld id="{16FFA8BD-C8E1-49A0-9DC5-391835568A47}" type="datetimeFigureOut">
               <a:rPr lang="de-DE" smtClean="0"/>
-              <a:t>14.01.2016</a:t>
+              <a:t>16.01.2016</a:t>
             </a:fld>
             <a:endParaRPr lang="de-DE"/>
           </a:p>
@@ -2812,7 +2812,7 @@
           <a:p>
             <a:fld id="{16FFA8BD-C8E1-49A0-9DC5-391835568A47}" type="datetimeFigureOut">
               <a:rPr lang="de-DE" smtClean="0"/>
-              <a:t>14.01.2016</a:t>
+              <a:t>16.01.2016</a:t>
             </a:fld>
             <a:endParaRPr lang="de-DE"/>
           </a:p>
@@ -3025,7 +3025,7 @@
           <a:p>
             <a:fld id="{16FFA8BD-C8E1-49A0-9DC5-391835568A47}" type="datetimeFigureOut">
               <a:rPr lang="de-DE" smtClean="0"/>
-              <a:t>14.01.2016</a:t>
+              <a:t>16.01.2016</a:t>
             </a:fld>
             <a:endParaRPr lang="de-DE"/>
           </a:p>
@@ -3470,15 +3470,7 @@
           <a:p>
             <a:r>
               <a:rPr lang="de-DE" dirty="0" smtClean="0"/>
-              <a:t>Finde deine Freunde schnell, unkompliziert und mit </a:t>
-            </a:r>
-            <a:r>
-              <a:rPr lang="de-DE" dirty="0" smtClean="0"/>
-              <a:t>Smartphone-Unterstützung, </a:t>
-            </a:r>
-            <a:r>
-              <a:rPr lang="de-DE" dirty="0" smtClean="0"/>
-              <a:t>wenn du mal den Überblick verloren hast!</a:t>
+              <a:t>Finde deine Freunde schnell, unkompliziert und mit Smartphone-Unterstützung, wenn du mal den Überblick verloren hast!</a:t>
             </a:r>
             <a:endParaRPr lang="de-DE" dirty="0"/>
           </a:p>
@@ -4961,16 +4953,11 @@
               <a:rPr lang="de-DE" dirty="0" smtClean="0"/>
               <a:t>Rest-Schnittstelle (HTTP)</a:t>
             </a:r>
-            <a:endParaRPr lang="de-DE" dirty="0" smtClean="0"/>
-          </a:p>
-          <a:p>
-            <a:r>
-              <a:rPr lang="de-DE" dirty="0" smtClean="0"/>
-              <a:t>Datenaustausch mittels </a:t>
-            </a:r>
-            <a:r>
-              <a:rPr lang="de-DE" dirty="0" smtClean="0"/>
-              <a:t>JSON</a:t>
+          </a:p>
+          <a:p>
+            <a:r>
+              <a:rPr lang="de-DE" dirty="0" smtClean="0"/>
+              <a:t>Datenaustausch mittels JSON</a:t>
             </a:r>
           </a:p>
           <a:p>
@@ -5505,7 +5492,6 @@
               <a:rPr lang="de-DE" dirty="0" smtClean="0"/>
               <a:t>Ohne Oberfläche</a:t>
             </a:r>
-            <a:endParaRPr lang="de-DE" dirty="0" smtClean="0"/>
           </a:p>
           <a:p>
             <a:endParaRPr lang="de-DE" i="1" dirty="0"/>
@@ -5529,11 +5515,11 @@
   <p:clrMapOvr>
     <a:masterClrMapping/>
   </p:clrMapOvr>
-  <mc:AlternateContent xmlns:mc="http://schemas.openxmlformats.org/markup-compatibility/2006">
-    <mc:Choice xmlns:p14="http://schemas.microsoft.com/office/powerpoint/2010/main" Requires="p14">
+  <mc:AlternateContent xmlns:mc="http://schemas.openxmlformats.org/markup-compatibility/2006" xmlns:p14="http://schemas.microsoft.com/office/powerpoint/2010/main">
+    <mc:Choice Requires="p14">
       <p:transition spd="slow" p14:dur="2000"/>
     </mc:Choice>
-    <mc:Fallback>
+    <mc:Fallback xmlns="">
       <p:transition spd="slow"/>
     </mc:Fallback>
   </mc:AlternateContent>
@@ -5612,15 +5598,7 @@
           <a:p>
             <a:r>
               <a:rPr lang="de-DE" dirty="0" smtClean="0"/>
-              <a:t>Request zur Registrierung </a:t>
-            </a:r>
-            <a:r>
-              <a:rPr lang="de-DE" dirty="0" smtClean="0"/>
-              <a:t>(POST</a:t>
-            </a:r>
-            <a:r>
-              <a:rPr lang="de-DE" dirty="0" smtClean="0"/>
-              <a:t>)</a:t>
+              <a:t>Request zur Registrierung (POST)</a:t>
             </a:r>
           </a:p>
           <a:p>
@@ -5666,11 +5644,11 @@
   <p:clrMapOvr>
     <a:masterClrMapping/>
   </p:clrMapOvr>
-  <mc:AlternateContent xmlns:mc="http://schemas.openxmlformats.org/markup-compatibility/2006">
-    <mc:Choice xmlns:p14="http://schemas.microsoft.com/office/powerpoint/2010/main" Requires="p14">
+  <mc:AlternateContent xmlns:mc="http://schemas.openxmlformats.org/markup-compatibility/2006" xmlns:p14="http://schemas.microsoft.com/office/powerpoint/2010/main">
+    <mc:Choice Requires="p14">
       <p:transition spd="slow" p14:dur="2000"/>
     </mc:Choice>
-    <mc:Fallback>
+    <mc:Fallback xmlns="">
       <p:transition spd="slow"/>
     </mc:Fallback>
   </mc:AlternateContent>
@@ -5758,11 +5736,7 @@
             <a:pPr lvl="1"/>
             <a:r>
               <a:rPr lang="de-DE" dirty="0" smtClean="0"/>
-              <a:t>2D-Richtungspfeil und Entfernungsangabe pro </a:t>
-            </a:r>
-            <a:r>
-              <a:rPr lang="de-DE" dirty="0" smtClean="0"/>
-              <a:t>Kontakt</a:t>
+              <a:t>2D-Richtungspfeil und Entfernungsangabe pro Kontakt</a:t>
             </a:r>
           </a:p>
           <a:p>
@@ -5783,11 +5757,7 @@
             <a:pPr lvl="1"/>
             <a:r>
               <a:rPr lang="de-DE" dirty="0" smtClean="0"/>
-              <a:t>Alle </a:t>
-            </a:r>
-            <a:r>
-              <a:rPr lang="de-DE" dirty="0" smtClean="0"/>
-              <a:t>Kontakte, die im Telefonbuch und am Server registriert sind, als Rückgabewert</a:t>
+              <a:t>Alle Kontakte, die im Telefonbuch und am Server registriert sind, als Rückgabewert</a:t>
             </a:r>
             <a:endParaRPr lang="de-DE" i="1" dirty="0"/>
           </a:p>
@@ -5812,11 +5782,11 @@
   <p:clrMapOvr>
     <a:masterClrMapping/>
   </p:clrMapOvr>
-  <mc:AlternateContent xmlns:mc="http://schemas.openxmlformats.org/markup-compatibility/2006">
-    <mc:Choice xmlns:p14="http://schemas.microsoft.com/office/powerpoint/2010/main" Requires="p14">
+  <mc:AlternateContent xmlns:mc="http://schemas.openxmlformats.org/markup-compatibility/2006" xmlns:p14="http://schemas.microsoft.com/office/powerpoint/2010/main">
+    <mc:Choice Requires="p14">
       <p:transition spd="slow" p14:dur="2000"/>
     </mc:Choice>
-    <mc:Fallback>
+    <mc:Fallback xmlns="">
       <p:transition spd="slow"/>
     </mc:Fallback>
   </mc:AlternateContent>
@@ -6063,11 +6033,11 @@
   <p:clrMapOvr>
     <a:masterClrMapping/>
   </p:clrMapOvr>
-  <mc:AlternateContent xmlns:mc="http://schemas.openxmlformats.org/markup-compatibility/2006">
-    <mc:Choice xmlns:p14="http://schemas.microsoft.com/office/powerpoint/2010/main" Requires="p14">
+  <mc:AlternateContent xmlns:mc="http://schemas.openxmlformats.org/markup-compatibility/2006" xmlns:p14="http://schemas.microsoft.com/office/powerpoint/2010/main">
+    <mc:Choice Requires="p14">
       <p:transition spd="slow" p14:dur="2000"/>
     </mc:Choice>
-    <mc:Fallback>
+    <mc:Fallback xmlns="">
       <p:transition spd="slow"/>
     </mc:Fallback>
   </mc:AlternateContent>
@@ -6162,11 +6132,11 @@
   <p:clrMapOvr>
     <a:masterClrMapping/>
   </p:clrMapOvr>
-  <mc:AlternateContent xmlns:mc="http://schemas.openxmlformats.org/markup-compatibility/2006">
-    <mc:Choice xmlns:p14="http://schemas.microsoft.com/office/powerpoint/2010/main" Requires="p14">
+  <mc:AlternateContent xmlns:mc="http://schemas.openxmlformats.org/markup-compatibility/2006" xmlns:p14="http://schemas.microsoft.com/office/powerpoint/2010/main">
+    <mc:Choice Requires="p14">
       <p:transition spd="slow" p14:dur="2000"/>
     </mc:Choice>
-    <mc:Fallback>
+    <mc:Fallback xmlns="">
       <p:transition spd="slow"/>
     </mc:Fallback>
   </mc:AlternateContent>
@@ -6255,24 +6225,26 @@
           <a:p>
             <a:r>
               <a:rPr lang="de-DE" dirty="0" smtClean="0"/>
-              <a:t>Navigation durch Kameraführung mit 3D-Richtungspfeil und Entfernungsangabe</a:t>
-            </a:r>
-          </a:p>
-          <a:p>
+              <a:t>Navigation durch Kameraführung mit 3D-Richtungspfeil und </a:t>
+            </a:r>
+            <a:r>
+              <a:rPr lang="de-DE" dirty="0" smtClean="0"/>
+              <a:t>Entfernungsangabe</a:t>
+            </a:r>
             <a:endParaRPr lang="de-DE" dirty="0"/>
           </a:p>
           <a:p>
             <a:r>
               <a:rPr lang="de-DE" dirty="0" smtClean="0"/>
-              <a:t>Zusätzlich Überblick der Standorte aller Freunde die den </a:t>
-            </a:r>
-            <a:r>
-              <a:rPr lang="de-DE" dirty="0" err="1" smtClean="0"/>
-              <a:t>FriendFinder</a:t>
-            </a:r>
-            <a:r>
-              <a:rPr lang="de-DE" dirty="0" smtClean="0"/>
-              <a:t> auch verwenden</a:t>
+              <a:t>Zusätzlich Überblick der Standorte aller Freunde die </a:t>
+            </a:r>
+            <a:r>
+              <a:rPr lang="de-DE" dirty="0" smtClean="0"/>
+              <a:t>die App auch </a:t>
+            </a:r>
+            <a:r>
+              <a:rPr lang="de-DE" dirty="0" smtClean="0"/>
+              <a:t>verwenden</a:t>
             </a:r>
             <a:endParaRPr lang="de-DE" dirty="0"/>
           </a:p>
@@ -7713,6 +7685,66 @@
           <a:chExt cx="0" cy="0"/>
         </a:xfrm>
       </p:grpSpPr>
+      <p:pic>
+        <p:nvPicPr>
+          <p:cNvPr id="2" name="Grafik 1"/>
+          <p:cNvPicPr>
+            <a:picLocks noChangeAspect="1"/>
+          </p:cNvPicPr>
+          <p:nvPr/>
+        </p:nvPicPr>
+        <p:blipFill>
+          <a:blip r:embed="rId2" cstate="print">
+            <a:extLst>
+              <a:ext uri="{28A0092B-C50C-407E-A947-70E740481C1C}">
+                <a14:useLocalDpi xmlns:a14="http://schemas.microsoft.com/office/drawing/2010/main" val="0"/>
+              </a:ext>
+            </a:extLst>
+          </a:blip>
+          <a:stretch>
+            <a:fillRect/>
+          </a:stretch>
+        </p:blipFill>
+        <p:spPr>
+          <a:xfrm>
+            <a:off x="1270444" y="256032"/>
+            <a:ext cx="3511296" cy="6242304"/>
+          </a:xfrm>
+          <a:prstGeom prst="rect">
+            <a:avLst/>
+          </a:prstGeom>
+        </p:spPr>
+      </p:pic>
+      <p:sp>
+        <p:nvSpPr>
+          <p:cNvPr id="3" name="Textfeld 2"/>
+          <p:cNvSpPr txBox="1"/>
+          <p:nvPr/>
+        </p:nvSpPr>
+        <p:spPr>
+          <a:xfrm>
+            <a:off x="6473952" y="2913888"/>
+            <a:ext cx="3949414" cy="646331"/>
+          </a:xfrm>
+          <a:prstGeom prst="rect">
+            <a:avLst/>
+          </a:prstGeom>
+          <a:noFill/>
+        </p:spPr>
+        <p:txBody>
+          <a:bodyPr wrap="none" rtlCol="0">
+            <a:spAutoFit/>
+          </a:bodyPr>
+          <a:lstStyle/>
+          <a:p>
+            <a:r>
+              <a:rPr lang="de-DE" sz="3600" b="1" dirty="0" err="1" smtClean="0"/>
+              <a:t>RegistrationActivity</a:t>
+            </a:r>
+            <a:endParaRPr lang="de-DE" sz="3600" b="1" dirty="0"/>
+          </a:p>
+        </p:txBody>
+      </p:sp>
     </p:spTree>
     <p:extLst>
       <p:ext uri="{BB962C8B-B14F-4D97-AF65-F5344CB8AC3E}">
@@ -9141,6 +9173,66 @@
           <a:chExt cx="0" cy="0"/>
         </a:xfrm>
       </p:grpSpPr>
+      <p:sp>
+        <p:nvSpPr>
+          <p:cNvPr id="2" name="Textfeld 1"/>
+          <p:cNvSpPr txBox="1"/>
+          <p:nvPr/>
+        </p:nvSpPr>
+        <p:spPr>
+          <a:xfrm>
+            <a:off x="6473952" y="2913888"/>
+            <a:ext cx="4727384" cy="646331"/>
+          </a:xfrm>
+          <a:prstGeom prst="rect">
+            <a:avLst/>
+          </a:prstGeom>
+          <a:noFill/>
+        </p:spPr>
+        <p:txBody>
+          <a:bodyPr wrap="none" rtlCol="0">
+            <a:spAutoFit/>
+          </a:bodyPr>
+          <a:lstStyle/>
+          <a:p>
+            <a:r>
+              <a:rPr lang="de-DE" sz="3600" b="1" dirty="0" err="1" smtClean="0"/>
+              <a:t>ContactListViewActivity</a:t>
+            </a:r>
+            <a:endParaRPr lang="de-DE" sz="3600" b="1" dirty="0"/>
+          </a:p>
+        </p:txBody>
+      </p:sp>
+      <p:pic>
+        <p:nvPicPr>
+          <p:cNvPr id="3" name="Grafik 2"/>
+          <p:cNvPicPr>
+            <a:picLocks noChangeAspect="1"/>
+          </p:cNvPicPr>
+          <p:nvPr/>
+        </p:nvPicPr>
+        <p:blipFill>
+          <a:blip r:embed="rId2" cstate="print">
+            <a:extLst>
+              <a:ext uri="{28A0092B-C50C-407E-A947-70E740481C1C}">
+                <a14:useLocalDpi xmlns:a14="http://schemas.microsoft.com/office/drawing/2010/main" val="0"/>
+              </a:ext>
+            </a:extLst>
+          </a:blip>
+          <a:stretch>
+            <a:fillRect/>
+          </a:stretch>
+        </p:blipFill>
+        <p:spPr>
+          <a:xfrm>
+            <a:off x="1631251" y="353568"/>
+            <a:ext cx="3440621" cy="6116660"/>
+          </a:xfrm>
+          <a:prstGeom prst="rect">
+            <a:avLst/>
+          </a:prstGeom>
+        </p:spPr>
+      </p:pic>
     </p:spTree>
     <p:extLst>
       <p:ext uri="{BB962C8B-B14F-4D97-AF65-F5344CB8AC3E}">
@@ -10569,6 +10661,66 @@
           <a:chExt cx="0" cy="0"/>
         </a:xfrm>
       </p:grpSpPr>
+      <p:sp>
+        <p:nvSpPr>
+          <p:cNvPr id="2" name="Textfeld 1"/>
+          <p:cNvSpPr txBox="1"/>
+          <p:nvPr/>
+        </p:nvSpPr>
+        <p:spPr>
+          <a:xfrm>
+            <a:off x="6473952" y="2913888"/>
+            <a:ext cx="3706977" cy="646331"/>
+          </a:xfrm>
+          <a:prstGeom prst="rect">
+            <a:avLst/>
+          </a:prstGeom>
+          <a:noFill/>
+        </p:spPr>
+        <p:txBody>
+          <a:bodyPr wrap="none" rtlCol="0">
+            <a:spAutoFit/>
+          </a:bodyPr>
+          <a:lstStyle/>
+          <a:p>
+            <a:r>
+              <a:rPr lang="de-DE" sz="3600" b="1" dirty="0" err="1" smtClean="0"/>
+              <a:t>NavigationActivity</a:t>
+            </a:r>
+            <a:endParaRPr lang="de-DE" sz="3600" b="1" dirty="0"/>
+          </a:p>
+        </p:txBody>
+      </p:sp>
+      <p:pic>
+        <p:nvPicPr>
+          <p:cNvPr id="3" name="Grafik 2"/>
+          <p:cNvPicPr>
+            <a:picLocks noChangeAspect="1"/>
+          </p:cNvPicPr>
+          <p:nvPr/>
+        </p:nvPicPr>
+        <p:blipFill>
+          <a:blip r:embed="rId2" cstate="print">
+            <a:extLst>
+              <a:ext uri="{28A0092B-C50C-407E-A947-70E740481C1C}">
+                <a14:useLocalDpi xmlns:a14="http://schemas.microsoft.com/office/drawing/2010/main" val="0"/>
+              </a:ext>
+            </a:extLst>
+          </a:blip>
+          <a:stretch>
+            <a:fillRect/>
+          </a:stretch>
+        </p:blipFill>
+        <p:spPr>
+          <a:xfrm>
+            <a:off x="1862900" y="170765"/>
+            <a:ext cx="3449574" cy="6132576"/>
+          </a:xfrm>
+          <a:prstGeom prst="rect">
+            <a:avLst/>
+          </a:prstGeom>
+        </p:spPr>
+      </p:pic>
     </p:spTree>
     <p:extLst>
       <p:ext uri="{BB962C8B-B14F-4D97-AF65-F5344CB8AC3E}">
